--- a/Cyber Security/BSBXCS402 - AT2 Project/AT2.1/30106121_AT2.1_CyberSecurity_CleanDeskPresentation.pptx
+++ b/Cyber Security/BSBXCS402 - AT2 Project/AT2.1/30106121_AT2.1_CyberSecurity_CleanDeskPresentation.pptx
@@ -4,9 +4,18 @@
   <p:sldMasterIdLst>
     <p:sldMasterId id="2147483660" r:id="rId4"/>
   </p:sldMasterIdLst>
+  <p:notesMasterIdLst>
+    <p:notesMasterId r:id="rId13"/>
+  </p:notesMasterIdLst>
   <p:sldIdLst>
     <p:sldId id="292" r:id="rId5"/>
-    <p:sldId id="309" r:id="rId6"/>
+    <p:sldId id="310" r:id="rId6"/>
+    <p:sldId id="317" r:id="rId7"/>
+    <p:sldId id="312" r:id="rId8"/>
+    <p:sldId id="316" r:id="rId9"/>
+    <p:sldId id="311" r:id="rId10"/>
+    <p:sldId id="313" r:id="rId11"/>
+    <p:sldId id="318" r:id="rId12"/>
   </p:sldIdLst>
   <p:sldSz cx="12192000" cy="6858000"/>
   <p:notesSz cx="6858000" cy="9144000"/>
@@ -113,2765 +122,546 @@
 </p:presentation>
 </file>
 
-<file path=ppt/diagrams/colors1.xml><?xml version="1.0" encoding="utf-8"?>
-<dgm:colorsDef xmlns:dgm="http://schemas.openxmlformats.org/drawingml/2006/diagram" xmlns:a="http://schemas.openxmlformats.org/drawingml/2006/main" uniqueId="urn:microsoft.com/office/officeart/2005/8/colors/accent0_3">
-  <dgm:title val=""/>
-  <dgm:desc val=""/>
-  <dgm:catLst>
-    <dgm:cat type="mainScheme" pri="10300"/>
-  </dgm:catLst>
-  <dgm:styleLbl name="node0">
-    <dgm:fillClrLst meth="repeat">
-      <a:schemeClr val="dk2"/>
-    </dgm:fillClrLst>
-    <dgm:linClrLst meth="repeat">
-      <a:schemeClr val="lt2"/>
-    </dgm:linClrLst>
-    <dgm:effectClrLst/>
-    <dgm:txLinClrLst/>
-    <dgm:txFillClrLst/>
-    <dgm:txEffectClrLst/>
-  </dgm:styleLbl>
-  <dgm:styleLbl name="alignNode1">
-    <dgm:fillClrLst meth="repeat">
-      <a:schemeClr val="dk2"/>
-    </dgm:fillClrLst>
-    <dgm:linClrLst meth="repeat">
-      <a:schemeClr val="dk2"/>
-    </dgm:linClrLst>
-    <dgm:effectClrLst/>
-    <dgm:txLinClrLst/>
-    <dgm:txFillClrLst/>
-    <dgm:txEffectClrLst/>
-  </dgm:styleLbl>
-  <dgm:styleLbl name="node1">
-    <dgm:fillClrLst meth="repeat">
-      <a:schemeClr val="dk2"/>
-    </dgm:fillClrLst>
-    <dgm:linClrLst meth="repeat">
-      <a:schemeClr val="lt2"/>
-    </dgm:linClrLst>
-    <dgm:effectClrLst/>
-    <dgm:txLinClrLst/>
-    <dgm:txFillClrLst/>
-    <dgm:txEffectClrLst/>
-  </dgm:styleLbl>
-  <dgm:styleLbl name="lnNode1">
-    <dgm:fillClrLst meth="repeat">
-      <a:schemeClr val="dk2"/>
-    </dgm:fillClrLst>
-    <dgm:linClrLst meth="repeat">
-      <a:schemeClr val="lt2"/>
-    </dgm:linClrLst>
-    <dgm:effectClrLst/>
-    <dgm:txLinClrLst/>
-    <dgm:txFillClrLst/>
-    <dgm:txEffectClrLst/>
-  </dgm:styleLbl>
-  <dgm:styleLbl name="vennNode1">
-    <dgm:fillClrLst meth="repeat">
-      <a:schemeClr val="dk2">
-        <a:alpha val="50000"/>
-      </a:schemeClr>
-    </dgm:fillClrLst>
-    <dgm:linClrLst meth="repeat">
-      <a:schemeClr val="lt2"/>
-    </dgm:linClrLst>
-    <dgm:effectClrLst/>
-    <dgm:txLinClrLst/>
-    <dgm:txFillClrLst/>
-    <dgm:txEffectClrLst/>
-  </dgm:styleLbl>
-  <dgm:styleLbl name="node2">
-    <dgm:fillClrLst meth="repeat">
-      <a:schemeClr val="dk2"/>
-    </dgm:fillClrLst>
-    <dgm:linClrLst meth="repeat">
-      <a:schemeClr val="lt2"/>
-    </dgm:linClrLst>
-    <dgm:effectClrLst/>
-    <dgm:txLinClrLst/>
-    <dgm:txFillClrLst/>
-    <dgm:txEffectClrLst/>
-  </dgm:styleLbl>
-  <dgm:styleLbl name="node3">
-    <dgm:fillClrLst meth="repeat">
-      <a:schemeClr val="dk2"/>
-    </dgm:fillClrLst>
-    <dgm:linClrLst meth="repeat">
-      <a:schemeClr val="lt2"/>
-    </dgm:linClrLst>
-    <dgm:effectClrLst/>
-    <dgm:txLinClrLst/>
-    <dgm:txFillClrLst/>
-    <dgm:txEffectClrLst/>
-  </dgm:styleLbl>
-  <dgm:styleLbl name="node4">
-    <dgm:fillClrLst meth="repeat">
-      <a:schemeClr val="dk2"/>
-    </dgm:fillClrLst>
-    <dgm:linClrLst meth="repeat">
-      <a:schemeClr val="lt2"/>
-    </dgm:linClrLst>
-    <dgm:effectClrLst/>
-    <dgm:txLinClrLst/>
-    <dgm:txFillClrLst/>
-    <dgm:txEffectClrLst/>
-  </dgm:styleLbl>
-  <dgm:styleLbl name="fgImgPlace1">
-    <dgm:fillClrLst meth="repeat">
-      <a:schemeClr val="dk2">
-        <a:tint val="50000"/>
-      </a:schemeClr>
-    </dgm:fillClrLst>
-    <dgm:linClrLst meth="repeat">
-      <a:schemeClr val="lt2"/>
-    </dgm:linClrLst>
-    <dgm:effectClrLst/>
-    <dgm:txLinClrLst/>
-    <dgm:txFillClrLst meth="repeat">
-      <a:schemeClr val="lt2"/>
-    </dgm:txFillClrLst>
-    <dgm:txEffectClrLst/>
-  </dgm:styleLbl>
-  <dgm:styleLbl name="alignImgPlace1">
-    <dgm:fillClrLst meth="repeat">
-      <a:schemeClr val="dk2">
-        <a:tint val="50000"/>
-      </a:schemeClr>
-    </dgm:fillClrLst>
-    <dgm:linClrLst meth="repeat">
-      <a:schemeClr val="dk2">
-        <a:shade val="80000"/>
-      </a:schemeClr>
-    </dgm:linClrLst>
-    <dgm:effectClrLst/>
-    <dgm:txLinClrLst/>
-    <dgm:txFillClrLst meth="repeat">
-      <a:schemeClr val="lt2"/>
-    </dgm:txFillClrLst>
-    <dgm:txEffectClrLst/>
-  </dgm:styleLbl>
-  <dgm:styleLbl name="bgImgPlace1">
-    <dgm:fillClrLst meth="repeat">
-      <a:schemeClr val="dk2">
-        <a:tint val="50000"/>
-      </a:schemeClr>
-    </dgm:fillClrLst>
-    <dgm:linClrLst meth="repeat">
-      <a:schemeClr val="dk2">
-        <a:shade val="80000"/>
-      </a:schemeClr>
-    </dgm:linClrLst>
-    <dgm:effectClrLst/>
-    <dgm:txLinClrLst/>
-    <dgm:txFillClrLst meth="repeat">
-      <a:schemeClr val="lt2"/>
-    </dgm:txFillClrLst>
-    <dgm:txEffectClrLst/>
-  </dgm:styleLbl>
-  <dgm:styleLbl name="sibTrans2D1">
-    <dgm:fillClrLst meth="repeat">
-      <a:schemeClr val="dk2">
-        <a:tint val="60000"/>
-      </a:schemeClr>
-    </dgm:fillClrLst>
-    <dgm:linClrLst meth="repeat">
-      <a:schemeClr val="dk2">
-        <a:tint val="60000"/>
-      </a:schemeClr>
-    </dgm:linClrLst>
-    <dgm:effectClrLst/>
-    <dgm:txLinClrLst/>
-    <dgm:txFillClrLst/>
-    <dgm:txEffectClrLst/>
-  </dgm:styleLbl>
-  <dgm:styleLbl name="fgSibTrans2D1">
-    <dgm:fillClrLst meth="repeat">
-      <a:schemeClr val="dk2">
-        <a:tint val="60000"/>
-      </a:schemeClr>
-    </dgm:fillClrLst>
-    <dgm:linClrLst meth="repeat">
-      <a:schemeClr val="dk2">
-        <a:tint val="60000"/>
-      </a:schemeClr>
-    </dgm:linClrLst>
-    <dgm:effectClrLst/>
-    <dgm:txLinClrLst/>
-    <dgm:txFillClrLst/>
-    <dgm:txEffectClrLst/>
-  </dgm:styleLbl>
-  <dgm:styleLbl name="bgSibTrans2D1">
-    <dgm:fillClrLst meth="repeat">
-      <a:schemeClr val="dk2">
-        <a:tint val="60000"/>
-      </a:schemeClr>
-    </dgm:fillClrLst>
-    <dgm:linClrLst meth="repeat">
-      <a:schemeClr val="dk2">
-        <a:tint val="60000"/>
-      </a:schemeClr>
-    </dgm:linClrLst>
-    <dgm:effectClrLst/>
-    <dgm:txLinClrLst/>
-    <dgm:txFillClrLst/>
-    <dgm:txEffectClrLst/>
-  </dgm:styleLbl>
-  <dgm:styleLbl name="sibTrans1D1">
-    <dgm:fillClrLst meth="repeat">
-      <a:schemeClr val="dk2"/>
-    </dgm:fillClrLst>
-    <dgm:linClrLst meth="repeat">
-      <a:schemeClr val="dk2"/>
-    </dgm:linClrLst>
-    <dgm:effectClrLst/>
-    <dgm:txLinClrLst/>
-    <dgm:txFillClrLst meth="repeat">
-      <a:schemeClr val="lt2"/>
-    </dgm:txFillClrLst>
-    <dgm:txEffectClrLst/>
-  </dgm:styleLbl>
-  <dgm:styleLbl name="callout">
-    <dgm:fillClrLst meth="repeat">
-      <a:schemeClr val="dk2"/>
-    </dgm:fillClrLst>
-    <dgm:linClrLst meth="repeat">
-      <a:schemeClr val="dk2">
-        <a:tint val="50000"/>
-      </a:schemeClr>
-    </dgm:linClrLst>
-    <dgm:effectClrLst/>
-    <dgm:txLinClrLst/>
-    <dgm:txFillClrLst meth="repeat">
-      <a:schemeClr val="lt2"/>
-    </dgm:txFillClrLst>
-    <dgm:txEffectClrLst/>
-  </dgm:styleLbl>
-  <dgm:styleLbl name="asst0">
-    <dgm:fillClrLst meth="repeat">
-      <a:schemeClr val="dk2"/>
-    </dgm:fillClrLst>
-    <dgm:linClrLst meth="repeat">
-      <a:schemeClr val="lt2"/>
-    </dgm:linClrLst>
-    <dgm:effectClrLst/>
-    <dgm:txLinClrLst/>
-    <dgm:txFillClrLst/>
-    <dgm:txEffectClrLst/>
-  </dgm:styleLbl>
-  <dgm:styleLbl name="asst1">
-    <dgm:fillClrLst meth="repeat">
-      <a:schemeClr val="dk2"/>
-    </dgm:fillClrLst>
-    <dgm:linClrLst meth="repeat">
-      <a:schemeClr val="lt2"/>
-    </dgm:linClrLst>
-    <dgm:effectClrLst/>
-    <dgm:txLinClrLst/>
-    <dgm:txFillClrLst/>
-    <dgm:txEffectClrLst/>
-  </dgm:styleLbl>
-  <dgm:styleLbl name="asst2">
-    <dgm:fillClrLst meth="repeat">
-      <a:schemeClr val="dk2"/>
-    </dgm:fillClrLst>
-    <dgm:linClrLst meth="repeat">
-      <a:schemeClr val="lt2"/>
-    </dgm:linClrLst>
-    <dgm:effectClrLst/>
-    <dgm:txLinClrLst/>
-    <dgm:txFillClrLst/>
-    <dgm:txEffectClrLst/>
-  </dgm:styleLbl>
-  <dgm:styleLbl name="asst3">
-    <dgm:fillClrLst meth="repeat">
-      <a:schemeClr val="dk2"/>
-    </dgm:fillClrLst>
-    <dgm:linClrLst meth="repeat">
-      <a:schemeClr val="lt2"/>
-    </dgm:linClrLst>
-    <dgm:effectClrLst/>
-    <dgm:txLinClrLst/>
-    <dgm:txFillClrLst/>
-    <dgm:txEffectClrLst/>
-  </dgm:styleLbl>
-  <dgm:styleLbl name="asst4">
-    <dgm:fillClrLst meth="repeat">
-      <a:schemeClr val="dk2"/>
-    </dgm:fillClrLst>
-    <dgm:linClrLst meth="repeat">
-      <a:schemeClr val="lt2"/>
-    </dgm:linClrLst>
-    <dgm:effectClrLst/>
-    <dgm:txLinClrLst/>
-    <dgm:txFillClrLst/>
-    <dgm:txEffectClrLst/>
-  </dgm:styleLbl>
-  <dgm:styleLbl name="parChTrans2D1">
-    <dgm:fillClrLst meth="repeat">
-      <a:schemeClr val="dk2">
-        <a:tint val="60000"/>
-      </a:schemeClr>
-    </dgm:fillClrLst>
-    <dgm:linClrLst meth="repeat">
-      <a:schemeClr val="dk2">
-        <a:tint val="60000"/>
-      </a:schemeClr>
-    </dgm:linClrLst>
-    <dgm:effectClrLst/>
-    <dgm:txLinClrLst/>
-    <dgm:txFillClrLst meth="repeat">
-      <a:schemeClr val="lt2"/>
-    </dgm:txFillClrLst>
-    <dgm:txEffectClrLst/>
-  </dgm:styleLbl>
-  <dgm:styleLbl name="parChTrans2D2">
-    <dgm:fillClrLst meth="repeat">
-      <a:schemeClr val="dk2"/>
-    </dgm:fillClrLst>
-    <dgm:linClrLst meth="repeat">
-      <a:schemeClr val="dk2"/>
-    </dgm:linClrLst>
-    <dgm:effectClrLst/>
-    <dgm:txLinClrLst/>
-    <dgm:txFillClrLst meth="repeat">
-      <a:schemeClr val="lt2"/>
-    </dgm:txFillClrLst>
-    <dgm:txEffectClrLst/>
-  </dgm:styleLbl>
-  <dgm:styleLbl name="parChTrans2D3">
-    <dgm:fillClrLst meth="repeat">
-      <a:schemeClr val="dk2"/>
-    </dgm:fillClrLst>
-    <dgm:linClrLst meth="repeat">
-      <a:schemeClr val="dk2"/>
-    </dgm:linClrLst>
-    <dgm:effectClrLst/>
-    <dgm:txLinClrLst/>
-    <dgm:txFillClrLst meth="repeat">
-      <a:schemeClr val="lt2"/>
-    </dgm:txFillClrLst>
-    <dgm:txEffectClrLst/>
-  </dgm:styleLbl>
-  <dgm:styleLbl name="parChTrans2D4">
-    <dgm:fillClrLst meth="repeat">
-      <a:schemeClr val="dk2"/>
-    </dgm:fillClrLst>
-    <dgm:linClrLst meth="repeat">
-      <a:schemeClr val="dk2"/>
-    </dgm:linClrLst>
-    <dgm:effectClrLst/>
-    <dgm:txLinClrLst/>
-    <dgm:txFillClrLst meth="repeat">
-      <a:schemeClr val="lt2"/>
-    </dgm:txFillClrLst>
-    <dgm:txEffectClrLst/>
-  </dgm:styleLbl>
-  <dgm:styleLbl name="parChTrans1D1">
-    <dgm:fillClrLst meth="repeat">
-      <a:schemeClr val="dk2"/>
-    </dgm:fillClrLst>
-    <dgm:linClrLst meth="repeat">
-      <a:schemeClr val="dk2">
-        <a:shade val="60000"/>
-      </a:schemeClr>
-    </dgm:linClrLst>
-    <dgm:effectClrLst/>
-    <dgm:txLinClrLst/>
-    <dgm:txFillClrLst meth="repeat">
-      <a:schemeClr val="tx1"/>
-    </dgm:txFillClrLst>
-    <dgm:txEffectClrLst/>
-  </dgm:styleLbl>
-  <dgm:styleLbl name="parChTrans1D2">
-    <dgm:fillClrLst meth="repeat">
-      <a:schemeClr val="dk2"/>
-    </dgm:fillClrLst>
-    <dgm:linClrLst meth="repeat">
-      <a:schemeClr val="dk2">
-        <a:shade val="60000"/>
-      </a:schemeClr>
-    </dgm:linClrLst>
-    <dgm:effectClrLst/>
-    <dgm:txLinClrLst/>
-    <dgm:txFillClrLst meth="repeat">
-      <a:schemeClr val="tx1"/>
-    </dgm:txFillClrLst>
-    <dgm:txEffectClrLst/>
-  </dgm:styleLbl>
-  <dgm:styleLbl name="parChTrans1D3">
-    <dgm:fillClrLst meth="repeat">
-      <a:schemeClr val="dk2"/>
-    </dgm:fillClrLst>
-    <dgm:linClrLst meth="repeat">
-      <a:schemeClr val="dk2">
-        <a:shade val="80000"/>
-      </a:schemeClr>
-    </dgm:linClrLst>
-    <dgm:effectClrLst/>
-    <dgm:txLinClrLst/>
-    <dgm:txFillClrLst meth="repeat">
-      <a:schemeClr val="tx1"/>
-    </dgm:txFillClrLst>
-    <dgm:txEffectClrLst/>
-  </dgm:styleLbl>
-  <dgm:styleLbl name="parChTrans1D4">
-    <dgm:fillClrLst meth="repeat">
-      <a:schemeClr val="dk2"/>
-    </dgm:fillClrLst>
-    <dgm:linClrLst meth="repeat">
-      <a:schemeClr val="dk2">
-        <a:shade val="80000"/>
-      </a:schemeClr>
-    </dgm:linClrLst>
-    <dgm:effectClrLst/>
-    <dgm:txLinClrLst/>
-    <dgm:txFillClrLst meth="repeat">
-      <a:schemeClr val="tx1"/>
-    </dgm:txFillClrLst>
-    <dgm:txEffectClrLst/>
-  </dgm:styleLbl>
-  <dgm:styleLbl name="fgAcc1">
-    <dgm:fillClrLst meth="repeat">
-      <a:schemeClr val="lt2">
-        <a:alpha val="90000"/>
-      </a:schemeClr>
-    </dgm:fillClrLst>
-    <dgm:linClrLst meth="repeat">
-      <a:schemeClr val="dk2"/>
-    </dgm:linClrLst>
-    <dgm:effectClrLst/>
-    <dgm:txLinClrLst/>
-    <dgm:txFillClrLst meth="repeat">
-      <a:schemeClr val="dk1"/>
-    </dgm:txFillClrLst>
-    <dgm:txEffectClrLst/>
-  </dgm:styleLbl>
-  <dgm:styleLbl name="conFgAcc1">
-    <dgm:fillClrLst meth="repeat">
-      <a:schemeClr val="lt2">
-        <a:alpha val="90000"/>
-      </a:schemeClr>
-    </dgm:fillClrLst>
-    <dgm:linClrLst meth="repeat">
-      <a:schemeClr val="dk2"/>
-    </dgm:linClrLst>
-    <dgm:effectClrLst/>
-    <dgm:txLinClrLst/>
-    <dgm:txFillClrLst meth="repeat">
-      <a:schemeClr val="dk1"/>
-    </dgm:txFillClrLst>
-    <dgm:txEffectClrLst/>
-  </dgm:styleLbl>
-  <dgm:styleLbl name="alignAcc1">
-    <dgm:fillClrLst meth="repeat">
-      <a:schemeClr val="lt2">
-        <a:alpha val="90000"/>
-      </a:schemeClr>
-    </dgm:fillClrLst>
-    <dgm:linClrLst meth="repeat">
-      <a:schemeClr val="dk2"/>
-    </dgm:linClrLst>
-    <dgm:effectClrLst/>
-    <dgm:txLinClrLst/>
-    <dgm:txFillClrLst meth="repeat">
-      <a:schemeClr val="dk1"/>
-    </dgm:txFillClrLst>
-    <dgm:txEffectClrLst/>
-  </dgm:styleLbl>
-  <dgm:styleLbl name="trAlignAcc1">
-    <dgm:fillClrLst meth="repeat">
-      <a:schemeClr val="lt2">
-        <a:alpha val="40000"/>
-      </a:schemeClr>
-    </dgm:fillClrLst>
-    <dgm:linClrLst meth="repeat">
-      <a:schemeClr val="dk2"/>
-    </dgm:linClrLst>
-    <dgm:effectClrLst/>
-    <dgm:txLinClrLst/>
-    <dgm:txFillClrLst meth="repeat">
-      <a:schemeClr val="dk1"/>
-    </dgm:txFillClrLst>
-    <dgm:txEffectClrLst/>
-  </dgm:styleLbl>
-  <dgm:styleLbl name="bgAcc1">
-    <dgm:fillClrLst meth="repeat">
-      <a:schemeClr val="lt2">
-        <a:alpha val="90000"/>
-      </a:schemeClr>
-    </dgm:fillClrLst>
-    <dgm:linClrLst meth="repeat">
-      <a:schemeClr val="dk2"/>
-    </dgm:linClrLst>
-    <dgm:effectClrLst/>
-    <dgm:txLinClrLst/>
-    <dgm:txFillClrLst meth="repeat">
-      <a:schemeClr val="dk1"/>
-    </dgm:txFillClrLst>
-    <dgm:txEffectClrLst/>
-  </dgm:styleLbl>
-  <dgm:styleLbl name="solidFgAcc1">
-    <dgm:fillClrLst meth="repeat">
-      <a:schemeClr val="lt2"/>
-    </dgm:fillClrLst>
-    <dgm:linClrLst meth="repeat">
-      <a:schemeClr val="dk2"/>
-    </dgm:linClrLst>
-    <dgm:effectClrLst/>
-    <dgm:txLinClrLst/>
-    <dgm:txFillClrLst meth="repeat">
-      <a:schemeClr val="dk1"/>
-    </dgm:txFillClrLst>
-    <dgm:txEffectClrLst/>
-  </dgm:styleLbl>
-  <dgm:styleLbl name="solidAlignAcc1">
-    <dgm:fillClrLst meth="repeat">
-      <a:schemeClr val="lt2"/>
-    </dgm:fillClrLst>
-    <dgm:linClrLst meth="repeat">
-      <a:schemeClr val="dk2"/>
-    </dgm:linClrLst>
-    <dgm:effectClrLst/>
-    <dgm:txLinClrLst/>
-    <dgm:txFillClrLst meth="repeat">
-      <a:schemeClr val="dk1"/>
-    </dgm:txFillClrLst>
-    <dgm:txEffectClrLst/>
-  </dgm:styleLbl>
-  <dgm:styleLbl name="solidBgAcc1">
-    <dgm:fillClrLst meth="repeat">
-      <a:schemeClr val="lt2"/>
-    </dgm:fillClrLst>
-    <dgm:linClrLst meth="repeat">
-      <a:schemeClr val="dk2"/>
-    </dgm:linClrLst>
-    <dgm:effectClrLst/>
-    <dgm:txLinClrLst/>
-    <dgm:txFillClrLst meth="repeat">
-      <a:schemeClr val="dk1"/>
-    </dgm:txFillClrLst>
-    <dgm:txEffectClrLst/>
-  </dgm:styleLbl>
-  <dgm:styleLbl name="fgAccFollowNode1">
-    <dgm:fillClrLst meth="repeat">
-      <a:schemeClr val="dk2">
-        <a:alpha val="90000"/>
-        <a:tint val="40000"/>
-      </a:schemeClr>
-    </dgm:fillClrLst>
-    <dgm:linClrLst meth="repeat">
-      <a:schemeClr val="dk2">
-        <a:alpha val="90000"/>
-        <a:tint val="40000"/>
-      </a:schemeClr>
-    </dgm:linClrLst>
-    <dgm:effectClrLst/>
-    <dgm:txLinClrLst/>
-    <dgm:txFillClrLst meth="repeat">
-      <a:schemeClr val="dk1"/>
-    </dgm:txFillClrLst>
-    <dgm:txEffectClrLst/>
-  </dgm:styleLbl>
-  <dgm:styleLbl name="alignAccFollowNode1">
-    <dgm:fillClrLst meth="repeat">
-      <a:schemeClr val="dk2">
-        <a:alpha val="90000"/>
-        <a:tint val="40000"/>
-      </a:schemeClr>
-    </dgm:fillClrLst>
-    <dgm:linClrLst meth="repeat">
-      <a:schemeClr val="dk2">
-        <a:alpha val="90000"/>
-        <a:tint val="40000"/>
-      </a:schemeClr>
-    </dgm:linClrLst>
-    <dgm:effectClrLst/>
-    <dgm:txLinClrLst/>
-    <dgm:txFillClrLst meth="repeat">
-      <a:schemeClr val="dk1"/>
-    </dgm:txFillClrLst>
-    <dgm:txEffectClrLst/>
-  </dgm:styleLbl>
-  <dgm:styleLbl name="bgAccFollowNode1">
-    <dgm:fillClrLst meth="repeat">
-      <a:schemeClr val="dk2">
-        <a:alpha val="90000"/>
-        <a:tint val="40000"/>
-      </a:schemeClr>
-    </dgm:fillClrLst>
-    <dgm:linClrLst meth="repeat">
-      <a:schemeClr val="dk2">
-        <a:alpha val="90000"/>
-        <a:tint val="40000"/>
-      </a:schemeClr>
-    </dgm:linClrLst>
-    <dgm:effectClrLst/>
-    <dgm:txLinClrLst/>
-    <dgm:txFillClrLst meth="repeat">
-      <a:schemeClr val="dk1"/>
-    </dgm:txFillClrLst>
-    <dgm:txEffectClrLst/>
-  </dgm:styleLbl>
-  <dgm:styleLbl name="fgAcc0">
-    <dgm:fillClrLst meth="repeat">
-      <a:schemeClr val="lt2">
-        <a:alpha val="90000"/>
-      </a:schemeClr>
-    </dgm:fillClrLst>
-    <dgm:linClrLst meth="repeat">
-      <a:schemeClr val="dk2"/>
-    </dgm:linClrLst>
-    <dgm:effectClrLst/>
-    <dgm:txLinClrLst/>
-    <dgm:txFillClrLst meth="repeat">
-      <a:schemeClr val="dk1"/>
-    </dgm:txFillClrLst>
-    <dgm:txEffectClrLst/>
-  </dgm:styleLbl>
-  <dgm:styleLbl name="fgAcc2">
-    <dgm:fillClrLst meth="repeat">
-      <a:schemeClr val="lt2">
-        <a:alpha val="90000"/>
-      </a:schemeClr>
-    </dgm:fillClrLst>
-    <dgm:linClrLst meth="repeat">
-      <a:schemeClr val="dk2"/>
-    </dgm:linClrLst>
-    <dgm:effectClrLst/>
-    <dgm:txLinClrLst/>
-    <dgm:txFillClrLst meth="repeat">
-      <a:schemeClr val="dk1"/>
-    </dgm:txFillClrLst>
-    <dgm:txEffectClrLst/>
-  </dgm:styleLbl>
-  <dgm:styleLbl name="fgAcc3">
-    <dgm:fillClrLst meth="repeat">
-      <a:schemeClr val="lt2">
-        <a:alpha val="90000"/>
-      </a:schemeClr>
-    </dgm:fillClrLst>
-    <dgm:linClrLst meth="repeat">
-      <a:schemeClr val="dk2"/>
-    </dgm:linClrLst>
-    <dgm:effectClrLst/>
-    <dgm:txLinClrLst/>
-    <dgm:txFillClrLst meth="repeat">
-      <a:schemeClr val="dk1"/>
-    </dgm:txFillClrLst>
-    <dgm:txEffectClrLst/>
-  </dgm:styleLbl>
-  <dgm:styleLbl name="fgAcc4">
-    <dgm:fillClrLst meth="repeat">
-      <a:schemeClr val="lt2">
-        <a:alpha val="90000"/>
-      </a:schemeClr>
-    </dgm:fillClrLst>
-    <dgm:linClrLst meth="repeat">
-      <a:schemeClr val="dk2"/>
-    </dgm:linClrLst>
-    <dgm:effectClrLst/>
-    <dgm:txLinClrLst/>
-    <dgm:txFillClrLst meth="repeat">
-      <a:schemeClr val="dk1"/>
-    </dgm:txFillClrLst>
-    <dgm:txEffectClrLst/>
-  </dgm:styleLbl>
-  <dgm:styleLbl name="bgShp">
-    <dgm:fillClrLst meth="repeat">
-      <a:schemeClr val="dk2">
-        <a:tint val="40000"/>
-      </a:schemeClr>
-    </dgm:fillClrLst>
-    <dgm:linClrLst meth="repeat">
-      <a:schemeClr val="dk2"/>
-    </dgm:linClrLst>
-    <dgm:effectClrLst/>
-    <dgm:txLinClrLst/>
-    <dgm:txFillClrLst meth="repeat">
-      <a:schemeClr val="dk1"/>
-    </dgm:txFillClrLst>
-    <dgm:txEffectClrLst/>
-  </dgm:styleLbl>
-  <dgm:styleLbl name="dkBgShp">
-    <dgm:fillClrLst meth="repeat">
-      <a:schemeClr val="dk2">
-        <a:shade val="80000"/>
-      </a:schemeClr>
-    </dgm:fillClrLst>
-    <dgm:linClrLst meth="repeat">
-      <a:schemeClr val="dk2"/>
-    </dgm:linClrLst>
-    <dgm:effectClrLst/>
-    <dgm:txLinClrLst/>
-    <dgm:txFillClrLst meth="repeat">
-      <a:schemeClr val="lt1"/>
-    </dgm:txFillClrLst>
-    <dgm:txEffectClrLst/>
-  </dgm:styleLbl>
-  <dgm:styleLbl name="trBgShp">
-    <dgm:fillClrLst meth="repeat">
-      <a:schemeClr val="dk2">
-        <a:tint val="50000"/>
-        <a:alpha val="40000"/>
-      </a:schemeClr>
-    </dgm:fillClrLst>
-    <dgm:linClrLst meth="repeat">
-      <a:schemeClr val="dk2"/>
-    </dgm:linClrLst>
-    <dgm:effectClrLst/>
-    <dgm:txLinClrLst/>
-    <dgm:txFillClrLst meth="repeat">
-      <a:schemeClr val="lt1"/>
-    </dgm:txFillClrLst>
-    <dgm:txEffectClrLst/>
-  </dgm:styleLbl>
-  <dgm:styleLbl name="fgShp">
-    <dgm:fillClrLst meth="repeat">
-      <a:schemeClr val="dk2">
-        <a:tint val="60000"/>
-      </a:schemeClr>
-    </dgm:fillClrLst>
-    <dgm:linClrLst meth="repeat">
-      <a:schemeClr val="lt2"/>
-    </dgm:linClrLst>
-    <dgm:effectClrLst/>
-    <dgm:txLinClrLst/>
-    <dgm:txFillClrLst meth="repeat">
-      <a:schemeClr val="dk1"/>
-    </dgm:txFillClrLst>
-    <dgm:txEffectClrLst/>
-  </dgm:styleLbl>
-  <dgm:styleLbl name="revTx">
-    <dgm:fillClrLst meth="repeat">
-      <a:schemeClr val="lt2">
-        <a:alpha val="0"/>
-      </a:schemeClr>
-    </dgm:fillClrLst>
-    <dgm:linClrLst meth="repeat">
-      <a:schemeClr val="dk1">
-        <a:alpha val="0"/>
-      </a:schemeClr>
-    </dgm:linClrLst>
-    <dgm:effectClrLst/>
-    <dgm:txLinClrLst/>
-    <dgm:txFillClrLst meth="repeat">
-      <a:schemeClr val="tx1"/>
-    </dgm:txFillClrLst>
-    <dgm:txEffectClrLst/>
-  </dgm:styleLbl>
-</dgm:colorsDef>
+<file path=ppt/notesMasters/notesMaster1.xml><?xml version="1.0" encoding="utf-8"?>
+<p:notesMaster xmlns:a="http://schemas.openxmlformats.org/drawingml/2006/main" xmlns:r="http://schemas.openxmlformats.org/officeDocument/2006/relationships" xmlns:p="http://schemas.openxmlformats.org/presentationml/2006/main">
+  <p:cSld>
+    <p:bg>
+      <p:bgRef idx="1001">
+        <a:schemeClr val="bg1"/>
+      </p:bgRef>
+    </p:bg>
+    <p:spTree>
+      <p:nvGrpSpPr>
+        <p:cNvPr id="1" name=""/>
+        <p:cNvGrpSpPr/>
+        <p:nvPr/>
+      </p:nvGrpSpPr>
+      <p:grpSpPr>
+        <a:xfrm>
+          <a:off x="0" y="0"/>
+          <a:ext cx="0" cy="0"/>
+          <a:chOff x="0" y="0"/>
+          <a:chExt cx="0" cy="0"/>
+        </a:xfrm>
+      </p:grpSpPr>
+      <p:sp>
+        <p:nvSpPr>
+          <p:cNvPr id="2" name="Header Placeholder 1"/>
+          <p:cNvSpPr>
+            <a:spLocks noGrp="1"/>
+          </p:cNvSpPr>
+          <p:nvPr>
+            <p:ph type="hdr" sz="quarter"/>
+          </p:nvPr>
+        </p:nvSpPr>
+        <p:spPr>
+          <a:xfrm>
+            <a:off x="0" y="0"/>
+            <a:ext cx="2971800" cy="458788"/>
+          </a:xfrm>
+          <a:prstGeom prst="rect">
+            <a:avLst/>
+          </a:prstGeom>
+        </p:spPr>
+        <p:txBody>
+          <a:bodyPr vert="horz" lIns="91440" tIns="45720" rIns="91440" bIns="45720" rtlCol="0"/>
+          <a:lstStyle>
+            <a:lvl1pPr algn="l">
+              <a:defRPr sz="1200"/>
+            </a:lvl1pPr>
+          </a:lstStyle>
+          <a:p>
+            <a:endParaRPr lang="en-AU"/>
+          </a:p>
+        </p:txBody>
+      </p:sp>
+      <p:sp>
+        <p:nvSpPr>
+          <p:cNvPr id="3" name="Date Placeholder 2"/>
+          <p:cNvSpPr>
+            <a:spLocks noGrp="1"/>
+          </p:cNvSpPr>
+          <p:nvPr>
+            <p:ph type="dt" idx="1"/>
+          </p:nvPr>
+        </p:nvSpPr>
+        <p:spPr>
+          <a:xfrm>
+            <a:off x="3884613" y="0"/>
+            <a:ext cx="2971800" cy="458788"/>
+          </a:xfrm>
+          <a:prstGeom prst="rect">
+            <a:avLst/>
+          </a:prstGeom>
+        </p:spPr>
+        <p:txBody>
+          <a:bodyPr vert="horz" lIns="91440" tIns="45720" rIns="91440" bIns="45720" rtlCol="0"/>
+          <a:lstStyle>
+            <a:lvl1pPr algn="r">
+              <a:defRPr sz="1200"/>
+            </a:lvl1pPr>
+          </a:lstStyle>
+          <a:p>
+            <a:fld id="{4342A3AB-2F0D-4566-8D7E-4DB18AB71F71}" type="datetimeFigureOut">
+              <a:rPr lang="en-AU" smtClean="0"/>
+              <a:t>13/11/2025</a:t>
+            </a:fld>
+            <a:endParaRPr lang="en-AU"/>
+          </a:p>
+        </p:txBody>
+      </p:sp>
+      <p:sp>
+        <p:nvSpPr>
+          <p:cNvPr id="4" name="Slide Image Placeholder 3"/>
+          <p:cNvSpPr>
+            <a:spLocks noGrp="1" noRot="1" noChangeAspect="1"/>
+          </p:cNvSpPr>
+          <p:nvPr>
+            <p:ph type="sldImg" idx="2"/>
+          </p:nvPr>
+        </p:nvSpPr>
+        <p:spPr>
+          <a:xfrm>
+            <a:off x="685800" y="1143000"/>
+            <a:ext cx="5486400" cy="3086100"/>
+          </a:xfrm>
+          <a:prstGeom prst="rect">
+            <a:avLst/>
+          </a:prstGeom>
+          <a:noFill/>
+          <a:ln w="12700">
+            <a:solidFill>
+              <a:prstClr val="black"/>
+            </a:solidFill>
+          </a:ln>
+        </p:spPr>
+        <p:txBody>
+          <a:bodyPr vert="horz" lIns="91440" tIns="45720" rIns="91440" bIns="45720" rtlCol="0" anchor="ctr"/>
+          <a:lstStyle/>
+          <a:p>
+            <a:endParaRPr lang="en-AU"/>
+          </a:p>
+        </p:txBody>
+      </p:sp>
+      <p:sp>
+        <p:nvSpPr>
+          <p:cNvPr id="5" name="Notes Placeholder 4"/>
+          <p:cNvSpPr>
+            <a:spLocks noGrp="1"/>
+          </p:cNvSpPr>
+          <p:nvPr>
+            <p:ph type="body" sz="quarter" idx="3"/>
+          </p:nvPr>
+        </p:nvSpPr>
+        <p:spPr>
+          <a:xfrm>
+            <a:off x="685800" y="4400550"/>
+            <a:ext cx="5486400" cy="3600450"/>
+          </a:xfrm>
+          <a:prstGeom prst="rect">
+            <a:avLst/>
+          </a:prstGeom>
+        </p:spPr>
+        <p:txBody>
+          <a:bodyPr vert="horz" lIns="91440" tIns="45720" rIns="91440" bIns="45720" rtlCol="0"/>
+          <a:lstStyle/>
+          <a:p>
+            <a:pPr lvl="0"/>
+            <a:r>
+              <a:rPr lang="en-US"/>
+              <a:t>Click to edit Master text styles</a:t>
+            </a:r>
+          </a:p>
+          <a:p>
+            <a:pPr lvl="1"/>
+            <a:r>
+              <a:rPr lang="en-US"/>
+              <a:t>Second level</a:t>
+            </a:r>
+          </a:p>
+          <a:p>
+            <a:pPr lvl="2"/>
+            <a:r>
+              <a:rPr lang="en-US"/>
+              <a:t>Third level</a:t>
+            </a:r>
+          </a:p>
+          <a:p>
+            <a:pPr lvl="3"/>
+            <a:r>
+              <a:rPr lang="en-US"/>
+              <a:t>Fourth level</a:t>
+            </a:r>
+          </a:p>
+          <a:p>
+            <a:pPr lvl="4"/>
+            <a:r>
+              <a:rPr lang="en-US"/>
+              <a:t>Fifth level</a:t>
+            </a:r>
+            <a:endParaRPr lang="en-AU"/>
+          </a:p>
+        </p:txBody>
+      </p:sp>
+      <p:sp>
+        <p:nvSpPr>
+          <p:cNvPr id="6" name="Footer Placeholder 5"/>
+          <p:cNvSpPr>
+            <a:spLocks noGrp="1"/>
+          </p:cNvSpPr>
+          <p:nvPr>
+            <p:ph type="ftr" sz="quarter" idx="4"/>
+          </p:nvPr>
+        </p:nvSpPr>
+        <p:spPr>
+          <a:xfrm>
+            <a:off x="0" y="8685213"/>
+            <a:ext cx="2971800" cy="458787"/>
+          </a:xfrm>
+          <a:prstGeom prst="rect">
+            <a:avLst/>
+          </a:prstGeom>
+        </p:spPr>
+        <p:txBody>
+          <a:bodyPr vert="horz" lIns="91440" tIns="45720" rIns="91440" bIns="45720" rtlCol="0" anchor="b"/>
+          <a:lstStyle>
+            <a:lvl1pPr algn="l">
+              <a:defRPr sz="1200"/>
+            </a:lvl1pPr>
+          </a:lstStyle>
+          <a:p>
+            <a:endParaRPr lang="en-AU"/>
+          </a:p>
+        </p:txBody>
+      </p:sp>
+      <p:sp>
+        <p:nvSpPr>
+          <p:cNvPr id="7" name="Slide Number Placeholder 6"/>
+          <p:cNvSpPr>
+            <a:spLocks noGrp="1"/>
+          </p:cNvSpPr>
+          <p:nvPr>
+            <p:ph type="sldNum" sz="quarter" idx="5"/>
+          </p:nvPr>
+        </p:nvSpPr>
+        <p:spPr>
+          <a:xfrm>
+            <a:off x="3884613" y="8685213"/>
+            <a:ext cx="2971800" cy="458787"/>
+          </a:xfrm>
+          <a:prstGeom prst="rect">
+            <a:avLst/>
+          </a:prstGeom>
+        </p:spPr>
+        <p:txBody>
+          <a:bodyPr vert="horz" lIns="91440" tIns="45720" rIns="91440" bIns="45720" rtlCol="0" anchor="b"/>
+          <a:lstStyle>
+            <a:lvl1pPr algn="r">
+              <a:defRPr sz="1200"/>
+            </a:lvl1pPr>
+          </a:lstStyle>
+          <a:p>
+            <a:fld id="{7A5A6F20-89E0-4402-92C3-544221507DDC}" type="slidenum">
+              <a:rPr lang="en-AU" smtClean="0"/>
+              <a:t>‹#›</a:t>
+            </a:fld>
+            <a:endParaRPr lang="en-AU"/>
+          </a:p>
+        </p:txBody>
+      </p:sp>
+    </p:spTree>
+    <p:extLst>
+      <p:ext uri="{BB962C8B-B14F-4D97-AF65-F5344CB8AC3E}">
+        <p14:creationId xmlns:p14="http://schemas.microsoft.com/office/powerpoint/2010/main" val="1408874674"/>
+      </p:ext>
+    </p:extLst>
+  </p:cSld>
+  <p:clrMap bg1="lt1" tx1="dk1" bg2="lt2" tx2="dk2" accent1="accent1" accent2="accent2" accent3="accent3" accent4="accent4" accent5="accent5" accent6="accent6" hlink="hlink" folHlink="folHlink"/>
+  <p:notesStyle>
+    <a:lvl1pPr marL="0" algn="l" defTabSz="914400" rtl="0" eaLnBrk="1" latinLnBrk="0" hangingPunct="1">
+      <a:defRPr sz="1200" kern="1200">
+        <a:solidFill>
+          <a:schemeClr val="tx1"/>
+        </a:solidFill>
+        <a:latin typeface="+mn-lt"/>
+        <a:ea typeface="+mn-ea"/>
+        <a:cs typeface="+mn-cs"/>
+      </a:defRPr>
+    </a:lvl1pPr>
+    <a:lvl2pPr marL="457200" algn="l" defTabSz="914400" rtl="0" eaLnBrk="1" latinLnBrk="0" hangingPunct="1">
+      <a:defRPr sz="1200" kern="1200">
+        <a:solidFill>
+          <a:schemeClr val="tx1"/>
+        </a:solidFill>
+        <a:latin typeface="+mn-lt"/>
+        <a:ea typeface="+mn-ea"/>
+        <a:cs typeface="+mn-cs"/>
+      </a:defRPr>
+    </a:lvl2pPr>
+    <a:lvl3pPr marL="914400" algn="l" defTabSz="914400" rtl="0" eaLnBrk="1" latinLnBrk="0" hangingPunct="1">
+      <a:defRPr sz="1200" kern="1200">
+        <a:solidFill>
+          <a:schemeClr val="tx1"/>
+        </a:solidFill>
+        <a:latin typeface="+mn-lt"/>
+        <a:ea typeface="+mn-ea"/>
+        <a:cs typeface="+mn-cs"/>
+      </a:defRPr>
+    </a:lvl3pPr>
+    <a:lvl4pPr marL="1371600" algn="l" defTabSz="914400" rtl="0" eaLnBrk="1" latinLnBrk="0" hangingPunct="1">
+      <a:defRPr sz="1200" kern="1200">
+        <a:solidFill>
+          <a:schemeClr val="tx1"/>
+        </a:solidFill>
+        <a:latin typeface="+mn-lt"/>
+        <a:ea typeface="+mn-ea"/>
+        <a:cs typeface="+mn-cs"/>
+      </a:defRPr>
+    </a:lvl4pPr>
+    <a:lvl5pPr marL="1828800" algn="l" defTabSz="914400" rtl="0" eaLnBrk="1" latinLnBrk="0" hangingPunct="1">
+      <a:defRPr sz="1200" kern="1200">
+        <a:solidFill>
+          <a:schemeClr val="tx1"/>
+        </a:solidFill>
+        <a:latin typeface="+mn-lt"/>
+        <a:ea typeface="+mn-ea"/>
+        <a:cs typeface="+mn-cs"/>
+      </a:defRPr>
+    </a:lvl5pPr>
+    <a:lvl6pPr marL="2286000" algn="l" defTabSz="914400" rtl="0" eaLnBrk="1" latinLnBrk="0" hangingPunct="1">
+      <a:defRPr sz="1200" kern="1200">
+        <a:solidFill>
+          <a:schemeClr val="tx1"/>
+        </a:solidFill>
+        <a:latin typeface="+mn-lt"/>
+        <a:ea typeface="+mn-ea"/>
+        <a:cs typeface="+mn-cs"/>
+      </a:defRPr>
+    </a:lvl6pPr>
+    <a:lvl7pPr marL="2743200" algn="l" defTabSz="914400" rtl="0" eaLnBrk="1" latinLnBrk="0" hangingPunct="1">
+      <a:defRPr sz="1200" kern="1200">
+        <a:solidFill>
+          <a:schemeClr val="tx1"/>
+        </a:solidFill>
+        <a:latin typeface="+mn-lt"/>
+        <a:ea typeface="+mn-ea"/>
+        <a:cs typeface="+mn-cs"/>
+      </a:defRPr>
+    </a:lvl7pPr>
+    <a:lvl8pPr marL="3200400" algn="l" defTabSz="914400" rtl="0" eaLnBrk="1" latinLnBrk="0" hangingPunct="1">
+      <a:defRPr sz="1200" kern="1200">
+        <a:solidFill>
+          <a:schemeClr val="tx1"/>
+        </a:solidFill>
+        <a:latin typeface="+mn-lt"/>
+        <a:ea typeface="+mn-ea"/>
+        <a:cs typeface="+mn-cs"/>
+      </a:defRPr>
+    </a:lvl8pPr>
+    <a:lvl9pPr marL="3657600" algn="l" defTabSz="914400" rtl="0" eaLnBrk="1" latinLnBrk="0" hangingPunct="1">
+      <a:defRPr sz="1200" kern="1200">
+        <a:solidFill>
+          <a:schemeClr val="tx1"/>
+        </a:solidFill>
+        <a:latin typeface="+mn-lt"/>
+        <a:ea typeface="+mn-ea"/>
+        <a:cs typeface="+mn-cs"/>
+      </a:defRPr>
+    </a:lvl9pPr>
+  </p:notesStyle>
+</p:notesMaster>
 </file>
 
-<file path=ppt/diagrams/data1.xml><?xml version="1.0" encoding="utf-8"?>
-<dgm:dataModel xmlns:dgm="http://schemas.openxmlformats.org/drawingml/2006/diagram" xmlns:a="http://schemas.openxmlformats.org/drawingml/2006/main">
-  <dgm:ptLst>
-    <dgm:pt modelId="{15509919-36B5-4162-8899-417A9F93473B}" type="doc">
-      <dgm:prSet loTypeId="urn:microsoft.com/office/officeart/2016/7/layout/LinearBlockProcessNumbered#1" loCatId="process" qsTypeId="urn:microsoft.com/office/officeart/2005/8/quickstyle/simple2" qsCatId="simple" csTypeId="urn:microsoft.com/office/officeart/2005/8/colors/accent0_3" csCatId="mainScheme" phldr="1"/>
-      <dgm:spPr/>
-      <dgm:t>
-        <a:bodyPr/>
-        <a:lstStyle/>
-        <a:p>
-          <a:endParaRPr lang="en-US"/>
-        </a:p>
-      </dgm:t>
-    </dgm:pt>
-    <dgm:pt modelId="{AAF9DEE3-8444-4CA1-8BC2-D834D3ED6C74}">
-      <dgm:prSet/>
-      <dgm:spPr/>
-      <dgm:t>
-        <a:bodyPr/>
-        <a:lstStyle/>
-        <a:p>
-          <a:r>
-            <a:rPr lang="en-US" dirty="0"/>
-            <a:t>Lorem ipsum dolor sit amet, consectetuer adipiscing elit. </a:t>
-          </a:r>
-        </a:p>
-      </dgm:t>
-    </dgm:pt>
-    <dgm:pt modelId="{205BDF49-153E-4CE8-8402-E23704595764}" type="parTrans" cxnId="{0A7DA706-17DD-412A-8BE0-4F6529274E66}">
-      <dgm:prSet/>
-      <dgm:spPr/>
-      <dgm:t>
-        <a:bodyPr/>
-        <a:lstStyle/>
-        <a:p>
-          <a:endParaRPr lang="en-US"/>
-        </a:p>
-      </dgm:t>
-    </dgm:pt>
-    <dgm:pt modelId="{23210C7F-6847-491E-BE1F-A79529AF2B8B}" type="sibTrans" cxnId="{0A7DA706-17DD-412A-8BE0-4F6529274E66}">
-      <dgm:prSet phldrT="01"/>
-      <dgm:spPr/>
-      <dgm:t>
-        <a:bodyPr/>
-        <a:lstStyle/>
-        <a:p>
-          <a:r>
-            <a:rPr lang="en-US" dirty="0"/>
-            <a:t>01</a:t>
-          </a:r>
-        </a:p>
-      </dgm:t>
-    </dgm:pt>
-    <dgm:pt modelId="{B2B879BD-3840-400C-92BD-B2C2383358D7}">
-      <dgm:prSet/>
-      <dgm:spPr/>
-      <dgm:t>
-        <a:bodyPr/>
-        <a:lstStyle/>
-        <a:p>
-          <a:r>
-            <a:rPr lang="en-US" dirty="0"/>
-            <a:t>Nunc viverra imperdiet enim. Fusce est. Vivamus a tellus.</a:t>
-          </a:r>
-        </a:p>
-      </dgm:t>
-    </dgm:pt>
-    <dgm:pt modelId="{09440D86-F3E6-4A3C-9E78-1AFC56348641}" type="parTrans" cxnId="{42CDCACA-F394-4044-BBF6-522A0005ABCB}">
-      <dgm:prSet/>
-      <dgm:spPr/>
-      <dgm:t>
-        <a:bodyPr/>
-        <a:lstStyle/>
-        <a:p>
-          <a:endParaRPr lang="en-US"/>
-        </a:p>
-      </dgm:t>
-    </dgm:pt>
-    <dgm:pt modelId="{FBAA44FF-54DE-45C8-9FAC-512C40277233}" type="sibTrans" cxnId="{42CDCACA-F394-4044-BBF6-522A0005ABCB}">
-      <dgm:prSet phldrT="02"/>
-      <dgm:spPr/>
-      <dgm:t>
-        <a:bodyPr/>
-        <a:lstStyle/>
-        <a:p>
-          <a:r>
-            <a:rPr lang="en-US" dirty="0"/>
-            <a:t>02</a:t>
-          </a:r>
-        </a:p>
-      </dgm:t>
-    </dgm:pt>
-    <dgm:pt modelId="{CA9D674E-4FF1-45DC-82E4-0B2DB6A5363F}">
-      <dgm:prSet/>
-      <dgm:spPr/>
-      <dgm:t>
-        <a:bodyPr/>
-        <a:lstStyle/>
-        <a:p>
-          <a:r>
-            <a:rPr lang="en-US" dirty="0"/>
-            <a:t>Pellentesque habitant morbi tristique senectus et netus.</a:t>
-          </a:r>
-        </a:p>
-      </dgm:t>
-    </dgm:pt>
-    <dgm:pt modelId="{F1F10F9B-925A-4787-9D00-91106497A02E}" type="parTrans" cxnId="{C5BD0B3A-2D82-4EC1-9975-05076C4418DA}">
-      <dgm:prSet/>
-      <dgm:spPr/>
-      <dgm:t>
-        <a:bodyPr/>
-        <a:lstStyle/>
-        <a:p>
-          <a:endParaRPr lang="en-US"/>
-        </a:p>
-      </dgm:t>
-    </dgm:pt>
-    <dgm:pt modelId="{196DA4DC-9DD2-4A39-8A3A-D367BFE5A8BA}" type="sibTrans" cxnId="{C5BD0B3A-2D82-4EC1-9975-05076C4418DA}">
-      <dgm:prSet phldrT="03"/>
-      <dgm:spPr/>
-      <dgm:t>
-        <a:bodyPr/>
-        <a:lstStyle/>
-        <a:p>
-          <a:r>
-            <a:rPr lang="en-US" dirty="0"/>
-            <a:t>03</a:t>
-          </a:r>
-        </a:p>
-      </dgm:t>
-    </dgm:pt>
-    <dgm:pt modelId="{09F899AB-70CA-46DA-8F8C-58514A9FEF67}" type="pres">
-      <dgm:prSet presAssocID="{15509919-36B5-4162-8899-417A9F93473B}" presName="Name0" presStyleCnt="0">
-        <dgm:presLayoutVars>
-          <dgm:animLvl val="lvl"/>
-          <dgm:resizeHandles val="exact"/>
-        </dgm:presLayoutVars>
-      </dgm:prSet>
-      <dgm:spPr/>
-    </dgm:pt>
-    <dgm:pt modelId="{9E708B2C-9056-43B8-820C-8D4D2D591614}" type="pres">
-      <dgm:prSet presAssocID="{AAF9DEE3-8444-4CA1-8BC2-D834D3ED6C74}" presName="compositeNode" presStyleCnt="0">
-        <dgm:presLayoutVars>
-          <dgm:bulletEnabled val="1"/>
-        </dgm:presLayoutVars>
-      </dgm:prSet>
-      <dgm:spPr/>
-    </dgm:pt>
-    <dgm:pt modelId="{F4992080-7D4E-4F2B-B608-170DDBB6006A}" type="pres">
-      <dgm:prSet presAssocID="{AAF9DEE3-8444-4CA1-8BC2-D834D3ED6C74}" presName="bgRect" presStyleLbl="alignNode1" presStyleIdx="0" presStyleCnt="3"/>
-      <dgm:spPr/>
-    </dgm:pt>
-    <dgm:pt modelId="{15536E38-36FE-4A51-B620-2715BFAD5475}" type="pres">
-      <dgm:prSet presAssocID="{23210C7F-6847-491E-BE1F-A79529AF2B8B}" presName="sibTransNodeRect" presStyleLbl="alignNode1" presStyleIdx="0" presStyleCnt="3">
-        <dgm:presLayoutVars>
-          <dgm:chMax val="0"/>
-          <dgm:bulletEnabled val="1"/>
-        </dgm:presLayoutVars>
-      </dgm:prSet>
-      <dgm:spPr/>
-    </dgm:pt>
-    <dgm:pt modelId="{B158057C-23C1-45AE-9273-5935A8F6104B}" type="pres">
-      <dgm:prSet presAssocID="{AAF9DEE3-8444-4CA1-8BC2-D834D3ED6C74}" presName="nodeRect" presStyleLbl="alignNode1" presStyleIdx="0" presStyleCnt="3">
-        <dgm:presLayoutVars>
-          <dgm:bulletEnabled val="1"/>
-        </dgm:presLayoutVars>
-      </dgm:prSet>
-      <dgm:spPr/>
-    </dgm:pt>
-    <dgm:pt modelId="{5D52B8B6-958E-480C-9455-911A104C8C73}" type="pres">
-      <dgm:prSet presAssocID="{23210C7F-6847-491E-BE1F-A79529AF2B8B}" presName="sibTrans" presStyleCnt="0"/>
-      <dgm:spPr/>
-    </dgm:pt>
-    <dgm:pt modelId="{070CFBFA-AE62-406D-B2E3-4A871FE3EC95}" type="pres">
-      <dgm:prSet presAssocID="{B2B879BD-3840-400C-92BD-B2C2383358D7}" presName="compositeNode" presStyleCnt="0">
-        <dgm:presLayoutVars>
-          <dgm:bulletEnabled val="1"/>
-        </dgm:presLayoutVars>
-      </dgm:prSet>
-      <dgm:spPr/>
-    </dgm:pt>
-    <dgm:pt modelId="{89A9B4CF-6439-46B1-B6A9-1D6CD5034774}" type="pres">
-      <dgm:prSet presAssocID="{B2B879BD-3840-400C-92BD-B2C2383358D7}" presName="bgRect" presStyleLbl="alignNode1" presStyleIdx="1" presStyleCnt="3"/>
-      <dgm:spPr/>
-    </dgm:pt>
-    <dgm:pt modelId="{379B8CE4-8135-4F2C-A5A0-E55EBE328E9A}" type="pres">
-      <dgm:prSet presAssocID="{FBAA44FF-54DE-45C8-9FAC-512C40277233}" presName="sibTransNodeRect" presStyleLbl="alignNode1" presStyleIdx="1" presStyleCnt="3">
-        <dgm:presLayoutVars>
-          <dgm:chMax val="0"/>
-          <dgm:bulletEnabled val="1"/>
-        </dgm:presLayoutVars>
-      </dgm:prSet>
-      <dgm:spPr/>
-    </dgm:pt>
-    <dgm:pt modelId="{9F2B2B99-E41C-48B6-9241-186B3896CDB2}" type="pres">
-      <dgm:prSet presAssocID="{B2B879BD-3840-400C-92BD-B2C2383358D7}" presName="nodeRect" presStyleLbl="alignNode1" presStyleIdx="1" presStyleCnt="3">
-        <dgm:presLayoutVars>
-          <dgm:bulletEnabled val="1"/>
-        </dgm:presLayoutVars>
-      </dgm:prSet>
-      <dgm:spPr/>
-    </dgm:pt>
-    <dgm:pt modelId="{88CC7DDE-DA0F-42A6-8406-A11161BD6BA9}" type="pres">
-      <dgm:prSet presAssocID="{FBAA44FF-54DE-45C8-9FAC-512C40277233}" presName="sibTrans" presStyleCnt="0"/>
-      <dgm:spPr/>
-    </dgm:pt>
-    <dgm:pt modelId="{4C550E1C-ACB2-4A5D-BD4A-3D5D60E405E6}" type="pres">
-      <dgm:prSet presAssocID="{CA9D674E-4FF1-45DC-82E4-0B2DB6A5363F}" presName="compositeNode" presStyleCnt="0">
-        <dgm:presLayoutVars>
-          <dgm:bulletEnabled val="1"/>
-        </dgm:presLayoutVars>
-      </dgm:prSet>
-      <dgm:spPr/>
-    </dgm:pt>
-    <dgm:pt modelId="{0802B4A8-7224-4B0A-95B7-D17AEB2B2AFF}" type="pres">
-      <dgm:prSet presAssocID="{CA9D674E-4FF1-45DC-82E4-0B2DB6A5363F}" presName="bgRect" presStyleLbl="alignNode1" presStyleIdx="2" presStyleCnt="3"/>
-      <dgm:spPr/>
-    </dgm:pt>
-    <dgm:pt modelId="{68AC9669-DC11-473A-AA2E-579A44E78C37}" type="pres">
-      <dgm:prSet presAssocID="{196DA4DC-9DD2-4A39-8A3A-D367BFE5A8BA}" presName="sibTransNodeRect" presStyleLbl="alignNode1" presStyleIdx="2" presStyleCnt="3">
-        <dgm:presLayoutVars>
-          <dgm:chMax val="0"/>
-          <dgm:bulletEnabled val="1"/>
-        </dgm:presLayoutVars>
-      </dgm:prSet>
-      <dgm:spPr/>
-    </dgm:pt>
-    <dgm:pt modelId="{D085015A-41AF-4EFA-A104-4FD73B2362F0}" type="pres">
-      <dgm:prSet presAssocID="{CA9D674E-4FF1-45DC-82E4-0B2DB6A5363F}" presName="nodeRect" presStyleLbl="alignNode1" presStyleIdx="2" presStyleCnt="3">
-        <dgm:presLayoutVars>
-          <dgm:bulletEnabled val="1"/>
-        </dgm:presLayoutVars>
-      </dgm:prSet>
-      <dgm:spPr/>
-    </dgm:pt>
-  </dgm:ptLst>
-  <dgm:cxnLst>
-    <dgm:cxn modelId="{0A7DA706-17DD-412A-8BE0-4F6529274E66}" srcId="{15509919-36B5-4162-8899-417A9F93473B}" destId="{AAF9DEE3-8444-4CA1-8BC2-D834D3ED6C74}" srcOrd="0" destOrd="0" parTransId="{205BDF49-153E-4CE8-8402-E23704595764}" sibTransId="{23210C7F-6847-491E-BE1F-A79529AF2B8B}"/>
-    <dgm:cxn modelId="{109C0B15-B806-4127-A7EA-6F2FD85C2B5C}" type="presOf" srcId="{AAF9DEE3-8444-4CA1-8BC2-D834D3ED6C74}" destId="{B158057C-23C1-45AE-9273-5935A8F6104B}" srcOrd="1" destOrd="0" presId="urn:microsoft.com/office/officeart/2016/7/layout/LinearBlockProcessNumbered#1"/>
-    <dgm:cxn modelId="{284ED317-FBD3-4318-9DC1-43DD0A7A84DA}" type="presOf" srcId="{CA9D674E-4FF1-45DC-82E4-0B2DB6A5363F}" destId="{D085015A-41AF-4EFA-A104-4FD73B2362F0}" srcOrd="1" destOrd="0" presId="urn:microsoft.com/office/officeart/2016/7/layout/LinearBlockProcessNumbered#1"/>
-    <dgm:cxn modelId="{28938E20-006F-438A-BC3B-539C09A41AF8}" type="presOf" srcId="{23210C7F-6847-491E-BE1F-A79529AF2B8B}" destId="{15536E38-36FE-4A51-B620-2715BFAD5475}" srcOrd="0" destOrd="0" presId="urn:microsoft.com/office/officeart/2016/7/layout/LinearBlockProcessNumbered#1"/>
-    <dgm:cxn modelId="{9519B82E-A537-470B-AA27-A5E33C934F3E}" type="presOf" srcId="{196DA4DC-9DD2-4A39-8A3A-D367BFE5A8BA}" destId="{68AC9669-DC11-473A-AA2E-579A44E78C37}" srcOrd="0" destOrd="0" presId="urn:microsoft.com/office/officeart/2016/7/layout/LinearBlockProcessNumbered#1"/>
-    <dgm:cxn modelId="{E774C62E-62A2-478F-B2D4-49AC51F9A4FC}" type="presOf" srcId="{FBAA44FF-54DE-45C8-9FAC-512C40277233}" destId="{379B8CE4-8135-4F2C-A5A0-E55EBE328E9A}" srcOrd="0" destOrd="0" presId="urn:microsoft.com/office/officeart/2016/7/layout/LinearBlockProcessNumbered#1"/>
-    <dgm:cxn modelId="{C5BD0B3A-2D82-4EC1-9975-05076C4418DA}" srcId="{15509919-36B5-4162-8899-417A9F93473B}" destId="{CA9D674E-4FF1-45DC-82E4-0B2DB6A5363F}" srcOrd="2" destOrd="0" parTransId="{F1F10F9B-925A-4787-9D00-91106497A02E}" sibTransId="{196DA4DC-9DD2-4A39-8A3A-D367BFE5A8BA}"/>
-    <dgm:cxn modelId="{6E5EF465-680F-4962-87CA-2B44BA61BBF3}" type="presOf" srcId="{AAF9DEE3-8444-4CA1-8BC2-D834D3ED6C74}" destId="{F4992080-7D4E-4F2B-B608-170DDBB6006A}" srcOrd="0" destOrd="0" presId="urn:microsoft.com/office/officeart/2016/7/layout/LinearBlockProcessNumbered#1"/>
-    <dgm:cxn modelId="{BE05FF76-48E4-476C-9495-A13A63321F9B}" type="presOf" srcId="{B2B879BD-3840-400C-92BD-B2C2383358D7}" destId="{89A9B4CF-6439-46B1-B6A9-1D6CD5034774}" srcOrd="0" destOrd="0" presId="urn:microsoft.com/office/officeart/2016/7/layout/LinearBlockProcessNumbered#1"/>
-    <dgm:cxn modelId="{AEC6D081-73F8-41AD-9101-B43295B68E14}" type="presOf" srcId="{CA9D674E-4FF1-45DC-82E4-0B2DB6A5363F}" destId="{0802B4A8-7224-4B0A-95B7-D17AEB2B2AFF}" srcOrd="0" destOrd="0" presId="urn:microsoft.com/office/officeart/2016/7/layout/LinearBlockProcessNumbered#1"/>
-    <dgm:cxn modelId="{840BB0C7-181A-4BA4-9324-C35937B4BA77}" type="presOf" srcId="{15509919-36B5-4162-8899-417A9F93473B}" destId="{09F899AB-70CA-46DA-8F8C-58514A9FEF67}" srcOrd="0" destOrd="0" presId="urn:microsoft.com/office/officeart/2016/7/layout/LinearBlockProcessNumbered#1"/>
-    <dgm:cxn modelId="{42CDCACA-F394-4044-BBF6-522A0005ABCB}" srcId="{15509919-36B5-4162-8899-417A9F93473B}" destId="{B2B879BD-3840-400C-92BD-B2C2383358D7}" srcOrd="1" destOrd="0" parTransId="{09440D86-F3E6-4A3C-9E78-1AFC56348641}" sibTransId="{FBAA44FF-54DE-45C8-9FAC-512C40277233}"/>
-    <dgm:cxn modelId="{6AB3E3E3-CAC3-4821-AAD0-21289FC8AF3F}" type="presOf" srcId="{B2B879BD-3840-400C-92BD-B2C2383358D7}" destId="{9F2B2B99-E41C-48B6-9241-186B3896CDB2}" srcOrd="1" destOrd="0" presId="urn:microsoft.com/office/officeart/2016/7/layout/LinearBlockProcessNumbered#1"/>
-    <dgm:cxn modelId="{90D3E440-E32E-4616-A794-C357B58C725C}" type="presParOf" srcId="{09F899AB-70CA-46DA-8F8C-58514A9FEF67}" destId="{9E708B2C-9056-43B8-820C-8D4D2D591614}" srcOrd="0" destOrd="0" presId="urn:microsoft.com/office/officeart/2016/7/layout/LinearBlockProcessNumbered#1"/>
-    <dgm:cxn modelId="{94905F72-0547-4876-85BD-1CE201853F0E}" type="presParOf" srcId="{9E708B2C-9056-43B8-820C-8D4D2D591614}" destId="{F4992080-7D4E-4F2B-B608-170DDBB6006A}" srcOrd="0" destOrd="0" presId="urn:microsoft.com/office/officeart/2016/7/layout/LinearBlockProcessNumbered#1"/>
-    <dgm:cxn modelId="{32F232D9-C82F-455D-A4CB-8A6F950974CB}" type="presParOf" srcId="{9E708B2C-9056-43B8-820C-8D4D2D591614}" destId="{15536E38-36FE-4A51-B620-2715BFAD5475}" srcOrd="1" destOrd="0" presId="urn:microsoft.com/office/officeart/2016/7/layout/LinearBlockProcessNumbered#1"/>
-    <dgm:cxn modelId="{E1630E94-0972-452E-A256-8FE168492E2F}" type="presParOf" srcId="{9E708B2C-9056-43B8-820C-8D4D2D591614}" destId="{B158057C-23C1-45AE-9273-5935A8F6104B}" srcOrd="2" destOrd="0" presId="urn:microsoft.com/office/officeart/2016/7/layout/LinearBlockProcessNumbered#1"/>
-    <dgm:cxn modelId="{3D53040A-6114-439D-91AE-A92823686B42}" type="presParOf" srcId="{09F899AB-70CA-46DA-8F8C-58514A9FEF67}" destId="{5D52B8B6-958E-480C-9455-911A104C8C73}" srcOrd="1" destOrd="0" presId="urn:microsoft.com/office/officeart/2016/7/layout/LinearBlockProcessNumbered#1"/>
-    <dgm:cxn modelId="{71CD1E60-9941-432A-AAD3-6BEE9759C7CA}" type="presParOf" srcId="{09F899AB-70CA-46DA-8F8C-58514A9FEF67}" destId="{070CFBFA-AE62-406D-B2E3-4A871FE3EC95}" srcOrd="2" destOrd="0" presId="urn:microsoft.com/office/officeart/2016/7/layout/LinearBlockProcessNumbered#1"/>
-    <dgm:cxn modelId="{E24E5F24-B05D-485A-B1E3-F029361EAC2F}" type="presParOf" srcId="{070CFBFA-AE62-406D-B2E3-4A871FE3EC95}" destId="{89A9B4CF-6439-46B1-B6A9-1D6CD5034774}" srcOrd="0" destOrd="0" presId="urn:microsoft.com/office/officeart/2016/7/layout/LinearBlockProcessNumbered#1"/>
-    <dgm:cxn modelId="{B1A2A29E-FBA6-4188-BE73-D4752962B995}" type="presParOf" srcId="{070CFBFA-AE62-406D-B2E3-4A871FE3EC95}" destId="{379B8CE4-8135-4F2C-A5A0-E55EBE328E9A}" srcOrd="1" destOrd="0" presId="urn:microsoft.com/office/officeart/2016/7/layout/LinearBlockProcessNumbered#1"/>
-    <dgm:cxn modelId="{F07F5881-E747-4C57-B3A8-80D81CA9E653}" type="presParOf" srcId="{070CFBFA-AE62-406D-B2E3-4A871FE3EC95}" destId="{9F2B2B99-E41C-48B6-9241-186B3896CDB2}" srcOrd="2" destOrd="0" presId="urn:microsoft.com/office/officeart/2016/7/layout/LinearBlockProcessNumbered#1"/>
-    <dgm:cxn modelId="{CFE97617-C516-4DC5-9F9C-80DAA0EDE08F}" type="presParOf" srcId="{09F899AB-70CA-46DA-8F8C-58514A9FEF67}" destId="{88CC7DDE-DA0F-42A6-8406-A11161BD6BA9}" srcOrd="3" destOrd="0" presId="urn:microsoft.com/office/officeart/2016/7/layout/LinearBlockProcessNumbered#1"/>
-    <dgm:cxn modelId="{B7A23FED-2302-47D8-8E80-C7B4D99F0301}" type="presParOf" srcId="{09F899AB-70CA-46DA-8F8C-58514A9FEF67}" destId="{4C550E1C-ACB2-4A5D-BD4A-3D5D60E405E6}" srcOrd="4" destOrd="0" presId="urn:microsoft.com/office/officeart/2016/7/layout/LinearBlockProcessNumbered#1"/>
-    <dgm:cxn modelId="{B9E766C8-B1F9-4299-93D9-C5605EEE5998}" type="presParOf" srcId="{4C550E1C-ACB2-4A5D-BD4A-3D5D60E405E6}" destId="{0802B4A8-7224-4B0A-95B7-D17AEB2B2AFF}" srcOrd="0" destOrd="0" presId="urn:microsoft.com/office/officeart/2016/7/layout/LinearBlockProcessNumbered#1"/>
-    <dgm:cxn modelId="{DDDBCEBE-059F-40AD-A1D1-8D888A5BCC15}" type="presParOf" srcId="{4C550E1C-ACB2-4A5D-BD4A-3D5D60E405E6}" destId="{68AC9669-DC11-473A-AA2E-579A44E78C37}" srcOrd="1" destOrd="0" presId="urn:microsoft.com/office/officeart/2016/7/layout/LinearBlockProcessNumbered#1"/>
-    <dgm:cxn modelId="{90FC101C-CCF0-411F-ABB9-797553DF6D08}" type="presParOf" srcId="{4C550E1C-ACB2-4A5D-BD4A-3D5D60E405E6}" destId="{D085015A-41AF-4EFA-A104-4FD73B2362F0}" srcOrd="2" destOrd="0" presId="urn:microsoft.com/office/officeart/2016/7/layout/LinearBlockProcessNumbered#1"/>
-  </dgm:cxnLst>
-  <dgm:bg/>
-  <dgm:whole/>
-  <dgm:extLst>
-    <a:ext uri="http://schemas.microsoft.com/office/drawing/2008/diagram">
-      <dsp:dataModelExt xmlns:dsp="http://schemas.microsoft.com/office/drawing/2008/diagram" relId="rId7" minVer="http://schemas.openxmlformats.org/drawingml/2006/diagram"/>
-    </a:ext>
-  </dgm:extLst>
-</dgm:dataModel>
+<file path=ppt/notesSlides/notesSlide1.xml><?xml version="1.0" encoding="utf-8"?>
+<p:notes xmlns:a="http://schemas.openxmlformats.org/drawingml/2006/main" xmlns:r="http://schemas.openxmlformats.org/officeDocument/2006/relationships" xmlns:p="http://schemas.openxmlformats.org/presentationml/2006/main">
+  <p:cSld>
+    <p:spTree>
+      <p:nvGrpSpPr>
+        <p:cNvPr id="1" name=""/>
+        <p:cNvGrpSpPr/>
+        <p:nvPr/>
+      </p:nvGrpSpPr>
+      <p:grpSpPr>
+        <a:xfrm>
+          <a:off x="0" y="0"/>
+          <a:ext cx="0" cy="0"/>
+          <a:chOff x="0" y="0"/>
+          <a:chExt cx="0" cy="0"/>
+        </a:xfrm>
+      </p:grpSpPr>
+      <p:sp>
+        <p:nvSpPr>
+          <p:cNvPr id="2" name="Slide Image Placeholder 1"/>
+          <p:cNvSpPr>
+            <a:spLocks noGrp="1" noRot="1" noChangeAspect="1"/>
+          </p:cNvSpPr>
+          <p:nvPr>
+            <p:ph type="sldImg"/>
+          </p:nvPr>
+        </p:nvSpPr>
+        <p:spPr/>
+      </p:sp>
+      <p:sp>
+        <p:nvSpPr>
+          <p:cNvPr id="3" name="Notes Placeholder 2"/>
+          <p:cNvSpPr>
+            <a:spLocks noGrp="1"/>
+          </p:cNvSpPr>
+          <p:nvPr>
+            <p:ph type="body" idx="1"/>
+          </p:nvPr>
+        </p:nvSpPr>
+        <p:spPr/>
+        <p:txBody>
+          <a:bodyPr/>
+          <a:lstStyle/>
+          <a:p>
+            <a:endParaRPr lang="en-AU" dirty="0"/>
+          </a:p>
+        </p:txBody>
+      </p:sp>
+      <p:sp>
+        <p:nvSpPr>
+          <p:cNvPr id="4" name="Slide Number Placeholder 3"/>
+          <p:cNvSpPr>
+            <a:spLocks noGrp="1"/>
+          </p:cNvSpPr>
+          <p:nvPr>
+            <p:ph type="sldNum" sz="quarter" idx="5"/>
+          </p:nvPr>
+        </p:nvSpPr>
+        <p:spPr/>
+        <p:txBody>
+          <a:bodyPr/>
+          <a:lstStyle/>
+          <a:p>
+            <a:fld id="{7A5A6F20-89E0-4402-92C3-544221507DDC}" type="slidenum">
+              <a:rPr lang="en-AU" smtClean="0"/>
+              <a:t>4</a:t>
+            </a:fld>
+            <a:endParaRPr lang="en-AU"/>
+          </a:p>
+        </p:txBody>
+      </p:sp>
+    </p:spTree>
+    <p:extLst>
+      <p:ext uri="{BB962C8B-B14F-4D97-AF65-F5344CB8AC3E}">
+        <p14:creationId xmlns:p14="http://schemas.microsoft.com/office/powerpoint/2010/main" val="3471327394"/>
+      </p:ext>
+    </p:extLst>
+  </p:cSld>
+  <p:clrMapOvr>
+    <a:masterClrMapping/>
+  </p:clrMapOvr>
+</p:notes>
 </file>
 
-<file path=ppt/diagrams/drawing1.xml><?xml version="1.0" encoding="utf-8"?>
-<dsp:drawing xmlns:dgm="http://schemas.openxmlformats.org/drawingml/2006/diagram" xmlns:dsp="http://schemas.microsoft.com/office/drawing/2008/diagram" xmlns:a="http://schemas.openxmlformats.org/drawingml/2006/main">
-  <dsp:spTree>
-    <dsp:nvGrpSpPr>
-      <dsp:cNvPr id="0" name=""/>
-      <dsp:cNvGrpSpPr/>
-    </dsp:nvGrpSpPr>
-    <dsp:grpSpPr/>
-    <dsp:sp modelId="{F4992080-7D4E-4F2B-B608-170DDBB6006A}">
-      <dsp:nvSpPr>
-        <dsp:cNvPr id="0" name=""/>
-        <dsp:cNvSpPr/>
-      </dsp:nvSpPr>
-      <dsp:spPr>
+<file path=ppt/notesSlides/notesSlide2.xml><?xml version="1.0" encoding="utf-8"?>
+<p:notes xmlns:a="http://schemas.openxmlformats.org/drawingml/2006/main" xmlns:r="http://schemas.openxmlformats.org/officeDocument/2006/relationships" xmlns:p="http://schemas.openxmlformats.org/presentationml/2006/main">
+  <p:cSld>
+    <p:spTree>
+      <p:nvGrpSpPr>
+        <p:cNvPr id="1" name="">
+          <a:extLst>
+            <a:ext uri="{FF2B5EF4-FFF2-40B4-BE49-F238E27FC236}">
+              <a16:creationId xmlns:a16="http://schemas.microsoft.com/office/drawing/2014/main" id="{45DB9ECD-58CB-0839-CEBA-EA373290C193}"/>
+            </a:ext>
+          </a:extLst>
+        </p:cNvPr>
+        <p:cNvGrpSpPr/>
+        <p:nvPr/>
+      </p:nvGrpSpPr>
+      <p:grpSpPr>
         <a:xfrm>
-          <a:off x="785" y="0"/>
-          <a:ext cx="3182540" cy="3725612"/>
+          <a:off x="0" y="0"/>
+          <a:ext cx="0" cy="0"/>
+          <a:chOff x="0" y="0"/>
+          <a:chExt cx="0" cy="0"/>
         </a:xfrm>
-        <a:prstGeom prst="rect">
-          <a:avLst/>
-        </a:prstGeom>
-        <a:solidFill>
-          <a:schemeClr val="dk2">
-            <a:hueOff val="0"/>
-            <a:satOff val="0"/>
-            <a:lumOff val="0"/>
-            <a:alphaOff val="0"/>
-          </a:schemeClr>
-        </a:solidFill>
-        <a:ln w="12700" cap="flat" cmpd="sng" algn="ctr">
-          <a:solidFill>
-            <a:schemeClr val="dk2">
-              <a:hueOff val="0"/>
-              <a:satOff val="0"/>
-              <a:lumOff val="0"/>
-              <a:alphaOff val="0"/>
-            </a:schemeClr>
-          </a:solidFill>
-          <a:prstDash val="solid"/>
-        </a:ln>
-        <a:effectLst/>
-      </dsp:spPr>
-      <dsp:style>
-        <a:lnRef idx="2">
-          <a:scrgbClr r="0" g="0" b="0"/>
-        </a:lnRef>
-        <a:fillRef idx="1">
-          <a:scrgbClr r="0" g="0" b="0"/>
-        </a:fillRef>
-        <a:effectRef idx="1">
-          <a:scrgbClr r="0" g="0" b="0"/>
-        </a:effectRef>
-        <a:fontRef idx="minor">
-          <a:schemeClr val="lt1"/>
-        </a:fontRef>
-      </dsp:style>
-      <dsp:txBody>
-        <a:bodyPr spcFirstLastPara="0" vert="horz" wrap="square" lIns="314364" tIns="0" rIns="314364" bIns="330200" numCol="1" spcCol="1270" anchor="t" anchorCtr="0">
-          <a:noAutofit/>
-        </a:bodyPr>
-        <a:lstStyle/>
-        <a:p>
-          <a:pPr marL="0" lvl="0" indent="0" algn="l" defTabSz="1155700">
-            <a:lnSpc>
-              <a:spcPct val="90000"/>
-            </a:lnSpc>
-            <a:spcBef>
-              <a:spcPct val="0"/>
-            </a:spcBef>
-            <a:spcAft>
-              <a:spcPct val="35000"/>
-            </a:spcAft>
-            <a:buNone/>
-          </a:pPr>
-          <a:r>
-            <a:rPr lang="en-US" sz="2600" kern="1200" dirty="0"/>
-            <a:t>Lorem ipsum dolor sit amet, consectetuer adipiscing elit. </a:t>
-          </a:r>
-        </a:p>
-      </dsp:txBody>
-      <dsp:txXfrm>
-        <a:off x="785" y="1490244"/>
-        <a:ext cx="3182540" cy="2235367"/>
-      </dsp:txXfrm>
-    </dsp:sp>
-    <dsp:sp modelId="{15536E38-36FE-4A51-B620-2715BFAD5475}">
-      <dsp:nvSpPr>
-        <dsp:cNvPr id="0" name=""/>
-        <dsp:cNvSpPr/>
-      </dsp:nvSpPr>
-      <dsp:spPr>
-        <a:xfrm>
-          <a:off x="785" y="0"/>
-          <a:ext cx="3182540" cy="1490244"/>
-        </a:xfrm>
-        <a:prstGeom prst="rect">
-          <a:avLst/>
-        </a:prstGeom>
-        <a:noFill/>
-        <a:ln w="12700" cap="flat" cmpd="sng" algn="ctr">
-          <a:noFill/>
-          <a:prstDash val="solid"/>
-        </a:ln>
-        <a:effectLst/>
-        <a:sp3d/>
-      </dsp:spPr>
-      <dsp:style>
-        <a:lnRef idx="2">
-          <a:scrgbClr r="0" g="0" b="0"/>
-        </a:lnRef>
-        <a:fillRef idx="1">
-          <a:scrgbClr r="0" g="0" b="0"/>
-        </a:fillRef>
-        <a:effectRef idx="1">
-          <a:scrgbClr r="0" g="0" b="0"/>
-        </a:effectRef>
-        <a:fontRef idx="minor">
-          <a:schemeClr val="lt1"/>
-        </a:fontRef>
-      </dsp:style>
-      <dsp:txBody>
-        <a:bodyPr spcFirstLastPara="0" vert="horz" wrap="square" lIns="314364" tIns="165100" rIns="314364" bIns="165100" numCol="1" spcCol="1270" anchor="ctr" anchorCtr="0">
-          <a:noAutofit/>
-        </a:bodyPr>
-        <a:lstStyle/>
-        <a:p>
-          <a:pPr marL="0" lvl="0" indent="0" algn="l" defTabSz="2933700">
-            <a:lnSpc>
-              <a:spcPct val="90000"/>
-            </a:lnSpc>
-            <a:spcBef>
-              <a:spcPct val="0"/>
-            </a:spcBef>
-            <a:spcAft>
-              <a:spcPct val="35000"/>
-            </a:spcAft>
-            <a:buNone/>
-          </a:pPr>
-          <a:r>
-            <a:rPr lang="en-US" sz="6600" kern="1200" dirty="0"/>
-            <a:t>01</a:t>
-          </a:r>
-        </a:p>
-      </dsp:txBody>
-      <dsp:txXfrm>
-        <a:off x="785" y="0"/>
-        <a:ext cx="3182540" cy="1490244"/>
-      </dsp:txXfrm>
-    </dsp:sp>
-    <dsp:sp modelId="{89A9B4CF-6439-46B1-B6A9-1D6CD5034774}">
-      <dsp:nvSpPr>
-        <dsp:cNvPr id="0" name=""/>
-        <dsp:cNvSpPr/>
-      </dsp:nvSpPr>
-      <dsp:spPr>
-        <a:xfrm>
-          <a:off x="3437929" y="0"/>
-          <a:ext cx="3182540" cy="3725612"/>
-        </a:xfrm>
-        <a:prstGeom prst="rect">
-          <a:avLst/>
-        </a:prstGeom>
-        <a:solidFill>
-          <a:schemeClr val="dk2">
-            <a:hueOff val="0"/>
-            <a:satOff val="0"/>
-            <a:lumOff val="0"/>
-            <a:alphaOff val="0"/>
-          </a:schemeClr>
-        </a:solidFill>
-        <a:ln w="12700" cap="flat" cmpd="sng" algn="ctr">
-          <a:solidFill>
-            <a:schemeClr val="dk2">
-              <a:hueOff val="0"/>
-              <a:satOff val="0"/>
-              <a:lumOff val="0"/>
-              <a:alphaOff val="0"/>
-            </a:schemeClr>
-          </a:solidFill>
-          <a:prstDash val="solid"/>
-        </a:ln>
-        <a:effectLst/>
-      </dsp:spPr>
-      <dsp:style>
-        <a:lnRef idx="2">
-          <a:scrgbClr r="0" g="0" b="0"/>
-        </a:lnRef>
-        <a:fillRef idx="1">
-          <a:scrgbClr r="0" g="0" b="0"/>
-        </a:fillRef>
-        <a:effectRef idx="1">
-          <a:scrgbClr r="0" g="0" b="0"/>
-        </a:effectRef>
-        <a:fontRef idx="minor">
-          <a:schemeClr val="lt1"/>
-        </a:fontRef>
-      </dsp:style>
-      <dsp:txBody>
-        <a:bodyPr spcFirstLastPara="0" vert="horz" wrap="square" lIns="314364" tIns="0" rIns="314364" bIns="330200" numCol="1" spcCol="1270" anchor="t" anchorCtr="0">
-          <a:noAutofit/>
-        </a:bodyPr>
-        <a:lstStyle/>
-        <a:p>
-          <a:pPr marL="0" lvl="0" indent="0" algn="l" defTabSz="1155700">
-            <a:lnSpc>
-              <a:spcPct val="90000"/>
-            </a:lnSpc>
-            <a:spcBef>
-              <a:spcPct val="0"/>
-            </a:spcBef>
-            <a:spcAft>
-              <a:spcPct val="35000"/>
-            </a:spcAft>
-            <a:buNone/>
-          </a:pPr>
-          <a:r>
-            <a:rPr lang="en-US" sz="2600" kern="1200" dirty="0"/>
-            <a:t>Nunc viverra imperdiet enim. Fusce est. Vivamus a tellus.</a:t>
-          </a:r>
-        </a:p>
-      </dsp:txBody>
-      <dsp:txXfrm>
-        <a:off x="3437929" y="1490244"/>
-        <a:ext cx="3182540" cy="2235367"/>
-      </dsp:txXfrm>
-    </dsp:sp>
-    <dsp:sp modelId="{379B8CE4-8135-4F2C-A5A0-E55EBE328E9A}">
-      <dsp:nvSpPr>
-        <dsp:cNvPr id="0" name=""/>
-        <dsp:cNvSpPr/>
-      </dsp:nvSpPr>
-      <dsp:spPr>
-        <a:xfrm>
-          <a:off x="3437929" y="0"/>
-          <a:ext cx="3182540" cy="1490244"/>
-        </a:xfrm>
-        <a:prstGeom prst="rect">
-          <a:avLst/>
-        </a:prstGeom>
-        <a:noFill/>
-        <a:ln w="12700" cap="flat" cmpd="sng" algn="ctr">
-          <a:noFill/>
-          <a:prstDash val="solid"/>
-        </a:ln>
-        <a:effectLst/>
-        <a:sp3d/>
-      </dsp:spPr>
-      <dsp:style>
-        <a:lnRef idx="2">
-          <a:scrgbClr r="0" g="0" b="0"/>
-        </a:lnRef>
-        <a:fillRef idx="1">
-          <a:scrgbClr r="0" g="0" b="0"/>
-        </a:fillRef>
-        <a:effectRef idx="1">
-          <a:scrgbClr r="0" g="0" b="0"/>
-        </a:effectRef>
-        <a:fontRef idx="minor">
-          <a:schemeClr val="lt1"/>
-        </a:fontRef>
-      </dsp:style>
-      <dsp:txBody>
-        <a:bodyPr spcFirstLastPara="0" vert="horz" wrap="square" lIns="314364" tIns="165100" rIns="314364" bIns="165100" numCol="1" spcCol="1270" anchor="ctr" anchorCtr="0">
-          <a:noAutofit/>
-        </a:bodyPr>
-        <a:lstStyle/>
-        <a:p>
-          <a:pPr marL="0" lvl="0" indent="0" algn="l" defTabSz="2933700">
-            <a:lnSpc>
-              <a:spcPct val="90000"/>
-            </a:lnSpc>
-            <a:spcBef>
-              <a:spcPct val="0"/>
-            </a:spcBef>
-            <a:spcAft>
-              <a:spcPct val="35000"/>
-            </a:spcAft>
-            <a:buNone/>
-          </a:pPr>
-          <a:r>
-            <a:rPr lang="en-US" sz="6600" kern="1200" dirty="0"/>
-            <a:t>02</a:t>
-          </a:r>
-        </a:p>
-      </dsp:txBody>
-      <dsp:txXfrm>
-        <a:off x="3437929" y="0"/>
-        <a:ext cx="3182540" cy="1490244"/>
-      </dsp:txXfrm>
-    </dsp:sp>
-    <dsp:sp modelId="{0802B4A8-7224-4B0A-95B7-D17AEB2B2AFF}">
-      <dsp:nvSpPr>
-        <dsp:cNvPr id="0" name=""/>
-        <dsp:cNvSpPr/>
-      </dsp:nvSpPr>
-      <dsp:spPr>
-        <a:xfrm>
-          <a:off x="6875073" y="0"/>
-          <a:ext cx="3182540" cy="3725612"/>
-        </a:xfrm>
-        <a:prstGeom prst="rect">
-          <a:avLst/>
-        </a:prstGeom>
-        <a:solidFill>
-          <a:schemeClr val="dk2">
-            <a:hueOff val="0"/>
-            <a:satOff val="0"/>
-            <a:lumOff val="0"/>
-            <a:alphaOff val="0"/>
-          </a:schemeClr>
-        </a:solidFill>
-        <a:ln w="12700" cap="flat" cmpd="sng" algn="ctr">
-          <a:solidFill>
-            <a:schemeClr val="dk2">
-              <a:hueOff val="0"/>
-              <a:satOff val="0"/>
-              <a:lumOff val="0"/>
-              <a:alphaOff val="0"/>
-            </a:schemeClr>
-          </a:solidFill>
-          <a:prstDash val="solid"/>
-        </a:ln>
-        <a:effectLst/>
-      </dsp:spPr>
-      <dsp:style>
-        <a:lnRef idx="2">
-          <a:scrgbClr r="0" g="0" b="0"/>
-        </a:lnRef>
-        <a:fillRef idx="1">
-          <a:scrgbClr r="0" g="0" b="0"/>
-        </a:fillRef>
-        <a:effectRef idx="1">
-          <a:scrgbClr r="0" g="0" b="0"/>
-        </a:effectRef>
-        <a:fontRef idx="minor">
-          <a:schemeClr val="lt1"/>
-        </a:fontRef>
-      </dsp:style>
-      <dsp:txBody>
-        <a:bodyPr spcFirstLastPara="0" vert="horz" wrap="square" lIns="314364" tIns="0" rIns="314364" bIns="330200" numCol="1" spcCol="1270" anchor="t" anchorCtr="0">
-          <a:noAutofit/>
-        </a:bodyPr>
-        <a:lstStyle/>
-        <a:p>
-          <a:pPr marL="0" lvl="0" indent="0" algn="l" defTabSz="1155700">
-            <a:lnSpc>
-              <a:spcPct val="90000"/>
-            </a:lnSpc>
-            <a:spcBef>
-              <a:spcPct val="0"/>
-            </a:spcBef>
-            <a:spcAft>
-              <a:spcPct val="35000"/>
-            </a:spcAft>
-            <a:buNone/>
-          </a:pPr>
-          <a:r>
-            <a:rPr lang="en-US" sz="2600" kern="1200" dirty="0"/>
-            <a:t>Pellentesque habitant morbi tristique senectus et netus.</a:t>
-          </a:r>
-        </a:p>
-      </dsp:txBody>
-      <dsp:txXfrm>
-        <a:off x="6875073" y="1490244"/>
-        <a:ext cx="3182540" cy="2235367"/>
-      </dsp:txXfrm>
-    </dsp:sp>
-    <dsp:sp modelId="{68AC9669-DC11-473A-AA2E-579A44E78C37}">
-      <dsp:nvSpPr>
-        <dsp:cNvPr id="0" name=""/>
-        <dsp:cNvSpPr/>
-      </dsp:nvSpPr>
-      <dsp:spPr>
-        <a:xfrm>
-          <a:off x="6875073" y="0"/>
-          <a:ext cx="3182540" cy="1490244"/>
-        </a:xfrm>
-        <a:prstGeom prst="rect">
-          <a:avLst/>
-        </a:prstGeom>
-        <a:noFill/>
-        <a:ln w="12700" cap="flat" cmpd="sng" algn="ctr">
-          <a:noFill/>
-          <a:prstDash val="solid"/>
-        </a:ln>
-        <a:effectLst/>
-        <a:sp3d/>
-      </dsp:spPr>
-      <dsp:style>
-        <a:lnRef idx="2">
-          <a:scrgbClr r="0" g="0" b="0"/>
-        </a:lnRef>
-        <a:fillRef idx="1">
-          <a:scrgbClr r="0" g="0" b="0"/>
-        </a:fillRef>
-        <a:effectRef idx="1">
-          <a:scrgbClr r="0" g="0" b="0"/>
-        </a:effectRef>
-        <a:fontRef idx="minor">
-          <a:schemeClr val="lt1"/>
-        </a:fontRef>
-      </dsp:style>
-      <dsp:txBody>
-        <a:bodyPr spcFirstLastPara="0" vert="horz" wrap="square" lIns="314364" tIns="165100" rIns="314364" bIns="165100" numCol="1" spcCol="1270" anchor="ctr" anchorCtr="0">
-          <a:noAutofit/>
-        </a:bodyPr>
-        <a:lstStyle/>
-        <a:p>
-          <a:pPr marL="0" lvl="0" indent="0" algn="l" defTabSz="2933700">
-            <a:lnSpc>
-              <a:spcPct val="90000"/>
-            </a:lnSpc>
-            <a:spcBef>
-              <a:spcPct val="0"/>
-            </a:spcBef>
-            <a:spcAft>
-              <a:spcPct val="35000"/>
-            </a:spcAft>
-            <a:buNone/>
-          </a:pPr>
-          <a:r>
-            <a:rPr lang="en-US" sz="6600" kern="1200" dirty="0"/>
-            <a:t>03</a:t>
-          </a:r>
-        </a:p>
-      </dsp:txBody>
-      <dsp:txXfrm>
-        <a:off x="6875073" y="0"/>
-        <a:ext cx="3182540" cy="1490244"/>
-      </dsp:txXfrm>
-    </dsp:sp>
-  </dsp:spTree>
-</dsp:drawing>
-</file>
-
-<file path=ppt/diagrams/layout1.xml><?xml version="1.0" encoding="utf-8"?>
-<dgm:layoutDef xmlns:dgm="http://schemas.openxmlformats.org/drawingml/2006/diagram" xmlns:a="http://schemas.openxmlformats.org/drawingml/2006/main" uniqueId="urn:microsoft.com/office/officeart/2016/7/layout/LinearBlockProcessNumbered#1">
-  <dgm:title val="Linear Block Process Numbered"/>
-  <dgm:desc val="Used to show a progression; a timeline; sequential steps in a task, process, or workflow; or to emphasize movement or direction. Automatic numbers have been introduced to show the steps of the process. Level 1 text and Level 2 text both appears in a rectangle."/>
-  <dgm:catLst>
-    <dgm:cat type="process" pri="500"/>
-  </dgm:catLst>
-  <dgm:sampData>
-    <dgm:dataModel>
-      <dgm:ptLst>
-        <dgm:pt modelId="0" type="doc"/>
-        <dgm:pt modelId="1">
-          <dgm:prSet phldr="1"/>
-        </dgm:pt>
-        <dgm:pt modelId="11">
-          <dgm:prSet phldr="1"/>
-        </dgm:pt>
-        <dgm:pt modelId="2">
-          <dgm:prSet phldr="1"/>
-        </dgm:pt>
-        <dgm:pt modelId="21">
-          <dgm:prSet phldr="1"/>
-        </dgm:pt>
-        <dgm:pt modelId="3">
-          <dgm:prSet phldr="1"/>
-        </dgm:pt>
-        <dgm:pt modelId="31">
-          <dgm:prSet phldr="1"/>
-        </dgm:pt>
-        <dgm:pt modelId="101" type="sibTrans" cxnId="{97D4F0E7-A380-4E8A-A5E6-02A2C57BE889}">
-          <dgm:prSet phldrT="1"/>
-          <dgm:t>
-            <a:bodyPr/>
-            <a:lstStyle/>
-            <a:p>
-              <a:r>
-                <a:t>01</a:t>
-              </a:r>
-            </a:p>
-          </dgm:t>
-        </dgm:pt>
-        <dgm:pt modelId="201" type="sibTrans" cxnId="{5712BDC4-329B-45B2-9194-A148ABB6560A}">
-          <dgm:prSet phldrT="2"/>
-          <dgm:t>
-            <a:bodyPr/>
-            <a:lstStyle/>
-            <a:p>
-              <a:r>
-                <a:t>02</a:t>
-              </a:r>
-            </a:p>
-          </dgm:t>
-        </dgm:pt>
-        <dgm:pt modelId="301" type="sibTrans" cxnId="{8984278A-33F0-4B08-ABC0-F48449CE37F3}">
-          <dgm:prSet phldrT="3"/>
-          <dgm:t>
-            <a:bodyPr/>
-            <a:lstStyle/>
-            <a:p>
-              <a:r>
-                <a:t>03</a:t>
-              </a:r>
-            </a:p>
-          </dgm:t>
-        </dgm:pt>
-      </dgm:ptLst>
-      <dgm:cxnLst>
-        <dgm:cxn modelId="4" srcId="0" destId="1" srcOrd="0" destOrd="0" sibTransId="101"/>
-        <dgm:cxn modelId="5" srcId="0" destId="2" srcOrd="1" destOrd="0" sibTransId="201"/>
-        <dgm:cxn modelId="6" srcId="0" destId="3" srcOrd="2" destOrd="0" sibTransId="301"/>
-        <dgm:cxn modelId="13" srcId="1" destId="11" srcOrd="0" destOrd="0"/>
-        <dgm:cxn modelId="23" srcId="2" destId="21" srcOrd="0" destOrd="0"/>
-        <dgm:cxn modelId="33" srcId="3" destId="31" srcOrd="0" destOrd="0"/>
-      </dgm:cxnLst>
-      <dgm:bg/>
-      <dgm:whole/>
-    </dgm:dataModel>
-  </dgm:sampData>
-  <dgm:styleData>
-    <dgm:dataModel>
-      <dgm:ptLst>
-        <dgm:pt modelId="0" type="doc"/>
-        <dgm:pt modelId="1"/>
-        <dgm:pt modelId="11"/>
-        <dgm:pt modelId="2"/>
-        <dgm:pt modelId="21"/>
-      </dgm:ptLst>
-      <dgm:cxnLst>
-        <dgm:cxn modelId="4" srcId="0" destId="1" srcOrd="0" destOrd="0"/>
-        <dgm:cxn modelId="5" srcId="0" destId="2" srcOrd="1" destOrd="0"/>
-        <dgm:cxn modelId="13" srcId="1" destId="11" srcOrd="0" destOrd="0"/>
-        <dgm:cxn modelId="23" srcId="2" destId="21" srcOrd="0" destOrd="0"/>
-      </dgm:cxnLst>
-      <dgm:bg/>
-      <dgm:whole/>
-    </dgm:dataModel>
-  </dgm:styleData>
-  <dgm:clrData>
-    <dgm:dataModel>
-      <dgm:ptLst>
-        <dgm:pt modelId="0" type="doc"/>
-        <dgm:pt modelId="1"/>
-        <dgm:pt modelId="11"/>
-        <dgm:pt modelId="2"/>
-        <dgm:pt modelId="21"/>
-        <dgm:pt modelId="3"/>
-        <dgm:pt modelId="31"/>
-        <dgm:pt modelId="4"/>
-        <dgm:pt modelId="41"/>
-      </dgm:ptLst>
-      <dgm:cxnLst>
-        <dgm:cxn modelId="5" srcId="0" destId="1" srcOrd="0" destOrd="0"/>
-        <dgm:cxn modelId="6" srcId="0" destId="2" srcOrd="1" destOrd="0"/>
-        <dgm:cxn modelId="7" srcId="0" destId="3" srcOrd="2" destOrd="0"/>
-        <dgm:cxn modelId="8" srcId="0" destId="4" srcOrd="3" destOrd="0"/>
-        <dgm:cxn modelId="13" srcId="1" destId="11" srcOrd="0" destOrd="0"/>
-        <dgm:cxn modelId="23" srcId="2" destId="21" srcOrd="0" destOrd="0"/>
-        <dgm:cxn modelId="33" srcId="3" destId="31" srcOrd="0" destOrd="0"/>
-        <dgm:cxn modelId="43" srcId="4" destId="41" srcOrd="0" destOrd="0"/>
-      </dgm:cxnLst>
-      <dgm:bg/>
-      <dgm:whole/>
-    </dgm:dataModel>
-  </dgm:clrData>
-  <dgm:layoutNode name="Name0">
-    <dgm:varLst>
-      <dgm:animLvl val="lvl"/>
-      <dgm:resizeHandles val="exact"/>
-    </dgm:varLst>
-    <dgm:alg type="lin">
-      <dgm:param type="linDir" val="fromL"/>
-      <dgm:param type="nodeVertAlign" val="t"/>
-    </dgm:alg>
-    <dgm:shape xmlns:r="http://schemas.openxmlformats.org/officeDocument/2006/relationships" r:blip="">
-      <dgm:adjLst/>
-    </dgm:shape>
-    <dgm:presOf/>
-    <dgm:constrLst>
-      <dgm:constr type="h" for="ch" forName="compositeNode" refType="h"/>
-      <dgm:constr type="w" for="ch" forName="compositeNode" refType="w"/>
-      <dgm:constr type="w" for="des" forName="simulatedConn" refType="w" refFor="ch" refForName="compositeNode" fact="0.15"/>
-      <dgm:constr type="h" for="des" forName="simulatedConn" refType="w" refFor="des" refForName="simulatedConn"/>
-      <dgm:constr type="h" for="des" forName="vSp1" refType="w" refFor="ch" refForName="compositeNode" fact="0.8"/>
-      <dgm:constr type="h" for="des" forName="vSp2" refType="w" refFor="ch" refForName="compositeNode" fact="0.07"/>
-      <dgm:constr type="w" for="ch" forName="vProcSp" refType="w" refFor="des" refForName="simulatedConn" op="equ"/>
-      <dgm:constr type="h" for="ch" forName="vProcSp" refType="h" refFor="ch" refForName="compositeNode" op="equ"/>
-      <dgm:constr type="w" for="ch" forName="sibTrans" refType="w" refFor="ch" refForName="compositeNode" fact="0.08"/>
-      <dgm:constr type="primFontSz" for="des" forName="sibTransNodeRect" op="equ"/>
-      <dgm:constr type="primFontSz" for="des" forName="nodeRect" op="equ"/>
-    </dgm:constrLst>
-    <dgm:ruleLst/>
-    <dgm:forEach name="Name4" axis="ch" ptType="node">
-      <dgm:layoutNode name="compositeNode">
-        <dgm:varLst>
-          <dgm:bulletEnabled val="1"/>
-        </dgm:varLst>
-        <dgm:alg type="composite"/>
-        <dgm:constrLst>
-          <dgm:constr type="h" refType="w" op="lte" fact="1.2"/>
-          <dgm:constr type="w" for="ch" forName="bgRect" refType="w"/>
-          <dgm:constr type="h" for="ch" forName="bgRect" refType="h"/>
-          <dgm:constr type="t" for="ch" forName="bgRect"/>
-          <dgm:constr type="l" for="ch" forName="bgRect"/>
-          <dgm:constr type="w" for="ch" forName="sibTransNodeRect" refType="w" refFor="ch" refForName="bgRect"/>
-          <dgm:constr type="h" for="ch" forName="sibTransNodeRect" refType="h" refFor="ch" refForName="bgRect" fact="0.4"/>
-          <dgm:constr type="t" for="ch" forName="sibTransNodeRect"/>
-          <dgm:constr type="l" for="ch" forName="sibTransNodeRect"/>
-          <dgm:constr type="r" for="ch" forName="nodeRect" refType="r" refFor="ch" refForName="bgRect"/>
-          <dgm:constr type="h" for="ch" forName="nodeRect" refType="h" refFor="ch" refForName="bgRect" fact="0.6"/>
-          <dgm:constr type="t" for="ch" forName="nodeRect" refType="b" refFor="ch" refForName="sibTransNodeRect"/>
-          <dgm:constr type="l" for="ch" forName="nodeRect" refType="l" refFor="ch" refForName="bgRect"/>
-        </dgm:constrLst>
-        <dgm:ruleLst>
-          <dgm:rule type="w" for="ch" forName="nodeRect" val="NaN" fact="NaN" max="30"/>
-        </dgm:ruleLst>
-        <dgm:layoutNode name="bgRect" styleLbl="alignNode1">
-          <dgm:alg type="sp"/>
-          <dgm:shape xmlns:r="http://schemas.openxmlformats.org/officeDocument/2006/relationships" type="rect" r:blip="">
-            <dgm:adjLst>
-              <dgm:adj idx="1" val="0.05"/>
-            </dgm:adjLst>
-          </dgm:shape>
-          <dgm:presOf axis="self"/>
-          <dgm:constrLst/>
-          <dgm:ruleLst/>
-        </dgm:layoutNode>
-        <dgm:forEach name="Name19" axis="followSib" ptType="sibTrans" hideLastTrans="0" cnt="1">
-          <dgm:layoutNode name="sibTransNodeRect" styleLbl="alignNode1">
-            <dgm:varLst>
-              <dgm:chMax val="0"/>
-              <dgm:bulletEnabled val="1"/>
-            </dgm:varLst>
-            <dgm:presOf axis="self"/>
-            <dgm:alg type="tx">
-              <dgm:param type="parTxLTRAlign" val="l"/>
-              <dgm:param type="parTxRTLAlign" val="l"/>
-            </dgm:alg>
-            <dgm:shape xmlns:r="http://schemas.openxmlformats.org/officeDocument/2006/relationships" type="rect" r:blip="" hideGeom="1">
-              <dgm:adjLst/>
-            </dgm:shape>
-            <dgm:constrLst>
-              <dgm:constr type="primFontSz" val="66"/>
-              <dgm:constr type="tMarg" val="13"/>
-              <dgm:constr type="lMarg" refType="w" fact="0.28"/>
-              <dgm:constr type="rMarg" refType="w" fact="0.28"/>
-              <dgm:constr type="bMarg" val="13"/>
-            </dgm:constrLst>
-            <dgm:ruleLst>
-              <dgm:rule type="primFontSz" val="14" fact="NaN" max="NaN"/>
-              <dgm:rule type="tMarg" val="13" fact="NaN" max="NaN"/>
-            </dgm:ruleLst>
-          </dgm:layoutNode>
-        </dgm:forEach>
-        <dgm:layoutNode name="nodeRect" styleLbl="alignNode1" moveWith="bgRect">
-          <dgm:varLst>
-            <dgm:bulletEnabled val="1"/>
-          </dgm:varLst>
-          <dgm:alg type="tx">
-            <dgm:param type="parTxLTRAlign" val="l"/>
-            <dgm:param type="parTxRTLAlign" val="r"/>
-            <dgm:param type="txAnchorVert" val="t"/>
-            <dgm:param type="stBulletLvl" val="2"/>
-          </dgm:alg>
-          <dgm:shape xmlns:r="http://schemas.openxmlformats.org/officeDocument/2006/relationships" type="rect" r:blip="" hideGeom="1">
-            <dgm:adjLst/>
-          </dgm:shape>
-          <dgm:presOf axis="desOrSelf" ptType="node"/>
-          <dgm:constrLst>
-            <dgm:constr type="primFontSz" val="26"/>
-            <dgm:constr type="tMarg"/>
-            <dgm:constr type="lMarg" refType="w" fact="0.28"/>
-            <dgm:constr type="rMarg" refType="w" fact="0.28"/>
-            <dgm:constr type="bMarg" val="26"/>
-          </dgm:constrLst>
-          <dgm:ruleLst>
-            <dgm:rule type="primFontSz" val="11" fact="NaN" max="NaN"/>
-          </dgm:ruleLst>
-        </dgm:layoutNode>
-      </dgm:layoutNode>
-      <dgm:forEach name="Name14" axis="followSib" ptType="sibTrans" cnt="1">
-        <dgm:layoutNode name="sibTrans">
-          <dgm:alg type="sp"/>
-          <dgm:shape xmlns:r="http://schemas.openxmlformats.org/officeDocument/2006/relationships" r:blip="">
-            <dgm:adjLst/>
-          </dgm:shape>
-          <dgm:presOf/>
-          <dgm:constrLst/>
-          <dgm:ruleLst/>
-        </dgm:layoutNode>
-      </dgm:forEach>
-    </dgm:forEach>
-  </dgm:layoutNode>
-  <dgm:extLst>
-    <a:ext uri="{4F341089-5ED1-44EC-B178-C955D00A3D55}">
-      <dgm1611:autoBuNodeInfoLst xmlns:dgm1611="http://schemas.microsoft.com/office/drawing/2016/11/diagram">
-        <dgm1611:autoBuNodeInfo lvl="1" ptType="sibTrans">
-          <dgm1611:buPr prefix="" leadZeros="1">
-            <a:buAutoNum type="arabicParenBoth"/>
-          </dgm1611:buPr>
-        </dgm1611:autoBuNodeInfo>
-      </dgm1611:autoBuNodeInfoLst>
-    </a:ext>
-  </dgm:extLst>
-</dgm:layoutDef>
-</file>
-
-<file path=ppt/diagrams/quickStyle1.xml><?xml version="1.0" encoding="utf-8"?>
-<dgm:styleDef xmlns:dgm="http://schemas.openxmlformats.org/drawingml/2006/diagram" xmlns:a="http://schemas.openxmlformats.org/drawingml/2006/main" uniqueId="urn:microsoft.com/office/officeart/2005/8/quickstyle/simple2">
-  <dgm:title val=""/>
-  <dgm:desc val=""/>
-  <dgm:catLst>
-    <dgm:cat type="simple" pri="10200"/>
-  </dgm:catLst>
-  <dgm:scene3d>
-    <a:camera prst="orthographicFront"/>
-    <a:lightRig rig="threePt" dir="t"/>
-  </dgm:scene3d>
-  <dgm:styleLbl name="node0">
-    <dgm:scene3d>
-      <a:camera prst="orthographicFront"/>
-      <a:lightRig rig="threePt" dir="t"/>
-    </dgm:scene3d>
-    <dgm:sp3d/>
-    <dgm:txPr/>
-    <dgm:style>
-      <a:lnRef idx="3">
-        <a:scrgbClr r="0" g="0" b="0"/>
-      </a:lnRef>
-      <a:fillRef idx="1">
-        <a:scrgbClr r="0" g="0" b="0"/>
-      </a:fillRef>
-      <a:effectRef idx="1">
-        <a:scrgbClr r="0" g="0" b="0"/>
-      </a:effectRef>
-      <a:fontRef idx="minor">
-        <a:schemeClr val="lt1"/>
-      </a:fontRef>
-    </dgm:style>
-  </dgm:styleLbl>
-  <dgm:styleLbl name="lnNode1">
-    <dgm:scene3d>
-      <a:camera prst="orthographicFront"/>
-      <a:lightRig rig="threePt" dir="t"/>
-    </dgm:scene3d>
-    <dgm:sp3d/>
-    <dgm:txPr/>
-    <dgm:style>
-      <a:lnRef idx="3">
-        <a:scrgbClr r="0" g="0" b="0"/>
-      </a:lnRef>
-      <a:fillRef idx="1">
-        <a:scrgbClr r="0" g="0" b="0"/>
-      </a:fillRef>
-      <a:effectRef idx="1">
-        <a:scrgbClr r="0" g="0" b="0"/>
-      </a:effectRef>
-      <a:fontRef idx="minor">
-        <a:schemeClr val="lt1"/>
-      </a:fontRef>
-    </dgm:style>
-  </dgm:styleLbl>
-  <dgm:styleLbl name="vennNode1">
-    <dgm:scene3d>
-      <a:camera prst="orthographicFront"/>
-      <a:lightRig rig="threePt" dir="t"/>
-    </dgm:scene3d>
-    <dgm:sp3d/>
-    <dgm:txPr/>
-    <dgm:style>
-      <a:lnRef idx="3">
-        <a:scrgbClr r="0" g="0" b="0"/>
-      </a:lnRef>
-      <a:fillRef idx="1">
-        <a:scrgbClr r="0" g="0" b="0"/>
-      </a:fillRef>
-      <a:effectRef idx="0">
-        <a:scrgbClr r="0" g="0" b="0"/>
-      </a:effectRef>
-      <a:fontRef idx="minor">
-        <a:schemeClr val="tx1"/>
-      </a:fontRef>
-    </dgm:style>
-  </dgm:styleLbl>
-  <dgm:styleLbl name="alignNode1">
-    <dgm:scene3d>
-      <a:camera prst="orthographicFront"/>
-      <a:lightRig rig="threePt" dir="t"/>
-    </dgm:scene3d>
-    <dgm:sp3d/>
-    <dgm:txPr/>
-    <dgm:style>
-      <a:lnRef idx="2">
-        <a:scrgbClr r="0" g="0" b="0"/>
-      </a:lnRef>
-      <a:fillRef idx="1">
-        <a:scrgbClr r="0" g="0" b="0"/>
-      </a:fillRef>
-      <a:effectRef idx="1">
-        <a:scrgbClr r="0" g="0" b="0"/>
-      </a:effectRef>
-      <a:fontRef idx="minor">
-        <a:schemeClr val="lt1"/>
-      </a:fontRef>
-    </dgm:style>
-  </dgm:styleLbl>
-  <dgm:styleLbl name="node1">
-    <dgm:scene3d>
-      <a:camera prst="orthographicFront"/>
-      <a:lightRig rig="threePt" dir="t"/>
-    </dgm:scene3d>
-    <dgm:sp3d/>
-    <dgm:txPr/>
-    <dgm:style>
-      <a:lnRef idx="3">
-        <a:scrgbClr r="0" g="0" b="0"/>
-      </a:lnRef>
-      <a:fillRef idx="1">
-        <a:scrgbClr r="0" g="0" b="0"/>
-      </a:fillRef>
-      <a:effectRef idx="1">
-        <a:scrgbClr r="0" g="0" b="0"/>
-      </a:effectRef>
-      <a:fontRef idx="minor">
-        <a:schemeClr val="lt1"/>
-      </a:fontRef>
-    </dgm:style>
-  </dgm:styleLbl>
-  <dgm:styleLbl name="node2">
-    <dgm:scene3d>
-      <a:camera prst="orthographicFront"/>
-      <a:lightRig rig="threePt" dir="t"/>
-    </dgm:scene3d>
-    <dgm:sp3d/>
-    <dgm:txPr/>
-    <dgm:style>
-      <a:lnRef idx="3">
-        <a:scrgbClr r="0" g="0" b="0"/>
-      </a:lnRef>
-      <a:fillRef idx="1">
-        <a:scrgbClr r="0" g="0" b="0"/>
-      </a:fillRef>
-      <a:effectRef idx="1">
-        <a:scrgbClr r="0" g="0" b="0"/>
-      </a:effectRef>
-      <a:fontRef idx="minor">
-        <a:schemeClr val="lt1"/>
-      </a:fontRef>
-    </dgm:style>
-  </dgm:styleLbl>
-  <dgm:styleLbl name="node3">
-    <dgm:scene3d>
-      <a:camera prst="orthographicFront"/>
-      <a:lightRig rig="threePt" dir="t"/>
-    </dgm:scene3d>
-    <dgm:sp3d/>
-    <dgm:txPr/>
-    <dgm:style>
-      <a:lnRef idx="3">
-        <a:scrgbClr r="0" g="0" b="0"/>
-      </a:lnRef>
-      <a:fillRef idx="1">
-        <a:scrgbClr r="0" g="0" b="0"/>
-      </a:fillRef>
-      <a:effectRef idx="1">
-        <a:scrgbClr r="0" g="0" b="0"/>
-      </a:effectRef>
-      <a:fontRef idx="minor">
-        <a:schemeClr val="lt1"/>
-      </a:fontRef>
-    </dgm:style>
-  </dgm:styleLbl>
-  <dgm:styleLbl name="node4">
-    <dgm:scene3d>
-      <a:camera prst="orthographicFront"/>
-      <a:lightRig rig="threePt" dir="t"/>
-    </dgm:scene3d>
-    <dgm:sp3d/>
-    <dgm:txPr/>
-    <dgm:style>
-      <a:lnRef idx="3">
-        <a:scrgbClr r="0" g="0" b="0"/>
-      </a:lnRef>
-      <a:fillRef idx="1">
-        <a:scrgbClr r="0" g="0" b="0"/>
-      </a:fillRef>
-      <a:effectRef idx="1">
-        <a:scrgbClr r="0" g="0" b="0"/>
-      </a:effectRef>
-      <a:fontRef idx="minor">
-        <a:schemeClr val="lt1"/>
-      </a:fontRef>
-    </dgm:style>
-  </dgm:styleLbl>
-  <dgm:styleLbl name="fgImgPlace1">
-    <dgm:scene3d>
-      <a:camera prst="orthographicFront"/>
-      <a:lightRig rig="threePt" dir="t"/>
-    </dgm:scene3d>
-    <dgm:sp3d/>
-    <dgm:txPr/>
-    <dgm:style>
-      <a:lnRef idx="3">
-        <a:scrgbClr r="0" g="0" b="0"/>
-      </a:lnRef>
-      <a:fillRef idx="1">
-        <a:scrgbClr r="0" g="0" b="0"/>
-      </a:fillRef>
-      <a:effectRef idx="1">
-        <a:scrgbClr r="0" g="0" b="0"/>
-      </a:effectRef>
-      <a:fontRef idx="minor"/>
-    </dgm:style>
-  </dgm:styleLbl>
-  <dgm:styleLbl name="alignImgPlace1">
-    <dgm:scene3d>
-      <a:camera prst="orthographicFront"/>
-      <a:lightRig rig="threePt" dir="t"/>
-    </dgm:scene3d>
-    <dgm:sp3d/>
-    <dgm:txPr/>
-    <dgm:style>
-      <a:lnRef idx="3">
-        <a:scrgbClr r="0" g="0" b="0"/>
-      </a:lnRef>
-      <a:fillRef idx="1">
-        <a:scrgbClr r="0" g="0" b="0"/>
-      </a:fillRef>
-      <a:effectRef idx="1">
-        <a:scrgbClr r="0" g="0" b="0"/>
-      </a:effectRef>
-      <a:fontRef idx="minor"/>
-    </dgm:style>
-  </dgm:styleLbl>
-  <dgm:styleLbl name="bgImgPlace1">
-    <dgm:scene3d>
-      <a:camera prst="orthographicFront"/>
-      <a:lightRig rig="threePt" dir="t"/>
-    </dgm:scene3d>
-    <dgm:sp3d/>
-    <dgm:txPr/>
-    <dgm:style>
-      <a:lnRef idx="3">
-        <a:scrgbClr r="0" g="0" b="0"/>
-      </a:lnRef>
-      <a:fillRef idx="1">
-        <a:scrgbClr r="0" g="0" b="0"/>
-      </a:fillRef>
-      <a:effectRef idx="1">
-        <a:scrgbClr r="0" g="0" b="0"/>
-      </a:effectRef>
-      <a:fontRef idx="minor"/>
-    </dgm:style>
-  </dgm:styleLbl>
-  <dgm:styleLbl name="sibTrans2D1">
-    <dgm:scene3d>
-      <a:camera prst="orthographicFront"/>
-      <a:lightRig rig="threePt" dir="t"/>
-    </dgm:scene3d>
-    <dgm:sp3d/>
-    <dgm:txPr/>
-    <dgm:style>
-      <a:lnRef idx="0">
-        <a:scrgbClr r="0" g="0" b="0"/>
-      </a:lnRef>
-      <a:fillRef idx="1">
-        <a:scrgbClr r="0" g="0" b="0"/>
-      </a:fillRef>
-      <a:effectRef idx="1">
-        <a:scrgbClr r="0" g="0" b="0"/>
-      </a:effectRef>
-      <a:fontRef idx="minor">
-        <a:schemeClr val="lt1"/>
-      </a:fontRef>
-    </dgm:style>
-  </dgm:styleLbl>
-  <dgm:styleLbl name="fgSibTrans2D1">
-    <dgm:scene3d>
-      <a:camera prst="orthographicFront"/>
-      <a:lightRig rig="threePt" dir="t"/>
-    </dgm:scene3d>
-    <dgm:sp3d/>
-    <dgm:txPr/>
-    <dgm:style>
-      <a:lnRef idx="0">
-        <a:scrgbClr r="0" g="0" b="0"/>
-      </a:lnRef>
-      <a:fillRef idx="1">
-        <a:scrgbClr r="0" g="0" b="0"/>
-      </a:fillRef>
-      <a:effectRef idx="1">
-        <a:scrgbClr r="0" g="0" b="0"/>
-      </a:effectRef>
-      <a:fontRef idx="minor">
-        <a:schemeClr val="lt1"/>
-      </a:fontRef>
-    </dgm:style>
-  </dgm:styleLbl>
-  <dgm:styleLbl name="bgSibTrans2D1">
-    <dgm:scene3d>
-      <a:camera prst="orthographicFront"/>
-      <a:lightRig rig="threePt" dir="t"/>
-    </dgm:scene3d>
-    <dgm:sp3d/>
-    <dgm:txPr/>
-    <dgm:style>
-      <a:lnRef idx="0">
-        <a:scrgbClr r="0" g="0" b="0"/>
-      </a:lnRef>
-      <a:fillRef idx="1">
-        <a:scrgbClr r="0" g="0" b="0"/>
-      </a:fillRef>
-      <a:effectRef idx="1">
-        <a:scrgbClr r="0" g="0" b="0"/>
-      </a:effectRef>
-      <a:fontRef idx="minor">
-        <a:schemeClr val="lt1"/>
-      </a:fontRef>
-    </dgm:style>
-  </dgm:styleLbl>
-  <dgm:styleLbl name="sibTrans1D1">
-    <dgm:scene3d>
-      <a:camera prst="orthographicFront"/>
-      <a:lightRig rig="threePt" dir="t"/>
-    </dgm:scene3d>
-    <dgm:sp3d/>
-    <dgm:txPr/>
-    <dgm:style>
-      <a:lnRef idx="1">
-        <a:scrgbClr r="0" g="0" b="0"/>
-      </a:lnRef>
-      <a:fillRef idx="0">
-        <a:scrgbClr r="0" g="0" b="0"/>
-      </a:fillRef>
-      <a:effectRef idx="0">
-        <a:scrgbClr r="0" g="0" b="0"/>
-      </a:effectRef>
-      <a:fontRef idx="minor"/>
-    </dgm:style>
-  </dgm:styleLbl>
-  <dgm:styleLbl name="callout">
-    <dgm:scene3d>
-      <a:camera prst="orthographicFront"/>
-      <a:lightRig rig="threePt" dir="t"/>
-    </dgm:scene3d>
-    <dgm:sp3d/>
-    <dgm:txPr/>
-    <dgm:style>
-      <a:lnRef idx="2">
-        <a:scrgbClr r="0" g="0" b="0"/>
-      </a:lnRef>
-      <a:fillRef idx="1">
-        <a:scrgbClr r="0" g="0" b="0"/>
-      </a:fillRef>
-      <a:effectRef idx="1">
-        <a:scrgbClr r="0" g="0" b="0"/>
-      </a:effectRef>
-      <a:fontRef idx="minor"/>
-    </dgm:style>
-  </dgm:styleLbl>
-  <dgm:styleLbl name="asst0">
-    <dgm:scene3d>
-      <a:camera prst="orthographicFront"/>
-      <a:lightRig rig="threePt" dir="t"/>
-    </dgm:scene3d>
-    <dgm:sp3d/>
-    <dgm:txPr/>
-    <dgm:style>
-      <a:lnRef idx="3">
-        <a:scrgbClr r="0" g="0" b="0"/>
-      </a:lnRef>
-      <a:fillRef idx="1">
-        <a:scrgbClr r="0" g="0" b="0"/>
-      </a:fillRef>
-      <a:effectRef idx="1">
-        <a:scrgbClr r="0" g="0" b="0"/>
-      </a:effectRef>
-      <a:fontRef idx="minor">
-        <a:schemeClr val="lt1"/>
-      </a:fontRef>
-    </dgm:style>
-  </dgm:styleLbl>
-  <dgm:styleLbl name="asst1">
-    <dgm:scene3d>
-      <a:camera prst="orthographicFront"/>
-      <a:lightRig rig="threePt" dir="t"/>
-    </dgm:scene3d>
-    <dgm:sp3d/>
-    <dgm:txPr/>
-    <dgm:style>
-      <a:lnRef idx="3">
-        <a:scrgbClr r="0" g="0" b="0"/>
-      </a:lnRef>
-      <a:fillRef idx="1">
-        <a:scrgbClr r="0" g="0" b="0"/>
-      </a:fillRef>
-      <a:effectRef idx="1">
-        <a:scrgbClr r="0" g="0" b="0"/>
-      </a:effectRef>
-      <a:fontRef idx="minor">
-        <a:schemeClr val="lt1"/>
-      </a:fontRef>
-    </dgm:style>
-  </dgm:styleLbl>
-  <dgm:styleLbl name="asst2">
-    <dgm:scene3d>
-      <a:camera prst="orthographicFront"/>
-      <a:lightRig rig="threePt" dir="t"/>
-    </dgm:scene3d>
-    <dgm:sp3d/>
-    <dgm:txPr/>
-    <dgm:style>
-      <a:lnRef idx="3">
-        <a:scrgbClr r="0" g="0" b="0"/>
-      </a:lnRef>
-      <a:fillRef idx="1">
-        <a:scrgbClr r="0" g="0" b="0"/>
-      </a:fillRef>
-      <a:effectRef idx="1">
-        <a:scrgbClr r="0" g="0" b="0"/>
-      </a:effectRef>
-      <a:fontRef idx="minor">
-        <a:schemeClr val="lt1"/>
-      </a:fontRef>
-    </dgm:style>
-  </dgm:styleLbl>
-  <dgm:styleLbl name="asst3">
-    <dgm:scene3d>
-      <a:camera prst="orthographicFront"/>
-      <a:lightRig rig="threePt" dir="t"/>
-    </dgm:scene3d>
-    <dgm:sp3d/>
-    <dgm:txPr/>
-    <dgm:style>
-      <a:lnRef idx="3">
-        <a:scrgbClr r="0" g="0" b="0"/>
-      </a:lnRef>
-      <a:fillRef idx="1">
-        <a:scrgbClr r="0" g="0" b="0"/>
-      </a:fillRef>
-      <a:effectRef idx="1">
-        <a:scrgbClr r="0" g="0" b="0"/>
-      </a:effectRef>
-      <a:fontRef idx="minor">
-        <a:schemeClr val="lt1"/>
-      </a:fontRef>
-    </dgm:style>
-  </dgm:styleLbl>
-  <dgm:styleLbl name="asst4">
-    <dgm:scene3d>
-      <a:camera prst="orthographicFront"/>
-      <a:lightRig rig="threePt" dir="t"/>
-    </dgm:scene3d>
-    <dgm:sp3d/>
-    <dgm:txPr/>
-    <dgm:style>
-      <a:lnRef idx="3">
-        <a:scrgbClr r="0" g="0" b="0"/>
-      </a:lnRef>
-      <a:fillRef idx="1">
-        <a:scrgbClr r="0" g="0" b="0"/>
-      </a:fillRef>
-      <a:effectRef idx="1">
-        <a:scrgbClr r="0" g="0" b="0"/>
-      </a:effectRef>
-      <a:fontRef idx="minor">
-        <a:schemeClr val="lt1"/>
-      </a:fontRef>
-    </dgm:style>
-  </dgm:styleLbl>
-  <dgm:styleLbl name="parChTrans2D1">
-    <dgm:scene3d>
-      <a:camera prst="orthographicFront"/>
-      <a:lightRig rig="threePt" dir="t"/>
-    </dgm:scene3d>
-    <dgm:sp3d/>
-    <dgm:txPr/>
-    <dgm:style>
-      <a:lnRef idx="3">
-        <a:scrgbClr r="0" g="0" b="0"/>
-      </a:lnRef>
-      <a:fillRef idx="1">
-        <a:scrgbClr r="0" g="0" b="0"/>
-      </a:fillRef>
-      <a:effectRef idx="1">
-        <a:scrgbClr r="0" g="0" b="0"/>
-      </a:effectRef>
-      <a:fontRef idx="minor">
-        <a:schemeClr val="lt1"/>
-      </a:fontRef>
-    </dgm:style>
-  </dgm:styleLbl>
-  <dgm:styleLbl name="parChTrans2D2">
-    <dgm:scene3d>
-      <a:camera prst="orthographicFront"/>
-      <a:lightRig rig="threePt" dir="t"/>
-    </dgm:scene3d>
-    <dgm:sp3d/>
-    <dgm:txPr/>
-    <dgm:style>
-      <a:lnRef idx="3">
-        <a:scrgbClr r="0" g="0" b="0"/>
-      </a:lnRef>
-      <a:fillRef idx="1">
-        <a:scrgbClr r="0" g="0" b="0"/>
-      </a:fillRef>
-      <a:effectRef idx="1">
-        <a:scrgbClr r="0" g="0" b="0"/>
-      </a:effectRef>
-      <a:fontRef idx="minor">
-        <a:schemeClr val="lt1"/>
-      </a:fontRef>
-    </dgm:style>
-  </dgm:styleLbl>
-  <dgm:styleLbl name="parChTrans2D3">
-    <dgm:scene3d>
-      <a:camera prst="orthographicFront"/>
-      <a:lightRig rig="threePt" dir="t"/>
-    </dgm:scene3d>
-    <dgm:sp3d/>
-    <dgm:txPr/>
-    <dgm:style>
-      <a:lnRef idx="3">
-        <a:scrgbClr r="0" g="0" b="0"/>
-      </a:lnRef>
-      <a:fillRef idx="1">
-        <a:scrgbClr r="0" g="0" b="0"/>
-      </a:fillRef>
-      <a:effectRef idx="1">
-        <a:scrgbClr r="0" g="0" b="0"/>
-      </a:effectRef>
-      <a:fontRef idx="minor">
-        <a:schemeClr val="lt1"/>
-      </a:fontRef>
-    </dgm:style>
-  </dgm:styleLbl>
-  <dgm:styleLbl name="parChTrans2D4">
-    <dgm:scene3d>
-      <a:camera prst="orthographicFront"/>
-      <a:lightRig rig="threePt" dir="t"/>
-    </dgm:scene3d>
-    <dgm:sp3d/>
-    <dgm:txPr/>
-    <dgm:style>
-      <a:lnRef idx="3">
-        <a:scrgbClr r="0" g="0" b="0"/>
-      </a:lnRef>
-      <a:fillRef idx="1">
-        <a:scrgbClr r="0" g="0" b="0"/>
-      </a:fillRef>
-      <a:effectRef idx="1">
-        <a:scrgbClr r="0" g="0" b="0"/>
-      </a:effectRef>
-      <a:fontRef idx="minor">
-        <a:schemeClr val="lt1"/>
-      </a:fontRef>
-    </dgm:style>
-  </dgm:styleLbl>
-  <dgm:styleLbl name="parChTrans1D1">
-    <dgm:scene3d>
-      <a:camera prst="orthographicFront"/>
-      <a:lightRig rig="threePt" dir="t"/>
-    </dgm:scene3d>
-    <dgm:sp3d/>
-    <dgm:txPr/>
-    <dgm:style>
-      <a:lnRef idx="2">
-        <a:scrgbClr r="0" g="0" b="0"/>
-      </a:lnRef>
-      <a:fillRef idx="0">
-        <a:scrgbClr r="0" g="0" b="0"/>
-      </a:fillRef>
-      <a:effectRef idx="0">
-        <a:scrgbClr r="0" g="0" b="0"/>
-      </a:effectRef>
-      <a:fontRef idx="minor"/>
-    </dgm:style>
-  </dgm:styleLbl>
-  <dgm:styleLbl name="parChTrans1D2">
-    <dgm:scene3d>
-      <a:camera prst="orthographicFront"/>
-      <a:lightRig rig="threePt" dir="t"/>
-    </dgm:scene3d>
-    <dgm:sp3d/>
-    <dgm:txPr/>
-    <dgm:style>
-      <a:lnRef idx="2">
-        <a:scrgbClr r="0" g="0" b="0"/>
-      </a:lnRef>
-      <a:fillRef idx="0">
-        <a:scrgbClr r="0" g="0" b="0"/>
-      </a:fillRef>
-      <a:effectRef idx="0">
-        <a:scrgbClr r="0" g="0" b="0"/>
-      </a:effectRef>
-      <a:fontRef idx="minor"/>
-    </dgm:style>
-  </dgm:styleLbl>
-  <dgm:styleLbl name="parChTrans1D3">
-    <dgm:scene3d>
-      <a:camera prst="orthographicFront"/>
-      <a:lightRig rig="threePt" dir="t"/>
-    </dgm:scene3d>
-    <dgm:sp3d/>
-    <dgm:txPr/>
-    <dgm:style>
-      <a:lnRef idx="2">
-        <a:scrgbClr r="0" g="0" b="0"/>
-      </a:lnRef>
-      <a:fillRef idx="0">
-        <a:scrgbClr r="0" g="0" b="0"/>
-      </a:fillRef>
-      <a:effectRef idx="0">
-        <a:scrgbClr r="0" g="0" b="0"/>
-      </a:effectRef>
-      <a:fontRef idx="minor"/>
-    </dgm:style>
-  </dgm:styleLbl>
-  <dgm:styleLbl name="parChTrans1D4">
-    <dgm:scene3d>
-      <a:camera prst="orthographicFront"/>
-      <a:lightRig rig="threePt" dir="t"/>
-    </dgm:scene3d>
-    <dgm:sp3d/>
-    <dgm:txPr/>
-    <dgm:style>
-      <a:lnRef idx="2">
-        <a:scrgbClr r="0" g="0" b="0"/>
-      </a:lnRef>
-      <a:fillRef idx="0">
-        <a:scrgbClr r="0" g="0" b="0"/>
-      </a:fillRef>
-      <a:effectRef idx="0">
-        <a:scrgbClr r="0" g="0" b="0"/>
-      </a:effectRef>
-      <a:fontRef idx="minor"/>
-    </dgm:style>
-  </dgm:styleLbl>
-  <dgm:styleLbl name="fgAcc1">
-    <dgm:scene3d>
-      <a:camera prst="orthographicFront"/>
-      <a:lightRig rig="threePt" dir="t"/>
-    </dgm:scene3d>
-    <dgm:sp3d/>
-    <dgm:txPr/>
-    <dgm:style>
-      <a:lnRef idx="2">
-        <a:scrgbClr r="0" g="0" b="0"/>
-      </a:lnRef>
-      <a:fillRef idx="1">
-        <a:scrgbClr r="0" g="0" b="0"/>
-      </a:fillRef>
-      <a:effectRef idx="0">
-        <a:scrgbClr r="0" g="0" b="0"/>
-      </a:effectRef>
-      <a:fontRef idx="minor"/>
-    </dgm:style>
-  </dgm:styleLbl>
-  <dgm:styleLbl name="conFgAcc1">
-    <dgm:scene3d>
-      <a:camera prst="orthographicFront"/>
-      <a:lightRig rig="threePt" dir="t"/>
-    </dgm:scene3d>
-    <dgm:sp3d/>
-    <dgm:txPr/>
-    <dgm:style>
-      <a:lnRef idx="2">
-        <a:scrgbClr r="0" g="0" b="0"/>
-      </a:lnRef>
-      <a:fillRef idx="1">
-        <a:scrgbClr r="0" g="0" b="0"/>
-      </a:fillRef>
-      <a:effectRef idx="0">
-        <a:scrgbClr r="0" g="0" b="0"/>
-      </a:effectRef>
-      <a:fontRef idx="minor"/>
-    </dgm:style>
-  </dgm:styleLbl>
-  <dgm:styleLbl name="alignAcc1">
-    <dgm:scene3d>
-      <a:camera prst="orthographicFront"/>
-      <a:lightRig rig="threePt" dir="t"/>
-    </dgm:scene3d>
-    <dgm:sp3d/>
-    <dgm:txPr/>
-    <dgm:style>
-      <a:lnRef idx="2">
-        <a:scrgbClr r="0" g="0" b="0"/>
-      </a:lnRef>
-      <a:fillRef idx="1">
-        <a:scrgbClr r="0" g="0" b="0"/>
-      </a:fillRef>
-      <a:effectRef idx="0">
-        <a:scrgbClr r="0" g="0" b="0"/>
-      </a:effectRef>
-      <a:fontRef idx="minor"/>
-    </dgm:style>
-  </dgm:styleLbl>
-  <dgm:styleLbl name="trAlignAcc1">
-    <dgm:scene3d>
-      <a:camera prst="orthographicFront"/>
-      <a:lightRig rig="threePt" dir="t"/>
-    </dgm:scene3d>
-    <dgm:sp3d/>
-    <dgm:txPr/>
-    <dgm:style>
-      <a:lnRef idx="1">
-        <a:scrgbClr r="0" g="0" b="0"/>
-      </a:lnRef>
-      <a:fillRef idx="1">
-        <a:scrgbClr r="0" g="0" b="0"/>
-      </a:fillRef>
-      <a:effectRef idx="0">
-        <a:scrgbClr r="0" g="0" b="0"/>
-      </a:effectRef>
-      <a:fontRef idx="minor"/>
-    </dgm:style>
-  </dgm:styleLbl>
-  <dgm:styleLbl name="bgAcc1">
-    <dgm:scene3d>
-      <a:camera prst="orthographicFront"/>
-      <a:lightRig rig="threePt" dir="t"/>
-    </dgm:scene3d>
-    <dgm:sp3d/>
-    <dgm:txPr/>
-    <dgm:style>
-      <a:lnRef idx="2">
-        <a:scrgbClr r="0" g="0" b="0"/>
-      </a:lnRef>
-      <a:fillRef idx="1">
-        <a:scrgbClr r="0" g="0" b="0"/>
-      </a:fillRef>
-      <a:effectRef idx="0">
-        <a:scrgbClr r="0" g="0" b="0"/>
-      </a:effectRef>
-      <a:fontRef idx="minor"/>
-    </dgm:style>
-  </dgm:styleLbl>
-  <dgm:styleLbl name="solidFgAcc1">
-    <dgm:scene3d>
-      <a:camera prst="orthographicFront"/>
-      <a:lightRig rig="threePt" dir="t"/>
-    </dgm:scene3d>
-    <dgm:sp3d/>
-    <dgm:txPr/>
-    <dgm:style>
-      <a:lnRef idx="2">
-        <a:scrgbClr r="0" g="0" b="0"/>
-      </a:lnRef>
-      <a:fillRef idx="1">
-        <a:scrgbClr r="0" g="0" b="0"/>
-      </a:fillRef>
-      <a:effectRef idx="0">
-        <a:scrgbClr r="0" g="0" b="0"/>
-      </a:effectRef>
-      <a:fontRef idx="minor"/>
-    </dgm:style>
-  </dgm:styleLbl>
-  <dgm:styleLbl name="solidAlignAcc1">
-    <dgm:scene3d>
-      <a:camera prst="orthographicFront"/>
-      <a:lightRig rig="threePt" dir="t"/>
-    </dgm:scene3d>
-    <dgm:sp3d/>
-    <dgm:txPr/>
-    <dgm:style>
-      <a:lnRef idx="2">
-        <a:scrgbClr r="0" g="0" b="0"/>
-      </a:lnRef>
-      <a:fillRef idx="1">
-        <a:scrgbClr r="0" g="0" b="0"/>
-      </a:fillRef>
-      <a:effectRef idx="0">
-        <a:scrgbClr r="0" g="0" b="0"/>
-      </a:effectRef>
-      <a:fontRef idx="minor"/>
-    </dgm:style>
-  </dgm:styleLbl>
-  <dgm:styleLbl name="solidBgAcc1">
-    <dgm:scene3d>
-      <a:camera prst="orthographicFront"/>
-      <a:lightRig rig="threePt" dir="t"/>
-    </dgm:scene3d>
-    <dgm:sp3d/>
-    <dgm:txPr/>
-    <dgm:style>
-      <a:lnRef idx="2">
-        <a:scrgbClr r="0" g="0" b="0"/>
-      </a:lnRef>
-      <a:fillRef idx="1">
-        <a:scrgbClr r="0" g="0" b="0"/>
-      </a:fillRef>
-      <a:effectRef idx="0">
-        <a:scrgbClr r="0" g="0" b="0"/>
-      </a:effectRef>
-      <a:fontRef idx="minor"/>
-    </dgm:style>
-  </dgm:styleLbl>
-  <dgm:styleLbl name="fgAccFollowNode1">
-    <dgm:scene3d>
-      <a:camera prst="orthographicFront"/>
-      <a:lightRig rig="threePt" dir="t"/>
-    </dgm:scene3d>
-    <dgm:sp3d/>
-    <dgm:txPr/>
-    <dgm:style>
-      <a:lnRef idx="2">
-        <a:scrgbClr r="0" g="0" b="0"/>
-      </a:lnRef>
-      <a:fillRef idx="1">
-        <a:scrgbClr r="0" g="0" b="0"/>
-      </a:fillRef>
-      <a:effectRef idx="0">
-        <a:scrgbClr r="0" g="0" b="0"/>
-      </a:effectRef>
-      <a:fontRef idx="minor"/>
-    </dgm:style>
-  </dgm:styleLbl>
-  <dgm:styleLbl name="alignAccFollowNode1">
-    <dgm:scene3d>
-      <a:camera prst="orthographicFront"/>
-      <a:lightRig rig="threePt" dir="t"/>
-    </dgm:scene3d>
-    <dgm:sp3d/>
-    <dgm:txPr/>
-    <dgm:style>
-      <a:lnRef idx="2">
-        <a:scrgbClr r="0" g="0" b="0"/>
-      </a:lnRef>
-      <a:fillRef idx="1">
-        <a:scrgbClr r="0" g="0" b="0"/>
-      </a:fillRef>
-      <a:effectRef idx="0">
-        <a:scrgbClr r="0" g="0" b="0"/>
-      </a:effectRef>
-      <a:fontRef idx="minor"/>
-    </dgm:style>
-  </dgm:styleLbl>
-  <dgm:styleLbl name="bgAccFollowNode1">
-    <dgm:scene3d>
-      <a:camera prst="orthographicFront"/>
-      <a:lightRig rig="threePt" dir="t"/>
-    </dgm:scene3d>
-    <dgm:sp3d/>
-    <dgm:txPr/>
-    <dgm:style>
-      <a:lnRef idx="2">
-        <a:scrgbClr r="0" g="0" b="0"/>
-      </a:lnRef>
-      <a:fillRef idx="1">
-        <a:scrgbClr r="0" g="0" b="0"/>
-      </a:fillRef>
-      <a:effectRef idx="0">
-        <a:scrgbClr r="0" g="0" b="0"/>
-      </a:effectRef>
-      <a:fontRef idx="minor"/>
-    </dgm:style>
-  </dgm:styleLbl>
-  <dgm:styleLbl name="fgAcc0">
-    <dgm:scene3d>
-      <a:camera prst="orthographicFront"/>
-      <a:lightRig rig="threePt" dir="t"/>
-    </dgm:scene3d>
-    <dgm:sp3d/>
-    <dgm:txPr/>
-    <dgm:style>
-      <a:lnRef idx="2">
-        <a:scrgbClr r="0" g="0" b="0"/>
-      </a:lnRef>
-      <a:fillRef idx="1">
-        <a:scrgbClr r="0" g="0" b="0"/>
-      </a:fillRef>
-      <a:effectRef idx="0">
-        <a:scrgbClr r="0" g="0" b="0"/>
-      </a:effectRef>
-      <a:fontRef idx="minor"/>
-    </dgm:style>
-  </dgm:styleLbl>
-  <dgm:styleLbl name="fgAcc2">
-    <dgm:scene3d>
-      <a:camera prst="orthographicFront"/>
-      <a:lightRig rig="threePt" dir="t"/>
-    </dgm:scene3d>
-    <dgm:sp3d/>
-    <dgm:txPr/>
-    <dgm:style>
-      <a:lnRef idx="2">
-        <a:scrgbClr r="0" g="0" b="0"/>
-      </a:lnRef>
-      <a:fillRef idx="1">
-        <a:scrgbClr r="0" g="0" b="0"/>
-      </a:fillRef>
-      <a:effectRef idx="0">
-        <a:scrgbClr r="0" g="0" b="0"/>
-      </a:effectRef>
-      <a:fontRef idx="minor"/>
-    </dgm:style>
-  </dgm:styleLbl>
-  <dgm:styleLbl name="fgAcc3">
-    <dgm:scene3d>
-      <a:camera prst="orthographicFront"/>
-      <a:lightRig rig="threePt" dir="t"/>
-    </dgm:scene3d>
-    <dgm:sp3d/>
-    <dgm:txPr/>
-    <dgm:style>
-      <a:lnRef idx="2">
-        <a:scrgbClr r="0" g="0" b="0"/>
-      </a:lnRef>
-      <a:fillRef idx="1">
-        <a:scrgbClr r="0" g="0" b="0"/>
-      </a:fillRef>
-      <a:effectRef idx="0">
-        <a:scrgbClr r="0" g="0" b="0"/>
-      </a:effectRef>
-      <a:fontRef idx="minor"/>
-    </dgm:style>
-  </dgm:styleLbl>
-  <dgm:styleLbl name="fgAcc4">
-    <dgm:scene3d>
-      <a:camera prst="orthographicFront"/>
-      <a:lightRig rig="threePt" dir="t"/>
-    </dgm:scene3d>
-    <dgm:sp3d/>
-    <dgm:txPr/>
-    <dgm:style>
-      <a:lnRef idx="2">
-        <a:scrgbClr r="0" g="0" b="0"/>
-      </a:lnRef>
-      <a:fillRef idx="1">
-        <a:scrgbClr r="0" g="0" b="0"/>
-      </a:fillRef>
-      <a:effectRef idx="0">
-        <a:scrgbClr r="0" g="0" b="0"/>
-      </a:effectRef>
-      <a:fontRef idx="minor"/>
-    </dgm:style>
-  </dgm:styleLbl>
-  <dgm:styleLbl name="bgShp">
-    <dgm:scene3d>
-      <a:camera prst="orthographicFront"/>
-      <a:lightRig rig="threePt" dir="t"/>
-    </dgm:scene3d>
-    <dgm:sp3d/>
-    <dgm:txPr/>
-    <dgm:style>
-      <a:lnRef idx="0">
-        <a:scrgbClr r="0" g="0" b="0"/>
-      </a:lnRef>
-      <a:fillRef idx="1">
-        <a:scrgbClr r="0" g="0" b="0"/>
-      </a:fillRef>
-      <a:effectRef idx="0">
-        <a:scrgbClr r="0" g="0" b="0"/>
-      </a:effectRef>
-      <a:fontRef idx="minor"/>
-    </dgm:style>
-  </dgm:styleLbl>
-  <dgm:styleLbl name="dkBgShp">
-    <dgm:scene3d>
-      <a:camera prst="orthographicFront"/>
-      <a:lightRig rig="threePt" dir="t"/>
-    </dgm:scene3d>
-    <dgm:sp3d/>
-    <dgm:txPr/>
-    <dgm:style>
-      <a:lnRef idx="0">
-        <a:scrgbClr r="0" g="0" b="0"/>
-      </a:lnRef>
-      <a:fillRef idx="1">
-        <a:scrgbClr r="0" g="0" b="0"/>
-      </a:fillRef>
-      <a:effectRef idx="0">
-        <a:scrgbClr r="0" g="0" b="0"/>
-      </a:effectRef>
-      <a:fontRef idx="minor"/>
-    </dgm:style>
-  </dgm:styleLbl>
-  <dgm:styleLbl name="trBgShp">
-    <dgm:scene3d>
-      <a:camera prst="orthographicFront"/>
-      <a:lightRig rig="threePt" dir="t"/>
-    </dgm:scene3d>
-    <dgm:sp3d/>
-    <dgm:txPr/>
-    <dgm:style>
-      <a:lnRef idx="0">
-        <a:scrgbClr r="0" g="0" b="0"/>
-      </a:lnRef>
-      <a:fillRef idx="1">
-        <a:scrgbClr r="0" g="0" b="0"/>
-      </a:fillRef>
-      <a:effectRef idx="0">
-        <a:scrgbClr r="0" g="0" b="0"/>
-      </a:effectRef>
-      <a:fontRef idx="minor"/>
-    </dgm:style>
-  </dgm:styleLbl>
-  <dgm:styleLbl name="fgShp">
-    <dgm:scene3d>
-      <a:camera prst="orthographicFront"/>
-      <a:lightRig rig="threePt" dir="t"/>
-    </dgm:scene3d>
-    <dgm:sp3d/>
-    <dgm:txPr/>
-    <dgm:style>
-      <a:lnRef idx="3">
-        <a:scrgbClr r="0" g="0" b="0"/>
-      </a:lnRef>
-      <a:fillRef idx="1">
-        <a:scrgbClr r="0" g="0" b="0"/>
-      </a:fillRef>
-      <a:effectRef idx="1">
-        <a:scrgbClr r="0" g="0" b="0"/>
-      </a:effectRef>
-      <a:fontRef idx="minor"/>
-    </dgm:style>
-  </dgm:styleLbl>
-  <dgm:styleLbl name="revTx">
-    <dgm:scene3d>
-      <a:camera prst="orthographicFront"/>
-      <a:lightRig rig="threePt" dir="t"/>
-    </dgm:scene3d>
-    <dgm:sp3d/>
-    <dgm:txPr/>
-    <dgm:style>
-      <a:lnRef idx="0">
-        <a:scrgbClr r="0" g="0" b="0"/>
-      </a:lnRef>
-      <a:fillRef idx="0">
-        <a:scrgbClr r="0" g="0" b="0"/>
-      </a:fillRef>
-      <a:effectRef idx="0">
-        <a:scrgbClr r="0" g="0" b="0"/>
-      </a:effectRef>
-      <a:fontRef idx="minor"/>
-    </dgm:style>
-  </dgm:styleLbl>
-</dgm:styleDef>
+      </p:grpSpPr>
+      <p:sp>
+        <p:nvSpPr>
+          <p:cNvPr id="2" name="Slide Image Placeholder 1">
+            <a:extLst>
+              <a:ext uri="{FF2B5EF4-FFF2-40B4-BE49-F238E27FC236}">
+                <a16:creationId xmlns:a16="http://schemas.microsoft.com/office/drawing/2014/main" id="{F1E8F905-B566-6B2F-0229-180F186F10F1}"/>
+              </a:ext>
+            </a:extLst>
+          </p:cNvPr>
+          <p:cNvSpPr>
+            <a:spLocks noGrp="1" noRot="1" noChangeAspect="1"/>
+          </p:cNvSpPr>
+          <p:nvPr>
+            <p:ph type="sldImg"/>
+          </p:nvPr>
+        </p:nvSpPr>
+        <p:spPr/>
+      </p:sp>
+      <p:sp>
+        <p:nvSpPr>
+          <p:cNvPr id="3" name="Notes Placeholder 2">
+            <a:extLst>
+              <a:ext uri="{FF2B5EF4-FFF2-40B4-BE49-F238E27FC236}">
+                <a16:creationId xmlns:a16="http://schemas.microsoft.com/office/drawing/2014/main" id="{3FFCA355-E1A7-639D-C2F1-3DD9BDE2ACFA}"/>
+              </a:ext>
+            </a:extLst>
+          </p:cNvPr>
+          <p:cNvSpPr>
+            <a:spLocks noGrp="1"/>
+          </p:cNvSpPr>
+          <p:nvPr>
+            <p:ph type="body" idx="1"/>
+          </p:nvPr>
+        </p:nvSpPr>
+        <p:spPr/>
+        <p:txBody>
+          <a:bodyPr/>
+          <a:lstStyle/>
+          <a:p>
+            <a:endParaRPr lang="en-AU" dirty="0"/>
+          </a:p>
+        </p:txBody>
+      </p:sp>
+      <p:sp>
+        <p:nvSpPr>
+          <p:cNvPr id="4" name="Slide Number Placeholder 3">
+            <a:extLst>
+              <a:ext uri="{FF2B5EF4-FFF2-40B4-BE49-F238E27FC236}">
+                <a16:creationId xmlns:a16="http://schemas.microsoft.com/office/drawing/2014/main" id="{D2CCF049-2087-BE8F-5EE7-11D74938AC3A}"/>
+              </a:ext>
+            </a:extLst>
+          </p:cNvPr>
+          <p:cNvSpPr>
+            <a:spLocks noGrp="1"/>
+          </p:cNvSpPr>
+          <p:nvPr>
+            <p:ph type="sldNum" sz="quarter" idx="5"/>
+          </p:nvPr>
+        </p:nvSpPr>
+        <p:spPr/>
+        <p:txBody>
+          <a:bodyPr/>
+          <a:lstStyle/>
+          <a:p>
+            <a:fld id="{7A5A6F20-89E0-4402-92C3-544221507DDC}" type="slidenum">
+              <a:rPr lang="en-AU" smtClean="0"/>
+              <a:t>7</a:t>
+            </a:fld>
+            <a:endParaRPr lang="en-AU"/>
+          </a:p>
+        </p:txBody>
+      </p:sp>
+    </p:spTree>
+    <p:extLst>
+      <p:ext uri="{BB962C8B-B14F-4D97-AF65-F5344CB8AC3E}">
+        <p14:creationId xmlns:p14="http://schemas.microsoft.com/office/powerpoint/2010/main" val="2646597463"/>
+      </p:ext>
+    </p:extLst>
+  </p:cSld>
+  <p:clrMapOvr>
+    <a:masterClrMapping/>
+  </p:clrMapOvr>
+</p:notes>
 </file>
 
 <file path=ppt/slideLayouts/slideLayout1.xml><?xml version="1.0" encoding="utf-8"?>
@@ -3364,7 +1154,7 @@
           <a:p>
             <a:fld id="{EA0C0817-A112-4847-8014-A94B7D2A4EA3}" type="datetime1">
               <a:rPr lang="en-US" smtClean="0"/>
-              <a:t>10/30/2025</a:t>
+              <a:t>11/13/2025</a:t>
             </a:fld>
             <a:endParaRPr lang="en-US" dirty="0"/>
           </a:p>
@@ -3566,7 +1356,7 @@
           <a:p>
             <a:fld id="{7332B432-ACDA-4023-A761-2BAB76577B62}" type="datetime1">
               <a:rPr lang="en-US" smtClean="0"/>
-              <a:t>10/30/2025</a:t>
+              <a:t>11/13/2025</a:t>
             </a:fld>
             <a:endParaRPr lang="en-US" dirty="0"/>
           </a:p>
@@ -4165,7 +1955,7 @@
           <a:p>
             <a:fld id="{D9C646AA-F36E-4540-911D-FFFC0A0EF24A}" type="datetime1">
               <a:rPr lang="en-US" smtClean="0"/>
-              <a:t>10/30/2025</a:t>
+              <a:t>11/13/2025</a:t>
             </a:fld>
             <a:endParaRPr lang="en-US" dirty="0"/>
           </a:p>
@@ -4485,7 +2275,7 @@
           <a:p>
             <a:fld id="{69186D26-FA5F-4637-B602-B7C2DC34CFD4}" type="datetime1">
               <a:rPr lang="en-US" smtClean="0"/>
-              <a:t>10/30/2025</a:t>
+              <a:t>11/13/2025</a:t>
             </a:fld>
             <a:endParaRPr lang="en-US" dirty="0"/>
           </a:p>
@@ -4922,7 +2712,7 @@
           <a:p>
             <a:fld id="{8A7F15D8-96D1-4781-BC50-CA8A088B2FE4}" type="datetime1">
               <a:rPr lang="en-US" smtClean="0"/>
-              <a:t>10/30/2025</a:t>
+              <a:t>11/13/2025</a:t>
             </a:fld>
             <a:endParaRPr lang="en-US" dirty="0"/>
           </a:p>
@@ -5040,7 +2830,7 @@
           <a:p>
             <a:fld id="{F9A96C99-B8F8-4528-BD05-0E16E943DC09}" type="datetime1">
               <a:rPr lang="en-US" smtClean="0"/>
-              <a:t>10/30/2025</a:t>
+              <a:t>11/13/2025</a:t>
             </a:fld>
             <a:endParaRPr lang="en-US" dirty="0"/>
           </a:p>
@@ -5135,7 +2925,7 @@
           <a:p>
             <a:fld id="{03636942-C211-4B28-8DBD-C953E00AF71B}" type="datetime1">
               <a:rPr lang="en-US" smtClean="0"/>
-              <a:t>10/30/2025</a:t>
+              <a:t>11/13/2025</a:t>
             </a:fld>
             <a:endParaRPr lang="en-US" dirty="0"/>
           </a:p>
@@ -5552,7 +3342,7 @@
           <a:p>
             <a:fld id="{7E8D12A6-918A-48BD-8CB9-CA713993B0EA}" type="datetime1">
               <a:rPr lang="en-US" smtClean="0"/>
-              <a:t>10/30/2025</a:t>
+              <a:t>11/13/2025</a:t>
             </a:fld>
             <a:endParaRPr lang="en-US" dirty="0"/>
           </a:p>
@@ -5814,7 +3604,7 @@
             <a:fld id="{E778CE86-875F-4587-BCF6-FA054AFC0D53}" type="datetime1">
               <a:rPr lang="en-US" smtClean="0"/>
               <a:pPr/>
-              <a:t>10/30/2025</a:t>
+              <a:t>11/13/2025</a:t>
             </a:fld>
             <a:endParaRPr lang="en-US" dirty="0"/>
           </a:p>
@@ -6344,7 +4134,7 @@
           <a:p>
             <a:fld id="{F6FA2B21-3FCD-4721-B95C-427943F61125}" type="datetime1">
               <a:rPr lang="en-US" smtClean="0"/>
-              <a:t>10/30/2025</a:t>
+              <a:t>11/13/2025</a:t>
             </a:fld>
             <a:endParaRPr lang="en-US" dirty="0"/>
           </a:p>
@@ -6819,6 +4609,66 @@
           <a:chExt cx="0" cy="0"/>
         </a:xfrm>
       </p:grpSpPr>
+      <p:sp useBgFill="1">
+        <p:nvSpPr>
+          <p:cNvPr id="26" name="Rectangle 25">
+            <a:extLst>
+              <a:ext uri="{FF2B5EF4-FFF2-40B4-BE49-F238E27FC236}">
+                <a16:creationId xmlns:a16="http://schemas.microsoft.com/office/drawing/2014/main" id="{6F40FBDA-CEB1-40F0-9AB9-BD9C402D70FE}"/>
+              </a:ext>
+              <a:ext uri="{C183D7F6-B498-43B3-948B-1728B52AA6E4}">
+                <adec:decorative xmlns:adec="http://schemas.microsoft.com/office/drawing/2017/decorative" val="1"/>
+              </a:ext>
+            </a:extLst>
+          </p:cNvPr>
+          <p:cNvSpPr>
+            <a:spLocks noGrp="1" noRot="1" noChangeAspect="1" noMove="1" noResize="1" noEditPoints="1" noAdjustHandles="1" noChangeArrowheads="1" noChangeShapeType="1" noTextEdit="1"/>
+          </p:cNvSpPr>
+          <p:nvPr>
+            <p:extLst>
+              <p:ext uri="{386F3935-93C4-4BCD-93E2-E3B085C9AB24}">
+                <p16:designElem xmlns:p16="http://schemas.microsoft.com/office/powerpoint/2015/main" val="1"/>
+              </p:ext>
+            </p:extLst>
+          </p:nvPr>
+        </p:nvSpPr>
+        <p:spPr>
+          <a:xfrm>
+            <a:off x="0" y="0"/>
+            <a:ext cx="12192000" cy="6858000"/>
+          </a:xfrm>
+          <a:prstGeom prst="rect">
+            <a:avLst/>
+          </a:prstGeom>
+          <a:ln>
+            <a:noFill/>
+          </a:ln>
+        </p:spPr>
+        <p:style>
+          <a:lnRef idx="2">
+            <a:schemeClr val="accent1">
+              <a:shade val="50000"/>
+            </a:schemeClr>
+          </a:lnRef>
+          <a:fillRef idx="1">
+            <a:schemeClr val="accent1"/>
+          </a:fillRef>
+          <a:effectRef idx="0">
+            <a:schemeClr val="accent1"/>
+          </a:effectRef>
+          <a:fontRef idx="minor">
+            <a:schemeClr val="lt1"/>
+          </a:fontRef>
+        </p:style>
+        <p:txBody>
+          <a:bodyPr rtlCol="0" anchor="ctr"/>
+          <a:lstStyle/>
+          <a:p>
+            <a:pPr algn="ctr"/>
+            <a:endParaRPr lang="en-US"/>
+          </a:p>
+        </p:txBody>
+      </p:sp>
       <p:pic>
         <p:nvPicPr>
           <p:cNvPr id="4" name="Picture 3">
@@ -6837,9 +4687,13 @@
           <p:nvPr/>
         </p:nvPicPr>
         <p:blipFill rotWithShape="1">
-          <a:blip r:embed="rId3"/>
+          <a:blip r:embed="rId3">
+            <a:alphaModFix amt="45000"/>
+          </a:blip>
           <a:srcRect t="3846"/>
-          <a:stretch/>
+          <a:stretch>
+            <a:fillRect/>
+          </a:stretch>
         </p:blipFill>
         <p:spPr>
           <a:xfrm>
@@ -6853,10 +4707,10 @@
       </p:pic>
       <p:sp>
         <p:nvSpPr>
-          <p:cNvPr id="19" name="Rectangle 18">
+          <p:cNvPr id="28" name="Rectangle 27">
             <a:extLst>
               <a:ext uri="{FF2B5EF4-FFF2-40B4-BE49-F238E27FC236}">
-                <a16:creationId xmlns:a16="http://schemas.microsoft.com/office/drawing/2014/main" id="{2644B391-9BFE-445C-A9EC-F544BB85FBC7}"/>
+                <a16:creationId xmlns:a16="http://schemas.microsoft.com/office/drawing/2014/main" id="{0344D4FE-ABEF-4230-9E4E-AD5782FC78AC}"/>
               </a:ext>
               <a:ext uri="{C183D7F6-B498-43B3-948B-1728B52AA6E4}">
                 <adec:decorative xmlns:adec="http://schemas.microsoft.com/office/drawing/2017/decorative" val="1"/>
@@ -6876,68 +4730,19 @@
         </p:nvSpPr>
         <p:spPr>
           <a:xfrm>
-            <a:off x="937329" y="1808532"/>
-            <a:ext cx="5452527" cy="3240936"/>
-          </a:xfrm>
-          <a:prstGeom prst="rect">
-            <a:avLst/>
-          </a:prstGeom>
-          <a:solidFill>
-            <a:schemeClr val="bg1">
-              <a:lumMod val="75000"/>
-              <a:lumOff val="25000"/>
-            </a:schemeClr>
-          </a:solidFill>
-          <a:ln w="6350" cap="sq" cmpd="sng" algn="ctr">
-            <a:noFill/>
-            <a:prstDash val="solid"/>
-            <a:miter lim="800000"/>
-          </a:ln>
-          <a:effectLst/>
-        </p:spPr>
-        <p:txBody>
-          <a:bodyPr/>
-          <a:lstStyle/>
-          <a:p>
-            <a:endParaRPr lang="en-AU"/>
-          </a:p>
-        </p:txBody>
-      </p:sp>
-      <p:sp>
-        <p:nvSpPr>
-          <p:cNvPr id="21" name="Rectangle 20">
-            <a:extLst>
-              <a:ext uri="{FF2B5EF4-FFF2-40B4-BE49-F238E27FC236}">
-                <a16:creationId xmlns:a16="http://schemas.microsoft.com/office/drawing/2014/main" id="{80F26E69-87D9-4655-AE7B-280A87AA3CAD}"/>
-              </a:ext>
-              <a:ext uri="{C183D7F6-B498-43B3-948B-1728B52AA6E4}">
-                <adec:decorative xmlns:adec="http://schemas.microsoft.com/office/drawing/2017/decorative" val="1"/>
-              </a:ext>
-            </a:extLst>
-          </p:cNvPr>
-          <p:cNvSpPr>
-            <a:spLocks noGrp="1" noRot="1" noChangeAspect="1" noMove="1" noResize="1" noEditPoints="1" noAdjustHandles="1" noChangeArrowheads="1" noChangeShapeType="1" noTextEdit="1"/>
-          </p:cNvSpPr>
-          <p:nvPr>
-            <p:extLst>
-              <p:ext uri="{386F3935-93C4-4BCD-93E2-E3B085C9AB24}">
-                <p16:designElem xmlns:p16="http://schemas.microsoft.com/office/powerpoint/2015/main" val="1"/>
-              </p:ext>
-            </p:extLst>
-          </p:nvPr>
-        </p:nvSpPr>
-        <p:spPr>
-          <a:xfrm>
-            <a:off x="1103272" y="1975104"/>
-            <a:ext cx="5120640" cy="2907792"/>
+            <a:off x="1307870" y="1267730"/>
+            <a:ext cx="9576262" cy="4307950"/>
           </a:xfrm>
           <a:prstGeom prst="rect">
             <a:avLst/>
           </a:prstGeom>
           <a:noFill/>
-          <a:ln w="6350" cap="sq" cmpd="sng" algn="ctr">
+          <a:ln w="9525" cap="sq" cmpd="sng" algn="ctr">
             <a:solidFill>
-              <a:schemeClr val="tx1"/>
+              <a:schemeClr val="tx1">
+                <a:lumMod val="75000"/>
+                <a:lumOff val="25000"/>
+              </a:schemeClr>
             </a:solidFill>
             <a:prstDash val="solid"/>
             <a:miter lim="800000"/>
@@ -6972,8 +4777,8 @@
         </p:nvSpPr>
         <p:spPr>
           <a:xfrm>
-            <a:off x="1276055" y="2350017"/>
-            <a:ext cx="4775075" cy="1630906"/>
+            <a:off x="1769532" y="2091263"/>
+            <a:ext cx="8652938" cy="2461504"/>
           </a:xfrm>
         </p:spPr>
         <p:txBody>
@@ -6983,13 +4788,10 @@
           <a:lstStyle/>
           <a:p>
             <a:r>
-              <a:rPr lang="en-US" sz="4400" dirty="0">
-                <a:solidFill>
-                  <a:schemeClr val="tx1"/>
-                </a:solidFill>
-              </a:rPr>
-              <a:t>Title Lorem Ipsum</a:t>
-            </a:r>
+              <a:rPr lang="en-AU"/>
+              <a:t>Clean Desk Policy</a:t>
+            </a:r>
+            <a:endParaRPr lang="en-US"/>
           </a:p>
         </p:txBody>
       </p:sp>
@@ -7011,8 +4813,8 @@
         </p:nvSpPr>
         <p:spPr>
           <a:xfrm>
-            <a:off x="1276055" y="3990546"/>
-            <a:ext cx="4775075" cy="559656"/>
+            <a:off x="1769532" y="4623127"/>
+            <a:ext cx="8655200" cy="457201"/>
           </a:xfrm>
         </p:spPr>
         <p:txBody>
@@ -7021,14 +4823,72 @@
           </a:bodyPr>
           <a:lstStyle/>
           <a:p>
-            <a:r>
-              <a:rPr lang="en-US" dirty="0">
+            <a:pPr>
+              <a:spcAft>
+                <a:spcPts val="600"/>
+              </a:spcAft>
+            </a:pPr>
+            <a:r>
+              <a:rPr lang="en-AU">
                 <a:solidFill>
                   <a:schemeClr val="tx1"/>
                 </a:solidFill>
               </a:rPr>
-              <a:t>Sit Dolor Amet</a:t>
-            </a:r>
+              <a:t>Maintaining a Secure Workspace</a:t>
+            </a:r>
+          </a:p>
+        </p:txBody>
+      </p:sp>
+      <p:sp>
+        <p:nvSpPr>
+          <p:cNvPr id="30" name="Rectangle 29">
+            <a:extLst>
+              <a:ext uri="{FF2B5EF4-FFF2-40B4-BE49-F238E27FC236}">
+                <a16:creationId xmlns:a16="http://schemas.microsoft.com/office/drawing/2014/main" id="{9325F979-D3F9-4926-81B7-7ACCB31A501B}"/>
+              </a:ext>
+              <a:ext uri="{C183D7F6-B498-43B3-948B-1728B52AA6E4}">
+                <adec:decorative xmlns:adec="http://schemas.microsoft.com/office/drawing/2017/decorative" val="1"/>
+              </a:ext>
+            </a:extLst>
+          </p:cNvPr>
+          <p:cNvSpPr>
+            <a:spLocks noGrp="1" noRot="1" noChangeAspect="1" noMove="1" noResize="1" noEditPoints="1" noAdjustHandles="1" noChangeArrowheads="1" noChangeShapeType="1" noTextEdit="1"/>
+          </p:cNvSpPr>
+          <p:nvPr>
+            <p:extLst>
+              <p:ext uri="{386F3935-93C4-4BCD-93E2-E3B085C9AB24}">
+                <p16:designElem xmlns:p16="http://schemas.microsoft.com/office/powerpoint/2015/main" val="1"/>
+              </p:ext>
+            </p:extLst>
+          </p:nvPr>
+        </p:nvSpPr>
+        <p:spPr>
+          <a:xfrm>
+            <a:off x="1447801" y="1411615"/>
+            <a:ext cx="9296400" cy="4034770"/>
+          </a:xfrm>
+          <a:prstGeom prst="rect">
+            <a:avLst/>
+          </a:prstGeom>
+          <a:noFill/>
+          <a:ln w="9525" cap="sq" cmpd="sng" algn="ctr">
+            <a:solidFill>
+              <a:schemeClr val="tx1">
+                <a:lumMod val="75000"/>
+                <a:lumOff val="25000"/>
+                <a:alpha val="80000"/>
+              </a:schemeClr>
+            </a:solidFill>
+            <a:prstDash val="solid"/>
+            <a:miter lim="800000"/>
+          </a:ln>
+          <a:effectLst/>
+        </p:spPr>
+        <p:txBody>
+          <a:bodyPr/>
+          <a:lstStyle/>
+          <a:p>
+            <a:endParaRPr lang="en-AU"/>
           </a:p>
         </p:txBody>
       </p:sp>
@@ -7042,6 +4902,145 @@
   <p:clrMapOvr>
     <a:overrideClrMapping bg1="dk1" tx1="lt1" bg2="dk2" tx2="lt2" accent1="accent1" accent2="accent2" accent3="accent3" accent4="accent4" accent5="accent5" accent6="accent6" hlink="hlink" folHlink="folHlink"/>
   </p:clrMapOvr>
+  <p:timing>
+    <p:tnLst>
+      <p:par>
+        <p:cTn id="1" dur="indefinite" restart="never" nodeType="tmRoot">
+          <p:childTnLst>
+            <p:seq concurrent="1" nextAc="seek">
+              <p:cTn id="2" dur="indefinite" nodeType="mainSeq">
+                <p:childTnLst>
+                  <p:par>
+                    <p:cTn id="3" fill="hold">
+                      <p:stCondLst>
+                        <p:cond delay="indefinite"/>
+                        <p:cond evt="onBegin" delay="0">
+                          <p:tn val="2"/>
+                        </p:cond>
+                      </p:stCondLst>
+                      <p:childTnLst>
+                        <p:par>
+                          <p:cTn id="4" fill="hold">
+                            <p:stCondLst>
+                              <p:cond delay="0"/>
+                            </p:stCondLst>
+                            <p:childTnLst>
+                              <p:par>
+                                <p:cTn id="5" presetID="10" presetClass="entr" presetSubtype="0" fill="hold" grpId="0" nodeType="withEffect">
+                                  <p:stCondLst>
+                                    <p:cond delay="1000"/>
+                                  </p:stCondLst>
+                                  <p:iterate>
+                                    <p:tmPct val="10000"/>
+                                  </p:iterate>
+                                  <p:childTnLst>
+                                    <p:set>
+                                      <p:cBhvr>
+                                        <p:cTn id="6" dur="1" fill="hold">
+                                          <p:stCondLst>
+                                            <p:cond delay="0"/>
+                                          </p:stCondLst>
+                                        </p:cTn>
+                                        <p:tgtEl>
+                                          <p:spTgt spid="2"/>
+                                        </p:tgtEl>
+                                        <p:attrNameLst>
+                                          <p:attrName>style.visibility</p:attrName>
+                                        </p:attrNameLst>
+                                      </p:cBhvr>
+                                      <p:to>
+                                        <p:strVal val="visible"/>
+                                      </p:to>
+                                    </p:set>
+                                    <p:animEffect transition="in" filter="fade">
+                                      <p:cBhvr>
+                                        <p:cTn id="7" dur="700"/>
+                                        <p:tgtEl>
+                                          <p:spTgt spid="2"/>
+                                        </p:tgtEl>
+                                      </p:cBhvr>
+                                    </p:animEffect>
+                                  </p:childTnLst>
+                                </p:cTn>
+                              </p:par>
+                              <p:par>
+                                <p:cTn id="8" presetID="10" presetClass="entr" presetSubtype="0" fill="hold" grpId="0" nodeType="withEffect">
+                                  <p:stCondLst>
+                                    <p:cond delay="1500"/>
+                                  </p:stCondLst>
+                                  <p:iterate>
+                                    <p:tmPct val="10000"/>
+                                  </p:iterate>
+                                  <p:childTnLst>
+                                    <p:set>
+                                      <p:cBhvr>
+                                        <p:cTn id="9" dur="1" fill="hold">
+                                          <p:stCondLst>
+                                            <p:cond delay="0"/>
+                                          </p:stCondLst>
+                                        </p:cTn>
+                                        <p:tgtEl>
+                                          <p:spTgt spid="3">
+                                            <p:txEl>
+                                              <p:pRg st="0" end="0"/>
+                                            </p:txEl>
+                                          </p:spTgt>
+                                        </p:tgtEl>
+                                        <p:attrNameLst>
+                                          <p:attrName>style.visibility</p:attrName>
+                                        </p:attrNameLst>
+                                      </p:cBhvr>
+                                      <p:to>
+                                        <p:strVal val="visible"/>
+                                      </p:to>
+                                    </p:set>
+                                    <p:animEffect transition="in" filter="fade">
+                                      <p:cBhvr>
+                                        <p:cTn id="10" dur="700"/>
+                                        <p:tgtEl>
+                                          <p:spTgt spid="3">
+                                            <p:txEl>
+                                              <p:pRg st="0" end="0"/>
+                                            </p:txEl>
+                                          </p:spTgt>
+                                        </p:tgtEl>
+                                      </p:cBhvr>
+                                    </p:animEffect>
+                                  </p:childTnLst>
+                                </p:cTn>
+                              </p:par>
+                            </p:childTnLst>
+                          </p:cTn>
+                        </p:par>
+                      </p:childTnLst>
+                    </p:cTn>
+                  </p:par>
+                </p:childTnLst>
+              </p:cTn>
+              <p:prevCondLst>
+                <p:cond evt="onPrev" delay="0">
+                  <p:tgtEl>
+                    <p:sldTgt/>
+                  </p:tgtEl>
+                </p:cond>
+              </p:prevCondLst>
+              <p:nextCondLst>
+                <p:cond evt="onNext" delay="0">
+                  <p:tgtEl>
+                    <p:sldTgt/>
+                  </p:tgtEl>
+                </p:cond>
+              </p:nextCondLst>
+            </p:seq>
+          </p:childTnLst>
+        </p:cTn>
+      </p:par>
+    </p:tnLst>
+    <p:bldLst>
+      <p:bldP spid="2" grpId="0"/>
+      <p:bldP spid="3" grpId="0" build="p"/>
+    </p:bldLst>
+  </p:timing>
 </p:sld>
 </file>
 
@@ -7072,10 +5071,235 @@
       </p:grpSpPr>
       <p:sp>
         <p:nvSpPr>
+          <p:cNvPr id="10" name="Rectangle 9">
+            <a:extLst>
+              <a:ext uri="{FF2B5EF4-FFF2-40B4-BE49-F238E27FC236}">
+                <a16:creationId xmlns:a16="http://schemas.microsoft.com/office/drawing/2014/main" id="{78632963-757B-40C2-BB84-FC6107A54DAD}"/>
+              </a:ext>
+              <a:ext uri="{C183D7F6-B498-43B3-948B-1728B52AA6E4}">
+                <adec:decorative xmlns:adec="http://schemas.microsoft.com/office/drawing/2017/decorative" val="1"/>
+              </a:ext>
+            </a:extLst>
+          </p:cNvPr>
+          <p:cNvSpPr>
+            <a:spLocks noGrp="1" noRot="1" noChangeAspect="1" noMove="1" noResize="1" noEditPoints="1" noAdjustHandles="1" noChangeArrowheads="1" noChangeShapeType="1" noTextEdit="1"/>
+          </p:cNvSpPr>
+          <p:nvPr>
+            <p:extLst>
+              <p:ext uri="{386F3935-93C4-4BCD-93E2-E3B085C9AB24}">
+                <p16:designElem xmlns:p16="http://schemas.microsoft.com/office/powerpoint/2015/main" val="1"/>
+              </p:ext>
+            </p:extLst>
+          </p:nvPr>
+        </p:nvSpPr>
+        <p:spPr>
+          <a:xfrm>
+            <a:off x="-1866" y="0"/>
+            <a:ext cx="12193866" cy="6858000"/>
+          </a:xfrm>
+          <a:prstGeom prst="rect">
+            <a:avLst/>
+          </a:prstGeom>
+          <a:solidFill>
+            <a:srgbClr val="FFFFFF"/>
+          </a:solidFill>
+          <a:ln>
+            <a:noFill/>
+          </a:ln>
+        </p:spPr>
+        <p:style>
+          <a:lnRef idx="2">
+            <a:schemeClr val="accent1">
+              <a:shade val="50000"/>
+            </a:schemeClr>
+          </a:lnRef>
+          <a:fillRef idx="1">
+            <a:schemeClr val="accent1"/>
+          </a:fillRef>
+          <a:effectRef idx="0">
+            <a:schemeClr val="accent1"/>
+          </a:effectRef>
+          <a:fontRef idx="minor">
+            <a:schemeClr val="lt1"/>
+          </a:fontRef>
+        </p:style>
+        <p:txBody>
+          <a:bodyPr rtlCol="0" anchor="ctr"/>
+          <a:lstStyle/>
+          <a:p>
+            <a:pPr algn="ctr"/>
+            <a:endParaRPr lang="en-US"/>
+          </a:p>
+        </p:txBody>
+      </p:sp>
+      <p:pic>
+        <p:nvPicPr>
+          <p:cNvPr id="5" name="Picture 4" descr="A computer on a table">
+            <a:extLst>
+              <a:ext uri="{FF2B5EF4-FFF2-40B4-BE49-F238E27FC236}">
+                <a16:creationId xmlns:a16="http://schemas.microsoft.com/office/drawing/2014/main" id="{647EF446-10B7-36B1-E944-F91C2527CE2A}"/>
+              </a:ext>
+            </a:extLst>
+          </p:cNvPr>
+          <p:cNvPicPr>
+            <a:picLocks noChangeAspect="1"/>
+          </p:cNvPicPr>
+          <p:nvPr/>
+        </p:nvPicPr>
+        <p:blipFill>
+          <a:blip r:embed="rId2"/>
+          <a:srcRect t="926" b="14804"/>
+          <a:stretch>
+            <a:fillRect/>
+          </a:stretch>
+        </p:blipFill>
+        <p:spPr>
+          <a:xfrm>
+            <a:off x="20" y="-1"/>
+            <a:ext cx="12191980" cy="6857999"/>
+          </a:xfrm>
+          <a:prstGeom prst="rect">
+            <a:avLst/>
+          </a:prstGeom>
+        </p:spPr>
+      </p:pic>
+      <p:sp>
+        <p:nvSpPr>
+          <p:cNvPr id="12" name="Rectangle 11">
+            <a:extLst>
+              <a:ext uri="{FF2B5EF4-FFF2-40B4-BE49-F238E27FC236}">
+                <a16:creationId xmlns:a16="http://schemas.microsoft.com/office/drawing/2014/main" id="{2853AE55-7E35-44B0-89F1-3F52B262AF33}"/>
+              </a:ext>
+              <a:ext uri="{C183D7F6-B498-43B3-948B-1728B52AA6E4}">
+                <adec:decorative xmlns:adec="http://schemas.microsoft.com/office/drawing/2017/decorative" val="1"/>
+              </a:ext>
+            </a:extLst>
+          </p:cNvPr>
+          <p:cNvSpPr>
+            <a:spLocks noGrp="1" noRot="1" noChangeAspect="1" noMove="1" noResize="1" noEditPoints="1" noAdjustHandles="1" noChangeArrowheads="1" noChangeShapeType="1" noTextEdit="1"/>
+          </p:cNvSpPr>
+          <p:nvPr>
+            <p:extLst>
+              <p:ext uri="{386F3935-93C4-4BCD-93E2-E3B085C9AB24}">
+                <p16:designElem xmlns:p16="http://schemas.microsoft.com/office/powerpoint/2015/main" val="1"/>
+              </p:ext>
+            </p:extLst>
+          </p:nvPr>
+        </p:nvSpPr>
+        <p:spPr>
+          <a:xfrm>
+            <a:off x="267615" y="253548"/>
+            <a:ext cx="5612193" cy="6361598"/>
+          </a:xfrm>
+          <a:prstGeom prst="rect">
+            <a:avLst/>
+          </a:prstGeom>
+          <a:solidFill>
+            <a:schemeClr val="bg1">
+              <a:alpha val="94000"/>
+            </a:schemeClr>
+          </a:solidFill>
+          <a:ln>
+            <a:noFill/>
+          </a:ln>
+        </p:spPr>
+        <p:style>
+          <a:lnRef idx="2">
+            <a:schemeClr val="accent1">
+              <a:shade val="50000"/>
+            </a:schemeClr>
+          </a:lnRef>
+          <a:fillRef idx="1">
+            <a:schemeClr val="accent1"/>
+          </a:fillRef>
+          <a:effectRef idx="0">
+            <a:schemeClr val="accent1"/>
+          </a:effectRef>
+          <a:fontRef idx="minor">
+            <a:schemeClr val="lt1"/>
+          </a:fontRef>
+        </p:style>
+        <p:txBody>
+          <a:bodyPr rtlCol="0" anchor="ctr"/>
+          <a:lstStyle/>
+          <a:p>
+            <a:pPr algn="ctr"/>
+            <a:endParaRPr lang="en-US"/>
+          </a:p>
+        </p:txBody>
+      </p:sp>
+      <p:sp>
+        <p:nvSpPr>
+          <p:cNvPr id="14" name="Rectangle 13">
+            <a:extLst>
+              <a:ext uri="{FF2B5EF4-FFF2-40B4-BE49-F238E27FC236}">
+                <a16:creationId xmlns:a16="http://schemas.microsoft.com/office/drawing/2014/main" id="{DBC4BE4D-4B50-4F51-9F85-4B5D60B02D81}"/>
+              </a:ext>
+              <a:ext uri="{C183D7F6-B498-43B3-948B-1728B52AA6E4}">
+                <adec:decorative xmlns:adec="http://schemas.microsoft.com/office/drawing/2017/decorative" val="1"/>
+              </a:ext>
+            </a:extLst>
+          </p:cNvPr>
+          <p:cNvSpPr>
+            <a:spLocks noGrp="1" noRot="1" noChangeAspect="1" noMove="1" noResize="1" noEditPoints="1" noAdjustHandles="1" noChangeArrowheads="1" noChangeShapeType="1" noTextEdit="1"/>
+          </p:cNvSpPr>
+          <p:nvPr>
+            <p:extLst>
+              <p:ext uri="{386F3935-93C4-4BCD-93E2-E3B085C9AB24}">
+                <p16:designElem xmlns:p16="http://schemas.microsoft.com/office/powerpoint/2015/main" val="1"/>
+              </p:ext>
+            </p:extLst>
+          </p:nvPr>
+        </p:nvSpPr>
+        <p:spPr>
+          <a:xfrm>
+            <a:off x="415448" y="407588"/>
+            <a:ext cx="5299768" cy="6022878"/>
+          </a:xfrm>
+          <a:prstGeom prst="rect">
+            <a:avLst/>
+          </a:prstGeom>
+          <a:noFill/>
+          <a:ln w="6350">
+            <a:solidFill>
+              <a:schemeClr val="tx1">
+                <a:lumMod val="75000"/>
+                <a:lumOff val="25000"/>
+              </a:schemeClr>
+            </a:solidFill>
+          </a:ln>
+        </p:spPr>
+        <p:style>
+          <a:lnRef idx="2">
+            <a:schemeClr val="accent1">
+              <a:shade val="50000"/>
+            </a:schemeClr>
+          </a:lnRef>
+          <a:fillRef idx="1">
+            <a:schemeClr val="accent1"/>
+          </a:fillRef>
+          <a:effectRef idx="0">
+            <a:schemeClr val="accent1"/>
+          </a:effectRef>
+          <a:fontRef idx="minor">
+            <a:schemeClr val="lt1"/>
+          </a:fontRef>
+        </p:style>
+        <p:txBody>
+          <a:bodyPr rtlCol="0" anchor="ctr"/>
+          <a:lstStyle/>
+          <a:p>
+            <a:pPr algn="ctr"/>
+            <a:endParaRPr lang="en-US"/>
+          </a:p>
+        </p:txBody>
+      </p:sp>
+      <p:sp>
+        <p:nvSpPr>
           <p:cNvPr id="2" name="Title 1">
             <a:extLst>
               <a:ext uri="{FF2B5EF4-FFF2-40B4-BE49-F238E27FC236}">
-                <a16:creationId xmlns:a16="http://schemas.microsoft.com/office/drawing/2014/main" id="{31BB8085-1FFF-44DD-A144-D794D923CF00}"/>
+                <a16:creationId xmlns:a16="http://schemas.microsoft.com/office/drawing/2014/main" id="{F10FDB6E-D88F-6B8E-3ECC-26EE05D916D3}"/>
               </a:ext>
             </a:extLst>
           </p:cNvPr>
@@ -7088,8 +5312,8 @@
         </p:nvSpPr>
         <p:spPr>
           <a:xfrm>
-            <a:off x="1066800" y="642594"/>
-            <a:ext cx="10058400" cy="1371600"/>
+            <a:off x="774043" y="727626"/>
+            <a:ext cx="4602152" cy="1718225"/>
           </a:xfrm>
         </p:spPr>
         <p:txBody>
@@ -7098,49 +5322,1966 @@
           </a:bodyPr>
           <a:lstStyle/>
           <a:p>
-            <a:pPr algn="ctr"/>
-            <a:r>
-              <a:rPr lang="en-US" dirty="0"/>
-              <a:t>Title Lorem Ipsum </a:t>
-            </a:r>
-          </a:p>
-        </p:txBody>
-      </p:sp>
-      <p:graphicFrame>
-        <p:nvGraphicFramePr>
-          <p:cNvPr id="5" name="Content Placeholder 2" descr="SmartArt Process Diagram">
+            <a:r>
+              <a:rPr lang="en-AU" sz="4400"/>
+              <a:t>Introduction</a:t>
+            </a:r>
+          </a:p>
+        </p:txBody>
+      </p:sp>
+      <p:sp>
+        <p:nvSpPr>
+          <p:cNvPr id="3" name="Content Placeholder 2">
             <a:extLst>
               <a:ext uri="{FF2B5EF4-FFF2-40B4-BE49-F238E27FC236}">
-                <a16:creationId xmlns:a16="http://schemas.microsoft.com/office/drawing/2014/main" id="{60233515-42BF-4401-AB7F-458C06159D34}"/>
+                <a16:creationId xmlns:a16="http://schemas.microsoft.com/office/drawing/2014/main" id="{37C8A91E-7DF9-EC3D-EEAE-A7C0142E86CF}"/>
               </a:ext>
             </a:extLst>
           </p:cNvPr>
-          <p:cNvGraphicFramePr>
-            <a:graphicFrameLocks noGrp="1"/>
-          </p:cNvGraphicFramePr>
+          <p:cNvSpPr>
+            <a:spLocks noGrp="1"/>
+          </p:cNvSpPr>
           <p:nvPr>
             <p:ph idx="1"/>
-            <p:extLst>
-              <p:ext uri="{D42A27DB-BD31-4B8C-83A1-F6EECF244321}">
-                <p14:modId xmlns:p14="http://schemas.microsoft.com/office/powerpoint/2010/main" val="2479292358"/>
-              </p:ext>
-            </p:extLst>
-          </p:nvPr>
-        </p:nvGraphicFramePr>
-        <p:xfrm>
-          <a:off x="1066800" y="2310063"/>
-          <a:ext cx="10058400" cy="3725612"/>
-        </p:xfrm>
-        <a:graphic>
-          <a:graphicData uri="http://schemas.openxmlformats.org/drawingml/2006/diagram">
-            <dgm:relIds xmlns:dgm="http://schemas.openxmlformats.org/drawingml/2006/diagram" xmlns:r="http://schemas.openxmlformats.org/officeDocument/2006/relationships" r:dm="rId3" r:lo="rId4" r:qs="rId5" r:cs="rId6"/>
-          </a:graphicData>
-        </a:graphic>
-      </p:graphicFrame>
+          </p:nvPr>
+        </p:nvSpPr>
+        <p:spPr>
+          <a:xfrm>
+            <a:off x="774043" y="2538920"/>
+            <a:ext cx="4602152" cy="3480066"/>
+          </a:xfrm>
+        </p:spPr>
+        <p:txBody>
+          <a:bodyPr>
+            <a:normAutofit/>
+          </a:bodyPr>
+          <a:lstStyle/>
+          <a:p>
+            <a:r>
+              <a:rPr lang="en-US"/>
+              <a:t>A clean workspace prevents theft and unauthorized access</a:t>
+            </a:r>
+          </a:p>
+          <a:p>
+            <a:r>
+              <a:rPr lang="en-US"/>
+              <a:t>Support staff handle sensitive information daily</a:t>
+            </a:r>
+          </a:p>
+          <a:p>
+            <a:r>
+              <a:rPr lang="en-US"/>
+              <a:t>Good desk habits protect company data and reduce risk</a:t>
+            </a:r>
+          </a:p>
+          <a:p>
+            <a:endParaRPr lang="en-AU" dirty="0"/>
+          </a:p>
+        </p:txBody>
+      </p:sp>
     </p:spTree>
     <p:extLst>
       <p:ext uri="{BB962C8B-B14F-4D97-AF65-F5344CB8AC3E}">
-        <p14:creationId xmlns:p14="http://schemas.microsoft.com/office/powerpoint/2010/main" val="3833773525"/>
+        <p14:creationId xmlns:p14="http://schemas.microsoft.com/office/powerpoint/2010/main" val="2799119005"/>
+      </p:ext>
+    </p:extLst>
+  </p:cSld>
+  <p:clrMapOvr>
+    <a:masterClrMapping/>
+  </p:clrMapOvr>
+</p:sld>
+</file>
+
+<file path=ppt/slides/slide3.xml><?xml version="1.0" encoding="utf-8"?>
+<p:sld xmlns:a="http://schemas.openxmlformats.org/drawingml/2006/main" xmlns:r="http://schemas.openxmlformats.org/officeDocument/2006/relationships" xmlns:p="http://schemas.openxmlformats.org/presentationml/2006/main">
+  <p:cSld>
+    <p:bg>
+      <p:bgPr>
+        <a:solidFill>
+          <a:schemeClr val="bg1"/>
+        </a:solidFill>
+        <a:effectLst/>
+      </p:bgPr>
+    </p:bg>
+    <p:spTree>
+      <p:nvGrpSpPr>
+        <p:cNvPr id="1" name="">
+          <a:extLst>
+            <a:ext uri="{FF2B5EF4-FFF2-40B4-BE49-F238E27FC236}">
+              <a16:creationId xmlns:a16="http://schemas.microsoft.com/office/drawing/2014/main" id="{9ED666C8-1431-15F9-D43D-41012AD649BF}"/>
+            </a:ext>
+          </a:extLst>
+        </p:cNvPr>
+        <p:cNvGrpSpPr/>
+        <p:nvPr/>
+      </p:nvGrpSpPr>
+      <p:grpSpPr>
+        <a:xfrm>
+          <a:off x="0" y="0"/>
+          <a:ext cx="0" cy="0"/>
+          <a:chOff x="0" y="0"/>
+          <a:chExt cx="0" cy="0"/>
+        </a:xfrm>
+      </p:grpSpPr>
+      <p:sp>
+        <p:nvSpPr>
+          <p:cNvPr id="19" name="Rectangle 18">
+            <a:extLst>
+              <a:ext uri="{FF2B5EF4-FFF2-40B4-BE49-F238E27FC236}">
+                <a16:creationId xmlns:a16="http://schemas.microsoft.com/office/drawing/2014/main" id="{DDC84DE5-55F6-BD41-D0CF-C35A62064CE3}"/>
+              </a:ext>
+              <a:ext uri="{C183D7F6-B498-43B3-948B-1728B52AA6E4}">
+                <adec:decorative xmlns:adec="http://schemas.microsoft.com/office/drawing/2017/decorative" val="1"/>
+              </a:ext>
+            </a:extLst>
+          </p:cNvPr>
+          <p:cNvSpPr>
+            <a:spLocks noGrp="1" noRot="1" noChangeAspect="1" noMove="1" noResize="1" noEditPoints="1" noAdjustHandles="1" noChangeArrowheads="1" noChangeShapeType="1" noTextEdit="1"/>
+          </p:cNvSpPr>
+          <p:nvPr>
+            <p:extLst>
+              <p:ext uri="{386F3935-93C4-4BCD-93E2-E3B085C9AB24}">
+                <p16:designElem xmlns:p16="http://schemas.microsoft.com/office/powerpoint/2015/main" val="1"/>
+              </p:ext>
+            </p:extLst>
+          </p:nvPr>
+        </p:nvSpPr>
+        <p:spPr>
+          <a:xfrm>
+            <a:off x="-1866" y="0"/>
+            <a:ext cx="12193866" cy="6858000"/>
+          </a:xfrm>
+          <a:prstGeom prst="rect">
+            <a:avLst/>
+          </a:prstGeom>
+          <a:solidFill>
+            <a:srgbClr val="FFFFFF"/>
+          </a:solidFill>
+          <a:ln>
+            <a:noFill/>
+          </a:ln>
+        </p:spPr>
+        <p:style>
+          <a:lnRef idx="2">
+            <a:schemeClr val="accent1">
+              <a:shade val="50000"/>
+            </a:schemeClr>
+          </a:lnRef>
+          <a:fillRef idx="1">
+            <a:schemeClr val="accent1"/>
+          </a:fillRef>
+          <a:effectRef idx="0">
+            <a:schemeClr val="accent1"/>
+          </a:effectRef>
+          <a:fontRef idx="minor">
+            <a:schemeClr val="lt1"/>
+          </a:fontRef>
+        </p:style>
+        <p:txBody>
+          <a:bodyPr rtlCol="0" anchor="ctr"/>
+          <a:lstStyle/>
+          <a:p>
+            <a:pPr algn="ctr"/>
+            <a:endParaRPr lang="en-US"/>
+          </a:p>
+        </p:txBody>
+      </p:sp>
+      <p:pic>
+        <p:nvPicPr>
+          <p:cNvPr id="5" name="Picture 4">
+            <a:extLst>
+              <a:ext uri="{FF2B5EF4-FFF2-40B4-BE49-F238E27FC236}">
+                <a16:creationId xmlns:a16="http://schemas.microsoft.com/office/drawing/2014/main" id="{8B098433-355E-3071-F671-AA7107976D07}"/>
+              </a:ext>
+            </a:extLst>
+          </p:cNvPr>
+          <p:cNvPicPr>
+            <a:picLocks noChangeAspect="1"/>
+          </p:cNvPicPr>
+          <p:nvPr/>
+        </p:nvPicPr>
+        <p:blipFill>
+          <a:blip r:embed="rId2"/>
+          <a:srcRect l="9091" t="17781" b="5611"/>
+          <a:stretch>
+            <a:fillRect/>
+          </a:stretch>
+        </p:blipFill>
+        <p:spPr>
+          <a:xfrm>
+            <a:off x="20" y="-1"/>
+            <a:ext cx="12191980" cy="6857999"/>
+          </a:xfrm>
+          <a:prstGeom prst="rect">
+            <a:avLst/>
+          </a:prstGeom>
+        </p:spPr>
+      </p:pic>
+      <p:sp>
+        <p:nvSpPr>
+          <p:cNvPr id="21" name="Rectangle 20">
+            <a:extLst>
+              <a:ext uri="{FF2B5EF4-FFF2-40B4-BE49-F238E27FC236}">
+                <a16:creationId xmlns:a16="http://schemas.microsoft.com/office/drawing/2014/main" id="{17F84C44-A619-2646-62A9-C59CB93433E0}"/>
+              </a:ext>
+              <a:ext uri="{C183D7F6-B498-43B3-948B-1728B52AA6E4}">
+                <adec:decorative xmlns:adec="http://schemas.microsoft.com/office/drawing/2017/decorative" val="1"/>
+              </a:ext>
+            </a:extLst>
+          </p:cNvPr>
+          <p:cNvSpPr>
+            <a:spLocks noGrp="1" noRot="1" noChangeAspect="1" noMove="1" noResize="1" noEditPoints="1" noAdjustHandles="1" noChangeArrowheads="1" noChangeShapeType="1" noTextEdit="1"/>
+          </p:cNvSpPr>
+          <p:nvPr>
+            <p:extLst>
+              <p:ext uri="{386F3935-93C4-4BCD-93E2-E3B085C9AB24}">
+                <p16:designElem xmlns:p16="http://schemas.microsoft.com/office/powerpoint/2015/main" val="1"/>
+              </p:ext>
+            </p:extLst>
+          </p:nvPr>
+        </p:nvSpPr>
+        <p:spPr>
+          <a:xfrm>
+            <a:off x="6339709" y="253548"/>
+            <a:ext cx="5612193" cy="6361598"/>
+          </a:xfrm>
+          <a:prstGeom prst="rect">
+            <a:avLst/>
+          </a:prstGeom>
+          <a:solidFill>
+            <a:schemeClr val="bg1">
+              <a:alpha val="94000"/>
+            </a:schemeClr>
+          </a:solidFill>
+          <a:ln>
+            <a:noFill/>
+          </a:ln>
+        </p:spPr>
+        <p:style>
+          <a:lnRef idx="2">
+            <a:schemeClr val="accent1">
+              <a:shade val="50000"/>
+            </a:schemeClr>
+          </a:lnRef>
+          <a:fillRef idx="1">
+            <a:schemeClr val="accent1"/>
+          </a:fillRef>
+          <a:effectRef idx="0">
+            <a:schemeClr val="accent1"/>
+          </a:effectRef>
+          <a:fontRef idx="minor">
+            <a:schemeClr val="lt1"/>
+          </a:fontRef>
+        </p:style>
+        <p:txBody>
+          <a:bodyPr rtlCol="0" anchor="ctr"/>
+          <a:lstStyle/>
+          <a:p>
+            <a:pPr algn="ctr"/>
+            <a:endParaRPr lang="en-US"/>
+          </a:p>
+        </p:txBody>
+      </p:sp>
+      <p:sp>
+        <p:nvSpPr>
+          <p:cNvPr id="23" name="Rectangle 22">
+            <a:extLst>
+              <a:ext uri="{FF2B5EF4-FFF2-40B4-BE49-F238E27FC236}">
+                <a16:creationId xmlns:a16="http://schemas.microsoft.com/office/drawing/2014/main" id="{508E9893-425E-C9C7-B239-6B6272BE5B70}"/>
+              </a:ext>
+              <a:ext uri="{C183D7F6-B498-43B3-948B-1728B52AA6E4}">
+                <adec:decorative xmlns:adec="http://schemas.microsoft.com/office/drawing/2017/decorative" val="1"/>
+              </a:ext>
+            </a:extLst>
+          </p:cNvPr>
+          <p:cNvSpPr>
+            <a:spLocks noGrp="1" noRot="1" noChangeAspect="1" noMove="1" noResize="1" noEditPoints="1" noAdjustHandles="1" noChangeArrowheads="1" noChangeShapeType="1" noTextEdit="1"/>
+          </p:cNvSpPr>
+          <p:nvPr>
+            <p:extLst>
+              <p:ext uri="{386F3935-93C4-4BCD-93E2-E3B085C9AB24}">
+                <p16:designElem xmlns:p16="http://schemas.microsoft.com/office/powerpoint/2015/main" val="1"/>
+              </p:ext>
+            </p:extLst>
+          </p:nvPr>
+        </p:nvSpPr>
+        <p:spPr>
+          <a:xfrm>
+            <a:off x="6487542" y="407588"/>
+            <a:ext cx="5299768" cy="6022878"/>
+          </a:xfrm>
+          <a:prstGeom prst="rect">
+            <a:avLst/>
+          </a:prstGeom>
+          <a:noFill/>
+          <a:ln w="6350">
+            <a:solidFill>
+              <a:schemeClr val="tx1">
+                <a:lumMod val="75000"/>
+                <a:lumOff val="25000"/>
+              </a:schemeClr>
+            </a:solidFill>
+          </a:ln>
+        </p:spPr>
+        <p:style>
+          <a:lnRef idx="2">
+            <a:schemeClr val="accent1">
+              <a:shade val="50000"/>
+            </a:schemeClr>
+          </a:lnRef>
+          <a:fillRef idx="1">
+            <a:schemeClr val="accent1"/>
+          </a:fillRef>
+          <a:effectRef idx="0">
+            <a:schemeClr val="accent1"/>
+          </a:effectRef>
+          <a:fontRef idx="minor">
+            <a:schemeClr val="lt1"/>
+          </a:fontRef>
+        </p:style>
+        <p:txBody>
+          <a:bodyPr rtlCol="0" anchor="ctr"/>
+          <a:lstStyle/>
+          <a:p>
+            <a:pPr algn="ctr"/>
+            <a:endParaRPr lang="en-US"/>
+          </a:p>
+        </p:txBody>
+      </p:sp>
+      <p:sp>
+        <p:nvSpPr>
+          <p:cNvPr id="2" name="Title 1">
+            <a:extLst>
+              <a:ext uri="{FF2B5EF4-FFF2-40B4-BE49-F238E27FC236}">
+                <a16:creationId xmlns:a16="http://schemas.microsoft.com/office/drawing/2014/main" id="{4D3E2AE3-B300-0592-484A-DCBDAFEE8636}"/>
+              </a:ext>
+            </a:extLst>
+          </p:cNvPr>
+          <p:cNvSpPr>
+            <a:spLocks noGrp="1"/>
+          </p:cNvSpPr>
+          <p:nvPr>
+            <p:ph type="title"/>
+          </p:nvPr>
+        </p:nvSpPr>
+        <p:spPr>
+          <a:xfrm>
+            <a:off x="6846137" y="727626"/>
+            <a:ext cx="4602152" cy="1718225"/>
+          </a:xfrm>
+        </p:spPr>
+        <p:txBody>
+          <a:bodyPr>
+            <a:normAutofit/>
+          </a:bodyPr>
+          <a:lstStyle/>
+          <a:p>
+            <a:r>
+              <a:rPr lang="en-AU" sz="4400" dirty="0"/>
+              <a:t>Why This Policy Matters</a:t>
+            </a:r>
+          </a:p>
+        </p:txBody>
+      </p:sp>
+      <p:sp>
+        <p:nvSpPr>
+          <p:cNvPr id="3" name="Content Placeholder 2">
+            <a:extLst>
+              <a:ext uri="{FF2B5EF4-FFF2-40B4-BE49-F238E27FC236}">
+                <a16:creationId xmlns:a16="http://schemas.microsoft.com/office/drawing/2014/main" id="{71A9DCBC-EBB1-BB0D-D451-F9C5308BE5C0}"/>
+              </a:ext>
+            </a:extLst>
+          </p:cNvPr>
+          <p:cNvSpPr>
+            <a:spLocks noGrp="1"/>
+          </p:cNvSpPr>
+          <p:nvPr>
+            <p:ph idx="1"/>
+          </p:nvPr>
+        </p:nvSpPr>
+        <p:spPr>
+          <a:xfrm>
+            <a:off x="6846137" y="2538920"/>
+            <a:ext cx="4602152" cy="3480066"/>
+          </a:xfrm>
+        </p:spPr>
+        <p:txBody>
+          <a:bodyPr>
+            <a:normAutofit/>
+          </a:bodyPr>
+          <a:lstStyle/>
+          <a:p>
+            <a:r>
+              <a:rPr lang="en-US" dirty="0"/>
+              <a:t>Keeping desks free of documents and devices reduces the chance of data exposure. </a:t>
+            </a:r>
+          </a:p>
+          <a:p>
+            <a:r>
+              <a:rPr lang="en-US" dirty="0"/>
+              <a:t>If staff leave confidential information visible or unattended, it can result in </a:t>
+            </a:r>
+          </a:p>
+          <a:p>
+            <a:r>
+              <a:rPr lang="en-US" dirty="0"/>
+              <a:t> - data breaches</a:t>
+            </a:r>
+          </a:p>
+          <a:p>
+            <a:r>
+              <a:rPr lang="en-US" dirty="0"/>
+              <a:t> - loss of equipment</a:t>
+            </a:r>
+          </a:p>
+          <a:p>
+            <a:r>
+              <a:rPr lang="en-US" dirty="0"/>
+              <a:t> - reputational damage</a:t>
+            </a:r>
+          </a:p>
+          <a:p>
+            <a:r>
+              <a:rPr lang="en-US" dirty="0"/>
+              <a:t> -  or disciplinary action.</a:t>
+            </a:r>
+          </a:p>
+        </p:txBody>
+      </p:sp>
+    </p:spTree>
+    <p:extLst>
+      <p:ext uri="{BB962C8B-B14F-4D97-AF65-F5344CB8AC3E}">
+        <p14:creationId xmlns:p14="http://schemas.microsoft.com/office/powerpoint/2010/main" val="3766990540"/>
+      </p:ext>
+    </p:extLst>
+  </p:cSld>
+  <p:clrMapOvr>
+    <a:masterClrMapping/>
+  </p:clrMapOvr>
+</p:sld>
+</file>
+
+<file path=ppt/slides/slide4.xml><?xml version="1.0" encoding="utf-8"?>
+<p:sld xmlns:a="http://schemas.openxmlformats.org/drawingml/2006/main" xmlns:r="http://schemas.openxmlformats.org/officeDocument/2006/relationships" xmlns:p="http://schemas.openxmlformats.org/presentationml/2006/main">
+  <p:cSld>
+    <p:bg>
+      <p:bgPr>
+        <a:solidFill>
+          <a:schemeClr val="bg1"/>
+        </a:solidFill>
+        <a:effectLst/>
+      </p:bgPr>
+    </p:bg>
+    <p:spTree>
+      <p:nvGrpSpPr>
+        <p:cNvPr id="1" name="">
+          <a:extLst>
+            <a:ext uri="{FF2B5EF4-FFF2-40B4-BE49-F238E27FC236}">
+              <a16:creationId xmlns:a16="http://schemas.microsoft.com/office/drawing/2014/main" id="{BFDA9B04-7BF8-6A4C-2F17-525F67D56A8C}"/>
+            </a:ext>
+          </a:extLst>
+        </p:cNvPr>
+        <p:cNvGrpSpPr/>
+        <p:nvPr/>
+      </p:nvGrpSpPr>
+      <p:grpSpPr>
+        <a:xfrm>
+          <a:off x="0" y="0"/>
+          <a:ext cx="0" cy="0"/>
+          <a:chOff x="0" y="0"/>
+          <a:chExt cx="0" cy="0"/>
+        </a:xfrm>
+      </p:grpSpPr>
+      <p:pic>
+        <p:nvPicPr>
+          <p:cNvPr id="5" name="Picture 4">
+            <a:extLst>
+              <a:ext uri="{FF2B5EF4-FFF2-40B4-BE49-F238E27FC236}">
+                <a16:creationId xmlns:a16="http://schemas.microsoft.com/office/drawing/2014/main" id="{2F7A0BE6-9362-545D-A9E0-E295CAFA663F}"/>
+              </a:ext>
+            </a:extLst>
+          </p:cNvPr>
+          <p:cNvPicPr>
+            <a:picLocks noChangeAspect="1"/>
+          </p:cNvPicPr>
+          <p:nvPr/>
+        </p:nvPicPr>
+        <p:blipFill>
+          <a:blip r:embed="rId3"/>
+          <a:srcRect r="25"/>
+          <a:stretch>
+            <a:fillRect/>
+          </a:stretch>
+        </p:blipFill>
+        <p:spPr>
+          <a:xfrm>
+            <a:off x="20" y="10"/>
+            <a:ext cx="12188932" cy="6857990"/>
+          </a:xfrm>
+          <a:prstGeom prst="rect">
+            <a:avLst/>
+          </a:prstGeom>
+        </p:spPr>
+      </p:pic>
+      <p:sp>
+        <p:nvSpPr>
+          <p:cNvPr id="19" name="Rectangle 18">
+            <a:extLst>
+              <a:ext uri="{FF2B5EF4-FFF2-40B4-BE49-F238E27FC236}">
+                <a16:creationId xmlns:a16="http://schemas.microsoft.com/office/drawing/2014/main" id="{CD64F326-929E-45E2-B54D-DC7E17207734}"/>
+              </a:ext>
+              <a:ext uri="{C183D7F6-B498-43B3-948B-1728B52AA6E4}">
+                <adec:decorative xmlns:adec="http://schemas.microsoft.com/office/drawing/2017/decorative" val="1"/>
+              </a:ext>
+            </a:extLst>
+          </p:cNvPr>
+          <p:cNvSpPr>
+            <a:spLocks noGrp="1" noRot="1" noChangeAspect="1" noMove="1" noResize="1" noEditPoints="1" noAdjustHandles="1" noChangeArrowheads="1" noChangeShapeType="1" noTextEdit="1"/>
+          </p:cNvSpPr>
+          <p:nvPr>
+            <p:extLst>
+              <p:ext uri="{386F3935-93C4-4BCD-93E2-E3B085C9AB24}">
+                <p16:designElem xmlns:p16="http://schemas.microsoft.com/office/powerpoint/2015/main" val="1"/>
+              </p:ext>
+            </p:extLst>
+          </p:nvPr>
+        </p:nvSpPr>
+        <p:spPr>
+          <a:xfrm>
+            <a:off x="937329" y="941695"/>
+            <a:ext cx="5452527" cy="4974610"/>
+          </a:xfrm>
+          <a:prstGeom prst="rect">
+            <a:avLst/>
+          </a:prstGeom>
+          <a:solidFill>
+            <a:schemeClr val="bg1">
+              <a:lumMod val="75000"/>
+              <a:lumOff val="25000"/>
+            </a:schemeClr>
+          </a:solidFill>
+          <a:ln w="6350" cap="sq" cmpd="sng" algn="ctr">
+            <a:noFill/>
+            <a:prstDash val="solid"/>
+            <a:miter lim="800000"/>
+          </a:ln>
+          <a:effectLst/>
+        </p:spPr>
+        <p:txBody>
+          <a:bodyPr/>
+          <a:lstStyle/>
+          <a:p>
+            <a:endParaRPr lang="en-AU"/>
+          </a:p>
+        </p:txBody>
+      </p:sp>
+      <p:sp>
+        <p:nvSpPr>
+          <p:cNvPr id="21" name="Rectangle 20">
+            <a:extLst>
+              <a:ext uri="{FF2B5EF4-FFF2-40B4-BE49-F238E27FC236}">
+                <a16:creationId xmlns:a16="http://schemas.microsoft.com/office/drawing/2014/main" id="{7BFCDFD7-7B3B-4ED9-B533-34D0B37244F1}"/>
+              </a:ext>
+              <a:ext uri="{C183D7F6-B498-43B3-948B-1728B52AA6E4}">
+                <adec:decorative xmlns:adec="http://schemas.microsoft.com/office/drawing/2017/decorative" val="1"/>
+              </a:ext>
+            </a:extLst>
+          </p:cNvPr>
+          <p:cNvSpPr>
+            <a:spLocks noGrp="1" noRot="1" noChangeAspect="1" noMove="1" noResize="1" noEditPoints="1" noAdjustHandles="1" noChangeArrowheads="1" noChangeShapeType="1" noTextEdit="1"/>
+          </p:cNvSpPr>
+          <p:nvPr>
+            <p:extLst>
+              <p:ext uri="{386F3935-93C4-4BCD-93E2-E3B085C9AB24}">
+                <p16:designElem xmlns:p16="http://schemas.microsoft.com/office/powerpoint/2015/main" val="1"/>
+              </p:ext>
+            </p:extLst>
+          </p:nvPr>
+        </p:nvSpPr>
+        <p:spPr>
+          <a:xfrm>
+            <a:off x="1103272" y="1106424"/>
+            <a:ext cx="5120640" cy="4645152"/>
+          </a:xfrm>
+          <a:prstGeom prst="rect">
+            <a:avLst/>
+          </a:prstGeom>
+          <a:noFill/>
+          <a:ln w="6350" cap="sq" cmpd="sng" algn="ctr">
+            <a:solidFill>
+              <a:schemeClr val="tx1"/>
+            </a:solidFill>
+            <a:prstDash val="solid"/>
+            <a:miter lim="800000"/>
+          </a:ln>
+          <a:effectLst>
+            <a:softEdge rad="0"/>
+          </a:effectLst>
+        </p:spPr>
+        <p:txBody>
+          <a:bodyPr/>
+          <a:lstStyle/>
+          <a:p>
+            <a:endParaRPr lang="en-AU"/>
+          </a:p>
+        </p:txBody>
+      </p:sp>
+      <p:sp>
+        <p:nvSpPr>
+          <p:cNvPr id="2" name="Title 1">
+            <a:extLst>
+              <a:ext uri="{FF2B5EF4-FFF2-40B4-BE49-F238E27FC236}">
+                <a16:creationId xmlns:a16="http://schemas.microsoft.com/office/drawing/2014/main" id="{5139ED32-9A9D-86D7-8D1C-1DB602B0FC97}"/>
+              </a:ext>
+            </a:extLst>
+          </p:cNvPr>
+          <p:cNvSpPr>
+            <a:spLocks noGrp="1"/>
+          </p:cNvSpPr>
+          <p:nvPr>
+            <p:ph type="title"/>
+          </p:nvPr>
+        </p:nvSpPr>
+        <p:spPr>
+          <a:xfrm>
+            <a:off x="1357951" y="1352277"/>
+            <a:ext cx="4633416" cy="1371600"/>
+          </a:xfrm>
+        </p:spPr>
+        <p:txBody>
+          <a:bodyPr>
+            <a:normAutofit/>
+          </a:bodyPr>
+          <a:lstStyle/>
+          <a:p>
+            <a:r>
+              <a:rPr lang="en-AU" sz="4000"/>
+              <a:t>Policy Summary</a:t>
+            </a:r>
+          </a:p>
+        </p:txBody>
+      </p:sp>
+      <p:sp>
+        <p:nvSpPr>
+          <p:cNvPr id="3" name="Content Placeholder 2">
+            <a:extLst>
+              <a:ext uri="{FF2B5EF4-FFF2-40B4-BE49-F238E27FC236}">
+                <a16:creationId xmlns:a16="http://schemas.microsoft.com/office/drawing/2014/main" id="{2BB57B48-0D97-DD94-73ED-83E3796EC2E7}"/>
+              </a:ext>
+            </a:extLst>
+          </p:cNvPr>
+          <p:cNvSpPr>
+            <a:spLocks noGrp="1"/>
+          </p:cNvSpPr>
+          <p:nvPr>
+            <p:ph idx="1"/>
+          </p:nvPr>
+        </p:nvSpPr>
+        <p:spPr>
+          <a:xfrm>
+            <a:off x="1357950" y="2852792"/>
+            <a:ext cx="4633415" cy="2572193"/>
+          </a:xfrm>
+        </p:spPr>
+        <p:txBody>
+          <a:bodyPr>
+            <a:normAutofit/>
+          </a:bodyPr>
+          <a:lstStyle/>
+          <a:p>
+            <a:r>
+              <a:rPr lang="en-US" dirty="0"/>
+              <a:t>All workspaces must remain tidy and secure</a:t>
+            </a:r>
+          </a:p>
+          <a:p>
+            <a:r>
+              <a:rPr lang="en-US" dirty="0"/>
+              <a:t>Sensitive materials must be properly stored</a:t>
+            </a:r>
+          </a:p>
+          <a:p>
+            <a:r>
+              <a:rPr lang="en-US" dirty="0"/>
+              <a:t>Workstations must be locked when unattended</a:t>
+            </a:r>
+          </a:p>
+          <a:p>
+            <a:r>
+              <a:rPr lang="en-US" dirty="0"/>
+              <a:t>Printed documents should be collected immediately</a:t>
+            </a:r>
+          </a:p>
+          <a:p>
+            <a:endParaRPr lang="en-AU" dirty="0"/>
+          </a:p>
+        </p:txBody>
+      </p:sp>
+    </p:spTree>
+    <p:extLst>
+      <p:ext uri="{BB962C8B-B14F-4D97-AF65-F5344CB8AC3E}">
+        <p14:creationId xmlns:p14="http://schemas.microsoft.com/office/powerpoint/2010/main" val="3341749605"/>
+      </p:ext>
+    </p:extLst>
+  </p:cSld>
+  <p:clrMapOvr>
+    <a:masterClrMapping/>
+  </p:clrMapOvr>
+</p:sld>
+</file>
+
+<file path=ppt/slides/slide5.xml><?xml version="1.0" encoding="utf-8"?>
+<p:sld xmlns:a="http://schemas.openxmlformats.org/drawingml/2006/main" xmlns:r="http://schemas.openxmlformats.org/officeDocument/2006/relationships" xmlns:p="http://schemas.openxmlformats.org/presentationml/2006/main">
+  <p:cSld>
+    <p:bg>
+      <p:bgPr>
+        <a:solidFill>
+          <a:schemeClr val="bg1"/>
+        </a:solidFill>
+        <a:effectLst/>
+      </p:bgPr>
+    </p:bg>
+    <p:spTree>
+      <p:nvGrpSpPr>
+        <p:cNvPr id="1" name="">
+          <a:extLst>
+            <a:ext uri="{FF2B5EF4-FFF2-40B4-BE49-F238E27FC236}">
+              <a16:creationId xmlns:a16="http://schemas.microsoft.com/office/drawing/2014/main" id="{26FC909A-99F5-7134-820F-B5FAD945218D}"/>
+            </a:ext>
+          </a:extLst>
+        </p:cNvPr>
+        <p:cNvGrpSpPr/>
+        <p:nvPr/>
+      </p:nvGrpSpPr>
+      <p:grpSpPr>
+        <a:xfrm>
+          <a:off x="0" y="0"/>
+          <a:ext cx="0" cy="0"/>
+          <a:chOff x="0" y="0"/>
+          <a:chExt cx="0" cy="0"/>
+        </a:xfrm>
+      </p:grpSpPr>
+      <p:pic>
+        <p:nvPicPr>
+          <p:cNvPr id="5" name="Picture 4" descr="A computer on a table">
+            <a:extLst>
+              <a:ext uri="{FF2B5EF4-FFF2-40B4-BE49-F238E27FC236}">
+                <a16:creationId xmlns:a16="http://schemas.microsoft.com/office/drawing/2014/main" id="{6BDAB75E-26B7-EF29-F10D-6DC9B520F453}"/>
+              </a:ext>
+            </a:extLst>
+          </p:cNvPr>
+          <p:cNvPicPr>
+            <a:picLocks noChangeAspect="1"/>
+          </p:cNvPicPr>
+          <p:nvPr/>
+        </p:nvPicPr>
+        <p:blipFill>
+          <a:blip r:embed="rId2"/>
+          <a:srcRect t="916" r="-1" b="14793"/>
+          <a:stretch>
+            <a:fillRect/>
+          </a:stretch>
+        </p:blipFill>
+        <p:spPr>
+          <a:xfrm>
+            <a:off x="3048" y="10"/>
+            <a:ext cx="12188952" cy="6857990"/>
+          </a:xfrm>
+          <a:prstGeom prst="rect">
+            <a:avLst/>
+          </a:prstGeom>
+        </p:spPr>
+      </p:pic>
+      <p:sp>
+        <p:nvSpPr>
+          <p:cNvPr id="19" name="Rectangle 18">
+            <a:extLst>
+              <a:ext uri="{FF2B5EF4-FFF2-40B4-BE49-F238E27FC236}">
+                <a16:creationId xmlns:a16="http://schemas.microsoft.com/office/drawing/2014/main" id="{CD64F326-929E-45E2-B54D-DC7E17207734}"/>
+              </a:ext>
+              <a:ext uri="{C183D7F6-B498-43B3-948B-1728B52AA6E4}">
+                <adec:decorative xmlns:adec="http://schemas.microsoft.com/office/drawing/2017/decorative" val="1"/>
+              </a:ext>
+            </a:extLst>
+          </p:cNvPr>
+          <p:cNvSpPr>
+            <a:spLocks noGrp="1" noRot="1" noChangeAspect="1" noMove="1" noResize="1" noEditPoints="1" noAdjustHandles="1" noChangeArrowheads="1" noChangeShapeType="1" noTextEdit="1"/>
+          </p:cNvSpPr>
+          <p:nvPr>
+            <p:extLst>
+              <p:ext uri="{386F3935-93C4-4BCD-93E2-E3B085C9AB24}">
+                <p16:designElem xmlns:p16="http://schemas.microsoft.com/office/powerpoint/2015/main" val="1"/>
+              </p:ext>
+            </p:extLst>
+          </p:nvPr>
+        </p:nvSpPr>
+        <p:spPr>
+          <a:xfrm>
+            <a:off x="5790224" y="941695"/>
+            <a:ext cx="5452527" cy="4974610"/>
+          </a:xfrm>
+          <a:prstGeom prst="rect">
+            <a:avLst/>
+          </a:prstGeom>
+          <a:solidFill>
+            <a:schemeClr val="bg1">
+              <a:lumMod val="75000"/>
+              <a:lumOff val="25000"/>
+            </a:schemeClr>
+          </a:solidFill>
+          <a:ln w="6350" cap="sq" cmpd="sng" algn="ctr">
+            <a:noFill/>
+            <a:prstDash val="solid"/>
+            <a:miter lim="800000"/>
+          </a:ln>
+          <a:effectLst/>
+        </p:spPr>
+        <p:txBody>
+          <a:bodyPr/>
+          <a:lstStyle/>
+          <a:p>
+            <a:endParaRPr lang="en-AU"/>
+          </a:p>
+        </p:txBody>
+      </p:sp>
+      <p:sp>
+        <p:nvSpPr>
+          <p:cNvPr id="21" name="Rectangle 20">
+            <a:extLst>
+              <a:ext uri="{FF2B5EF4-FFF2-40B4-BE49-F238E27FC236}">
+                <a16:creationId xmlns:a16="http://schemas.microsoft.com/office/drawing/2014/main" id="{7BFCDFD7-7B3B-4ED9-B533-34D0B37244F1}"/>
+              </a:ext>
+              <a:ext uri="{C183D7F6-B498-43B3-948B-1728B52AA6E4}">
+                <adec:decorative xmlns:adec="http://schemas.microsoft.com/office/drawing/2017/decorative" val="1"/>
+              </a:ext>
+            </a:extLst>
+          </p:cNvPr>
+          <p:cNvSpPr>
+            <a:spLocks noGrp="1" noRot="1" noChangeAspect="1" noMove="1" noResize="1" noEditPoints="1" noAdjustHandles="1" noChangeArrowheads="1" noChangeShapeType="1" noTextEdit="1"/>
+          </p:cNvSpPr>
+          <p:nvPr>
+            <p:extLst>
+              <p:ext uri="{386F3935-93C4-4BCD-93E2-E3B085C9AB24}">
+                <p16:designElem xmlns:p16="http://schemas.microsoft.com/office/powerpoint/2015/main" val="1"/>
+              </p:ext>
+            </p:extLst>
+          </p:nvPr>
+        </p:nvSpPr>
+        <p:spPr>
+          <a:xfrm>
+            <a:off x="5956167" y="1106424"/>
+            <a:ext cx="5120640" cy="4645152"/>
+          </a:xfrm>
+          <a:prstGeom prst="rect">
+            <a:avLst/>
+          </a:prstGeom>
+          <a:noFill/>
+          <a:ln w="6350" cap="sq" cmpd="sng" algn="ctr">
+            <a:solidFill>
+              <a:schemeClr val="tx1"/>
+            </a:solidFill>
+            <a:prstDash val="solid"/>
+            <a:miter lim="800000"/>
+          </a:ln>
+          <a:effectLst>
+            <a:softEdge rad="0"/>
+          </a:effectLst>
+        </p:spPr>
+        <p:txBody>
+          <a:bodyPr/>
+          <a:lstStyle/>
+          <a:p>
+            <a:endParaRPr lang="en-AU"/>
+          </a:p>
+        </p:txBody>
+      </p:sp>
+      <p:sp>
+        <p:nvSpPr>
+          <p:cNvPr id="2" name="Title 1">
+            <a:extLst>
+              <a:ext uri="{FF2B5EF4-FFF2-40B4-BE49-F238E27FC236}">
+                <a16:creationId xmlns:a16="http://schemas.microsoft.com/office/drawing/2014/main" id="{C532EA96-D11D-90B2-3E58-0B9122AE489D}"/>
+              </a:ext>
+            </a:extLst>
+          </p:cNvPr>
+          <p:cNvSpPr>
+            <a:spLocks noGrp="1"/>
+          </p:cNvSpPr>
+          <p:nvPr>
+            <p:ph type="title"/>
+          </p:nvPr>
+        </p:nvSpPr>
+        <p:spPr>
+          <a:xfrm>
+            <a:off x="6210846" y="1352277"/>
+            <a:ext cx="4633416" cy="1371600"/>
+          </a:xfrm>
+        </p:spPr>
+        <p:txBody>
+          <a:bodyPr>
+            <a:normAutofit/>
+          </a:bodyPr>
+          <a:lstStyle/>
+          <a:p>
+            <a:r>
+              <a:rPr lang="en-AU" sz="4000">
+                <a:solidFill>
+                  <a:schemeClr val="tx1"/>
+                </a:solidFill>
+              </a:rPr>
+              <a:t>Secure Storage</a:t>
+            </a:r>
+          </a:p>
+        </p:txBody>
+      </p:sp>
+      <p:sp>
+        <p:nvSpPr>
+          <p:cNvPr id="3" name="Content Placeholder 2">
+            <a:extLst>
+              <a:ext uri="{FF2B5EF4-FFF2-40B4-BE49-F238E27FC236}">
+                <a16:creationId xmlns:a16="http://schemas.microsoft.com/office/drawing/2014/main" id="{3C80E065-C7CF-D79C-5C59-BED7831ECC74}"/>
+              </a:ext>
+            </a:extLst>
+          </p:cNvPr>
+          <p:cNvSpPr>
+            <a:spLocks noGrp="1"/>
+          </p:cNvSpPr>
+          <p:nvPr>
+            <p:ph idx="1"/>
+          </p:nvPr>
+        </p:nvSpPr>
+        <p:spPr>
+          <a:xfrm>
+            <a:off x="6210845" y="2852792"/>
+            <a:ext cx="4633415" cy="2572193"/>
+          </a:xfrm>
+        </p:spPr>
+        <p:txBody>
+          <a:bodyPr>
+            <a:normAutofit/>
+          </a:bodyPr>
+          <a:lstStyle/>
+          <a:p>
+            <a:r>
+              <a:rPr lang="en-US" dirty="0"/>
+              <a:t>Use locked drawers, cabinets, or safes</a:t>
+            </a:r>
+          </a:p>
+          <a:p>
+            <a:r>
+              <a:rPr lang="en-US" dirty="0"/>
+              <a:t>Never leave notebooks or documents unattended</a:t>
+            </a:r>
+          </a:p>
+          <a:p>
+            <a:r>
+              <a:rPr lang="en-US" dirty="0"/>
+              <a:t>Mobile devices must stay with you or be locked away</a:t>
+            </a:r>
+          </a:p>
+          <a:p>
+            <a:r>
+              <a:rPr lang="en-US" dirty="0"/>
+              <a:t>Computers must be locked or shut down when not in use</a:t>
+            </a:r>
+          </a:p>
+          <a:p>
+            <a:endParaRPr lang="en-AU" dirty="0"/>
+          </a:p>
+        </p:txBody>
+      </p:sp>
+    </p:spTree>
+    <p:extLst>
+      <p:ext uri="{BB962C8B-B14F-4D97-AF65-F5344CB8AC3E}">
+        <p14:creationId xmlns:p14="http://schemas.microsoft.com/office/powerpoint/2010/main" val="396784661"/>
+      </p:ext>
+    </p:extLst>
+  </p:cSld>
+  <p:clrMapOvr>
+    <a:overrideClrMapping bg1="dk1" tx1="lt1" bg2="dk2" tx2="lt2" accent1="accent1" accent2="accent2" accent3="accent3" accent4="accent4" accent5="accent5" accent6="accent6" hlink="hlink" folHlink="folHlink"/>
+  </p:clrMapOvr>
+</p:sld>
+</file>
+
+<file path=ppt/slides/slide6.xml><?xml version="1.0" encoding="utf-8"?>
+<p:sld xmlns:a="http://schemas.openxmlformats.org/drawingml/2006/main" xmlns:r="http://schemas.openxmlformats.org/officeDocument/2006/relationships" xmlns:p="http://schemas.openxmlformats.org/presentationml/2006/main">
+  <p:cSld>
+    <p:bg>
+      <p:bgPr>
+        <a:solidFill>
+          <a:schemeClr val="bg1"/>
+        </a:solidFill>
+        <a:effectLst/>
+      </p:bgPr>
+    </p:bg>
+    <p:spTree>
+      <p:nvGrpSpPr>
+        <p:cNvPr id="1" name="">
+          <a:extLst>
+            <a:ext uri="{FF2B5EF4-FFF2-40B4-BE49-F238E27FC236}">
+              <a16:creationId xmlns:a16="http://schemas.microsoft.com/office/drawing/2014/main" id="{57B507A7-88CC-1367-5746-27B9A47145A6}"/>
+            </a:ext>
+          </a:extLst>
+        </p:cNvPr>
+        <p:cNvGrpSpPr/>
+        <p:nvPr/>
+      </p:nvGrpSpPr>
+      <p:grpSpPr>
+        <a:xfrm>
+          <a:off x="0" y="0"/>
+          <a:ext cx="0" cy="0"/>
+          <a:chOff x="0" y="0"/>
+          <a:chExt cx="0" cy="0"/>
+        </a:xfrm>
+      </p:grpSpPr>
+      <p:pic>
+        <p:nvPicPr>
+          <p:cNvPr id="5" name="Picture 4" descr="A group of people in an office&#10;&#10;AI-generated content may be incorrect.">
+            <a:extLst>
+              <a:ext uri="{FF2B5EF4-FFF2-40B4-BE49-F238E27FC236}">
+                <a16:creationId xmlns:a16="http://schemas.microsoft.com/office/drawing/2014/main" id="{B2FAFADE-FB65-45B7-D57B-452BC3A93830}"/>
+              </a:ext>
+            </a:extLst>
+          </p:cNvPr>
+          <p:cNvPicPr>
+            <a:picLocks noChangeAspect="1"/>
+          </p:cNvPicPr>
+          <p:nvPr/>
+        </p:nvPicPr>
+        <p:blipFill>
+          <a:blip r:embed="rId2"/>
+          <a:srcRect t="12708" r="-1" b="3000"/>
+          <a:stretch>
+            <a:fillRect/>
+          </a:stretch>
+        </p:blipFill>
+        <p:spPr>
+          <a:xfrm>
+            <a:off x="20" y="10"/>
+            <a:ext cx="12188932" cy="6857990"/>
+          </a:xfrm>
+          <a:prstGeom prst="rect">
+            <a:avLst/>
+          </a:prstGeom>
+        </p:spPr>
+      </p:pic>
+      <p:sp>
+        <p:nvSpPr>
+          <p:cNvPr id="28" name="Rectangle 27">
+            <a:extLst>
+              <a:ext uri="{FF2B5EF4-FFF2-40B4-BE49-F238E27FC236}">
+                <a16:creationId xmlns:a16="http://schemas.microsoft.com/office/drawing/2014/main" id="{CD64F326-929E-45E2-B54D-DC7E17207734}"/>
+              </a:ext>
+              <a:ext uri="{C183D7F6-B498-43B3-948B-1728B52AA6E4}">
+                <adec:decorative xmlns:adec="http://schemas.microsoft.com/office/drawing/2017/decorative" val="1"/>
+              </a:ext>
+            </a:extLst>
+          </p:cNvPr>
+          <p:cNvSpPr>
+            <a:spLocks noGrp="1" noRot="1" noChangeAspect="1" noMove="1" noResize="1" noEditPoints="1" noAdjustHandles="1" noChangeArrowheads="1" noChangeShapeType="1" noTextEdit="1"/>
+          </p:cNvSpPr>
+          <p:nvPr>
+            <p:extLst>
+              <p:ext uri="{386F3935-93C4-4BCD-93E2-E3B085C9AB24}">
+                <p16:designElem xmlns:p16="http://schemas.microsoft.com/office/powerpoint/2015/main" val="1"/>
+              </p:ext>
+            </p:extLst>
+          </p:nvPr>
+        </p:nvSpPr>
+        <p:spPr>
+          <a:xfrm>
+            <a:off x="937329" y="941695"/>
+            <a:ext cx="5452527" cy="4974610"/>
+          </a:xfrm>
+          <a:prstGeom prst="rect">
+            <a:avLst/>
+          </a:prstGeom>
+          <a:solidFill>
+            <a:schemeClr val="bg1">
+              <a:lumMod val="75000"/>
+              <a:lumOff val="25000"/>
+            </a:schemeClr>
+          </a:solidFill>
+          <a:ln w="6350" cap="sq" cmpd="sng" algn="ctr">
+            <a:noFill/>
+            <a:prstDash val="solid"/>
+            <a:miter lim="800000"/>
+          </a:ln>
+          <a:effectLst/>
+        </p:spPr>
+        <p:txBody>
+          <a:bodyPr/>
+          <a:lstStyle/>
+          <a:p>
+            <a:endParaRPr lang="en-AU"/>
+          </a:p>
+        </p:txBody>
+      </p:sp>
+      <p:sp>
+        <p:nvSpPr>
+          <p:cNvPr id="30" name="Rectangle 29">
+            <a:extLst>
+              <a:ext uri="{FF2B5EF4-FFF2-40B4-BE49-F238E27FC236}">
+                <a16:creationId xmlns:a16="http://schemas.microsoft.com/office/drawing/2014/main" id="{7BFCDFD7-7B3B-4ED9-B533-34D0B37244F1}"/>
+              </a:ext>
+              <a:ext uri="{C183D7F6-B498-43B3-948B-1728B52AA6E4}">
+                <adec:decorative xmlns:adec="http://schemas.microsoft.com/office/drawing/2017/decorative" val="1"/>
+              </a:ext>
+            </a:extLst>
+          </p:cNvPr>
+          <p:cNvSpPr>
+            <a:spLocks noGrp="1" noRot="1" noChangeAspect="1" noMove="1" noResize="1" noEditPoints="1" noAdjustHandles="1" noChangeArrowheads="1" noChangeShapeType="1" noTextEdit="1"/>
+          </p:cNvSpPr>
+          <p:nvPr>
+            <p:extLst>
+              <p:ext uri="{386F3935-93C4-4BCD-93E2-E3B085C9AB24}">
+                <p16:designElem xmlns:p16="http://schemas.microsoft.com/office/powerpoint/2015/main" val="1"/>
+              </p:ext>
+            </p:extLst>
+          </p:nvPr>
+        </p:nvSpPr>
+        <p:spPr>
+          <a:xfrm>
+            <a:off x="1103272" y="1106424"/>
+            <a:ext cx="5120640" cy="4645152"/>
+          </a:xfrm>
+          <a:prstGeom prst="rect">
+            <a:avLst/>
+          </a:prstGeom>
+          <a:noFill/>
+          <a:ln w="6350" cap="sq" cmpd="sng" algn="ctr">
+            <a:solidFill>
+              <a:schemeClr val="tx1"/>
+            </a:solidFill>
+            <a:prstDash val="solid"/>
+            <a:miter lim="800000"/>
+          </a:ln>
+          <a:effectLst>
+            <a:softEdge rad="0"/>
+          </a:effectLst>
+        </p:spPr>
+        <p:txBody>
+          <a:bodyPr/>
+          <a:lstStyle/>
+          <a:p>
+            <a:endParaRPr lang="en-AU"/>
+          </a:p>
+        </p:txBody>
+      </p:sp>
+      <p:sp>
+        <p:nvSpPr>
+          <p:cNvPr id="2" name="Title 1">
+            <a:extLst>
+              <a:ext uri="{FF2B5EF4-FFF2-40B4-BE49-F238E27FC236}">
+                <a16:creationId xmlns:a16="http://schemas.microsoft.com/office/drawing/2014/main" id="{152B9714-A940-A8FC-C0E6-CCFC97986DF9}"/>
+              </a:ext>
+            </a:extLst>
+          </p:cNvPr>
+          <p:cNvSpPr>
+            <a:spLocks noGrp="1"/>
+          </p:cNvSpPr>
+          <p:nvPr>
+            <p:ph type="title"/>
+          </p:nvPr>
+        </p:nvSpPr>
+        <p:spPr>
+          <a:xfrm>
+            <a:off x="1357951" y="1352277"/>
+            <a:ext cx="4633416" cy="1371600"/>
+          </a:xfrm>
+        </p:spPr>
+        <p:txBody>
+          <a:bodyPr>
+            <a:normAutofit/>
+          </a:bodyPr>
+          <a:lstStyle/>
+          <a:p>
+            <a:r>
+              <a:rPr lang="en-AU" sz="4000" dirty="0"/>
+              <a:t>Printing and Disposal</a:t>
+            </a:r>
+          </a:p>
+        </p:txBody>
+      </p:sp>
+      <p:sp>
+        <p:nvSpPr>
+          <p:cNvPr id="3" name="Content Placeholder 2">
+            <a:extLst>
+              <a:ext uri="{FF2B5EF4-FFF2-40B4-BE49-F238E27FC236}">
+                <a16:creationId xmlns:a16="http://schemas.microsoft.com/office/drawing/2014/main" id="{99E77748-ABA7-E27F-B132-A6A019216E3C}"/>
+              </a:ext>
+            </a:extLst>
+          </p:cNvPr>
+          <p:cNvSpPr>
+            <a:spLocks noGrp="1"/>
+          </p:cNvSpPr>
+          <p:nvPr>
+            <p:ph idx="1"/>
+          </p:nvPr>
+        </p:nvSpPr>
+        <p:spPr>
+          <a:xfrm>
+            <a:off x="1357950" y="2852792"/>
+            <a:ext cx="4633415" cy="2572193"/>
+          </a:xfrm>
+        </p:spPr>
+        <p:txBody>
+          <a:bodyPr>
+            <a:normAutofit/>
+          </a:bodyPr>
+          <a:lstStyle/>
+          <a:p>
+            <a:r>
+              <a:rPr lang="en-US" dirty="0"/>
+              <a:t>Retrieve printed confidential documents immediately</a:t>
+            </a:r>
+          </a:p>
+          <a:p>
+            <a:r>
+              <a:rPr lang="en-US" dirty="0"/>
+              <a:t>Never place sensitive papers in normal waste bins</a:t>
+            </a:r>
+          </a:p>
+          <a:p>
+            <a:r>
+              <a:rPr lang="en-US" dirty="0"/>
+              <a:t>Use shredders or confidential disposal bins only</a:t>
+            </a:r>
+          </a:p>
+          <a:p>
+            <a:r>
+              <a:rPr lang="en-US" dirty="0"/>
+              <a:t>Clean whiteboards after meetings</a:t>
+            </a:r>
+          </a:p>
+        </p:txBody>
+      </p:sp>
+    </p:spTree>
+    <p:extLst>
+      <p:ext uri="{BB962C8B-B14F-4D97-AF65-F5344CB8AC3E}">
+        <p14:creationId xmlns:p14="http://schemas.microsoft.com/office/powerpoint/2010/main" val="2573629170"/>
+      </p:ext>
+    </p:extLst>
+  </p:cSld>
+  <p:clrMapOvr>
+    <a:overrideClrMapping bg1="dk1" tx1="lt1" bg2="dk2" tx2="lt2" accent1="accent1" accent2="accent2" accent3="accent3" accent4="accent4" accent5="accent5" accent6="accent6" hlink="hlink" folHlink="folHlink"/>
+  </p:clrMapOvr>
+</p:sld>
+</file>
+
+<file path=ppt/slides/slide7.xml><?xml version="1.0" encoding="utf-8"?>
+<p:sld xmlns:a="http://schemas.openxmlformats.org/drawingml/2006/main" xmlns:r="http://schemas.openxmlformats.org/officeDocument/2006/relationships" xmlns:p="http://schemas.openxmlformats.org/presentationml/2006/main">
+  <p:cSld>
+    <p:bg>
+      <p:bgPr>
+        <a:solidFill>
+          <a:schemeClr val="bg1"/>
+        </a:solidFill>
+        <a:effectLst/>
+      </p:bgPr>
+    </p:bg>
+    <p:spTree>
+      <p:nvGrpSpPr>
+        <p:cNvPr id="1" name="">
+          <a:extLst>
+            <a:ext uri="{FF2B5EF4-FFF2-40B4-BE49-F238E27FC236}">
+              <a16:creationId xmlns:a16="http://schemas.microsoft.com/office/drawing/2014/main" id="{55B0E1BF-5284-D1F1-8533-664AD37CC7B3}"/>
+            </a:ext>
+          </a:extLst>
+        </p:cNvPr>
+        <p:cNvGrpSpPr/>
+        <p:nvPr/>
+      </p:nvGrpSpPr>
+      <p:grpSpPr>
+        <a:xfrm>
+          <a:off x="0" y="0"/>
+          <a:ext cx="0" cy="0"/>
+          <a:chOff x="0" y="0"/>
+          <a:chExt cx="0" cy="0"/>
+        </a:xfrm>
+      </p:grpSpPr>
+      <p:pic>
+        <p:nvPicPr>
+          <p:cNvPr id="5" name="Picture 4">
+            <a:extLst>
+              <a:ext uri="{FF2B5EF4-FFF2-40B4-BE49-F238E27FC236}">
+                <a16:creationId xmlns:a16="http://schemas.microsoft.com/office/drawing/2014/main" id="{787D3334-9114-6805-7579-C07CFC8F2F4D}"/>
+              </a:ext>
+            </a:extLst>
+          </p:cNvPr>
+          <p:cNvPicPr>
+            <a:picLocks noChangeAspect="1"/>
+          </p:cNvPicPr>
+          <p:nvPr/>
+        </p:nvPicPr>
+        <p:blipFill>
+          <a:blip r:embed="rId3"/>
+          <a:srcRect l="25"/>
+          <a:stretch>
+            <a:fillRect/>
+          </a:stretch>
+        </p:blipFill>
+        <p:spPr>
+          <a:xfrm>
+            <a:off x="3048" y="10"/>
+            <a:ext cx="12188952" cy="6857990"/>
+          </a:xfrm>
+          <a:prstGeom prst="rect">
+            <a:avLst/>
+          </a:prstGeom>
+        </p:spPr>
+      </p:pic>
+      <p:sp>
+        <p:nvSpPr>
+          <p:cNvPr id="26" name="Rectangle 25">
+            <a:extLst>
+              <a:ext uri="{FF2B5EF4-FFF2-40B4-BE49-F238E27FC236}">
+                <a16:creationId xmlns:a16="http://schemas.microsoft.com/office/drawing/2014/main" id="{CD64F326-929E-45E2-B54D-DC7E17207734}"/>
+              </a:ext>
+              <a:ext uri="{C183D7F6-B498-43B3-948B-1728B52AA6E4}">
+                <adec:decorative xmlns:adec="http://schemas.microsoft.com/office/drawing/2017/decorative" val="1"/>
+              </a:ext>
+            </a:extLst>
+          </p:cNvPr>
+          <p:cNvSpPr>
+            <a:spLocks noGrp="1" noRot="1" noChangeAspect="1" noMove="1" noResize="1" noEditPoints="1" noAdjustHandles="1" noChangeArrowheads="1" noChangeShapeType="1" noTextEdit="1"/>
+          </p:cNvSpPr>
+          <p:nvPr>
+            <p:extLst>
+              <p:ext uri="{386F3935-93C4-4BCD-93E2-E3B085C9AB24}">
+                <p16:designElem xmlns:p16="http://schemas.microsoft.com/office/powerpoint/2015/main" val="1"/>
+              </p:ext>
+            </p:extLst>
+          </p:nvPr>
+        </p:nvSpPr>
+        <p:spPr>
+          <a:xfrm>
+            <a:off x="5790224" y="941695"/>
+            <a:ext cx="5452527" cy="4974610"/>
+          </a:xfrm>
+          <a:prstGeom prst="rect">
+            <a:avLst/>
+          </a:prstGeom>
+          <a:solidFill>
+            <a:schemeClr val="bg1">
+              <a:lumMod val="75000"/>
+              <a:lumOff val="25000"/>
+            </a:schemeClr>
+          </a:solidFill>
+          <a:ln w="6350" cap="sq" cmpd="sng" algn="ctr">
+            <a:noFill/>
+            <a:prstDash val="solid"/>
+            <a:miter lim="800000"/>
+          </a:ln>
+          <a:effectLst/>
+        </p:spPr>
+        <p:txBody>
+          <a:bodyPr/>
+          <a:lstStyle/>
+          <a:p>
+            <a:endParaRPr lang="en-AU"/>
+          </a:p>
+        </p:txBody>
+      </p:sp>
+      <p:sp>
+        <p:nvSpPr>
+          <p:cNvPr id="28" name="Rectangle 27">
+            <a:extLst>
+              <a:ext uri="{FF2B5EF4-FFF2-40B4-BE49-F238E27FC236}">
+                <a16:creationId xmlns:a16="http://schemas.microsoft.com/office/drawing/2014/main" id="{7BFCDFD7-7B3B-4ED9-B533-34D0B37244F1}"/>
+              </a:ext>
+              <a:ext uri="{C183D7F6-B498-43B3-948B-1728B52AA6E4}">
+                <adec:decorative xmlns:adec="http://schemas.microsoft.com/office/drawing/2017/decorative" val="1"/>
+              </a:ext>
+            </a:extLst>
+          </p:cNvPr>
+          <p:cNvSpPr>
+            <a:spLocks noGrp="1" noRot="1" noChangeAspect="1" noMove="1" noResize="1" noEditPoints="1" noAdjustHandles="1" noChangeArrowheads="1" noChangeShapeType="1" noTextEdit="1"/>
+          </p:cNvSpPr>
+          <p:nvPr>
+            <p:extLst>
+              <p:ext uri="{386F3935-93C4-4BCD-93E2-E3B085C9AB24}">
+                <p16:designElem xmlns:p16="http://schemas.microsoft.com/office/powerpoint/2015/main" val="1"/>
+              </p:ext>
+            </p:extLst>
+          </p:nvPr>
+        </p:nvSpPr>
+        <p:spPr>
+          <a:xfrm>
+            <a:off x="5956167" y="1106424"/>
+            <a:ext cx="5120640" cy="4645152"/>
+          </a:xfrm>
+          <a:prstGeom prst="rect">
+            <a:avLst/>
+          </a:prstGeom>
+          <a:noFill/>
+          <a:ln w="6350" cap="sq" cmpd="sng" algn="ctr">
+            <a:solidFill>
+              <a:schemeClr val="tx1"/>
+            </a:solidFill>
+            <a:prstDash val="solid"/>
+            <a:miter lim="800000"/>
+          </a:ln>
+          <a:effectLst>
+            <a:softEdge rad="0"/>
+          </a:effectLst>
+        </p:spPr>
+        <p:txBody>
+          <a:bodyPr/>
+          <a:lstStyle/>
+          <a:p>
+            <a:endParaRPr lang="en-AU"/>
+          </a:p>
+        </p:txBody>
+      </p:sp>
+      <p:sp>
+        <p:nvSpPr>
+          <p:cNvPr id="2" name="Title 1">
+            <a:extLst>
+              <a:ext uri="{FF2B5EF4-FFF2-40B4-BE49-F238E27FC236}">
+                <a16:creationId xmlns:a16="http://schemas.microsoft.com/office/drawing/2014/main" id="{CD2AFB45-E076-132D-0F46-3EE9E8B211AA}"/>
+              </a:ext>
+            </a:extLst>
+          </p:cNvPr>
+          <p:cNvSpPr>
+            <a:spLocks noGrp="1"/>
+          </p:cNvSpPr>
+          <p:nvPr>
+            <p:ph type="title"/>
+          </p:nvPr>
+        </p:nvSpPr>
+        <p:spPr>
+          <a:xfrm>
+            <a:off x="6210846" y="1352277"/>
+            <a:ext cx="4633416" cy="1371600"/>
+          </a:xfrm>
+        </p:spPr>
+        <p:txBody>
+          <a:bodyPr>
+            <a:normAutofit/>
+          </a:bodyPr>
+          <a:lstStyle/>
+          <a:p>
+            <a:r>
+              <a:rPr lang="en-AU" sz="4000">
+                <a:solidFill>
+                  <a:schemeClr val="tx1"/>
+                </a:solidFill>
+              </a:rPr>
+              <a:t>Compliance</a:t>
+            </a:r>
+          </a:p>
+        </p:txBody>
+      </p:sp>
+      <p:sp>
+        <p:nvSpPr>
+          <p:cNvPr id="3" name="Content Placeholder 2">
+            <a:extLst>
+              <a:ext uri="{FF2B5EF4-FFF2-40B4-BE49-F238E27FC236}">
+                <a16:creationId xmlns:a16="http://schemas.microsoft.com/office/drawing/2014/main" id="{BFF007DA-54FF-5471-D8EC-5E5CCF7AF71D}"/>
+              </a:ext>
+            </a:extLst>
+          </p:cNvPr>
+          <p:cNvSpPr>
+            <a:spLocks noGrp="1"/>
+          </p:cNvSpPr>
+          <p:nvPr>
+            <p:ph idx="1"/>
+          </p:nvPr>
+        </p:nvSpPr>
+        <p:spPr>
+          <a:xfrm>
+            <a:off x="6210845" y="2852792"/>
+            <a:ext cx="4633415" cy="2572193"/>
+          </a:xfrm>
+        </p:spPr>
+        <p:txBody>
+          <a:bodyPr>
+            <a:normAutofit/>
+          </a:bodyPr>
+          <a:lstStyle/>
+          <a:p>
+            <a:r>
+              <a:rPr lang="en-US" dirty="0"/>
+              <a:t>Regular walkthroughs and inspections</a:t>
+            </a:r>
+          </a:p>
+          <a:p>
+            <a:r>
+              <a:rPr lang="en-US" dirty="0"/>
+              <a:t>Possible spot checks</a:t>
+            </a:r>
+          </a:p>
+          <a:p>
+            <a:r>
+              <a:rPr lang="en-US" dirty="0"/>
+              <a:t>Reporting mechanisms for issues</a:t>
+            </a:r>
+          </a:p>
+          <a:p>
+            <a:r>
+              <a:rPr lang="en-US" dirty="0"/>
+              <a:t>Repeated non-compliance may lead to further action</a:t>
+            </a:r>
+          </a:p>
+          <a:p>
+            <a:endParaRPr lang="en-AU" dirty="0"/>
+          </a:p>
+        </p:txBody>
+      </p:sp>
+    </p:spTree>
+    <p:extLst>
+      <p:ext uri="{BB962C8B-B14F-4D97-AF65-F5344CB8AC3E}">
+        <p14:creationId xmlns:p14="http://schemas.microsoft.com/office/powerpoint/2010/main" val="2833266471"/>
+      </p:ext>
+    </p:extLst>
+  </p:cSld>
+  <p:clrMapOvr>
+    <a:overrideClrMapping bg1="dk1" tx1="lt1" bg2="dk2" tx2="lt2" accent1="accent1" accent2="accent2" accent3="accent3" accent4="accent4" accent5="accent5" accent6="accent6" hlink="hlink" folHlink="folHlink"/>
+  </p:clrMapOvr>
+</p:sld>
+</file>
+
+<file path=ppt/slides/slide8.xml><?xml version="1.0" encoding="utf-8"?>
+<p:sld xmlns:a="http://schemas.openxmlformats.org/drawingml/2006/main" xmlns:r="http://schemas.openxmlformats.org/officeDocument/2006/relationships" xmlns:p="http://schemas.openxmlformats.org/presentationml/2006/main">
+  <p:cSld>
+    <p:bg>
+      <p:bgPr>
+        <a:solidFill>
+          <a:schemeClr val="bg1"/>
+        </a:solidFill>
+        <a:effectLst/>
+      </p:bgPr>
+    </p:bg>
+    <p:spTree>
+      <p:nvGrpSpPr>
+        <p:cNvPr id="1" name=""/>
+        <p:cNvGrpSpPr/>
+        <p:nvPr/>
+      </p:nvGrpSpPr>
+      <p:grpSpPr>
+        <a:xfrm>
+          <a:off x="0" y="0"/>
+          <a:ext cx="0" cy="0"/>
+          <a:chOff x="0" y="0"/>
+          <a:chExt cx="0" cy="0"/>
+        </a:xfrm>
+      </p:grpSpPr>
+      <p:pic>
+        <p:nvPicPr>
+          <p:cNvPr id="7" name="Picture 6" descr="A group of people in an office&#10;&#10;AI-generated content may be incorrect.">
+            <a:extLst>
+              <a:ext uri="{FF2B5EF4-FFF2-40B4-BE49-F238E27FC236}">
+                <a16:creationId xmlns:a16="http://schemas.microsoft.com/office/drawing/2014/main" id="{E1F3C3E9-5F83-3173-5AAF-31CFB7FC3811}"/>
+              </a:ext>
+            </a:extLst>
+          </p:cNvPr>
+          <p:cNvPicPr>
+            <a:picLocks noChangeAspect="1"/>
+          </p:cNvPicPr>
+          <p:nvPr/>
+        </p:nvPicPr>
+        <p:blipFill>
+          <a:blip r:embed="rId2"/>
+          <a:srcRect t="12719" b="3012"/>
+          <a:stretch>
+            <a:fillRect/>
+          </a:stretch>
+        </p:blipFill>
+        <p:spPr>
+          <a:xfrm>
+            <a:off x="20" y="-839"/>
+            <a:ext cx="12191980" cy="6858000"/>
+          </a:xfrm>
+          <a:prstGeom prst="rect">
+            <a:avLst/>
+          </a:prstGeom>
+        </p:spPr>
+      </p:pic>
+      <p:sp useBgFill="1">
+        <p:nvSpPr>
+          <p:cNvPr id="19" name="Rectangle 18">
+            <a:extLst>
+              <a:ext uri="{FF2B5EF4-FFF2-40B4-BE49-F238E27FC236}">
+                <a16:creationId xmlns:a16="http://schemas.microsoft.com/office/drawing/2014/main" id="{BF9FFE17-DE95-4821-ACC1-B90C95449294}"/>
+              </a:ext>
+              <a:ext uri="{C183D7F6-B498-43B3-948B-1728B52AA6E4}">
+                <adec:decorative xmlns:adec="http://schemas.microsoft.com/office/drawing/2017/decorative" val="1"/>
+              </a:ext>
+            </a:extLst>
+          </p:cNvPr>
+          <p:cNvSpPr>
+            <a:spLocks noGrp="1" noRot="1" noChangeAspect="1" noMove="1" noResize="1" noEditPoints="1" noAdjustHandles="1" noChangeArrowheads="1" noChangeShapeType="1" noTextEdit="1"/>
+          </p:cNvSpPr>
+          <p:nvPr>
+            <p:extLst>
+              <p:ext uri="{386F3935-93C4-4BCD-93E2-E3B085C9AB24}">
+                <p16:designElem xmlns:p16="http://schemas.microsoft.com/office/powerpoint/2015/main" val="1"/>
+              </p:ext>
+            </p:extLst>
+          </p:nvPr>
+        </p:nvSpPr>
+        <p:spPr>
+          <a:xfrm>
+            <a:off x="1307870" y="1267730"/>
+            <a:ext cx="9576262" cy="4307950"/>
+          </a:xfrm>
+          <a:prstGeom prst="rect">
+            <a:avLst/>
+          </a:prstGeom>
+          <a:ln w="6350" cap="flat" cmpd="sng" algn="ctr">
+            <a:noFill/>
+            <a:prstDash val="solid"/>
+          </a:ln>
+          <a:effectLst>
+            <a:outerShdw blurRad="50800" algn="ctr" rotWithShape="0">
+              <a:prstClr val="black">
+                <a:alpha val="66000"/>
+              </a:prstClr>
+            </a:outerShdw>
+            <a:softEdge rad="0"/>
+          </a:effectLst>
+        </p:spPr>
+        <p:txBody>
+          <a:bodyPr/>
+          <a:lstStyle/>
+          <a:p>
+            <a:endParaRPr lang="en-AU"/>
+          </a:p>
+        </p:txBody>
+      </p:sp>
+      <p:sp>
+        <p:nvSpPr>
+          <p:cNvPr id="21" name="Rectangle 20">
+            <a:extLst>
+              <a:ext uri="{FF2B5EF4-FFF2-40B4-BE49-F238E27FC236}">
+                <a16:creationId xmlns:a16="http://schemas.microsoft.com/office/drawing/2014/main" id="{03CF76AF-FF72-4430-A772-05840329020B}"/>
+              </a:ext>
+              <a:ext uri="{C183D7F6-B498-43B3-948B-1728B52AA6E4}">
+                <adec:decorative xmlns:adec="http://schemas.microsoft.com/office/drawing/2017/decorative" val="1"/>
+              </a:ext>
+            </a:extLst>
+          </p:cNvPr>
+          <p:cNvSpPr>
+            <a:spLocks noGrp="1" noRot="1" noChangeAspect="1" noMove="1" noResize="1" noEditPoints="1" noAdjustHandles="1" noChangeArrowheads="1" noChangeShapeType="1" noTextEdit="1"/>
+          </p:cNvSpPr>
+          <p:nvPr>
+            <p:extLst>
+              <p:ext uri="{386F3935-93C4-4BCD-93E2-E3B085C9AB24}">
+                <p16:designElem xmlns:p16="http://schemas.microsoft.com/office/powerpoint/2015/main" val="1"/>
+              </p:ext>
+            </p:extLst>
+          </p:nvPr>
+        </p:nvSpPr>
+        <p:spPr>
+          <a:xfrm>
+            <a:off x="1447801" y="1411615"/>
+            <a:ext cx="9296400" cy="4034770"/>
+          </a:xfrm>
+          <a:prstGeom prst="rect">
+            <a:avLst/>
+          </a:prstGeom>
+          <a:noFill/>
+          <a:ln w="6350" cap="sq" cmpd="sng" algn="ctr">
+            <a:solidFill>
+              <a:schemeClr val="tx1">
+                <a:lumMod val="75000"/>
+                <a:lumOff val="25000"/>
+              </a:schemeClr>
+            </a:solidFill>
+            <a:prstDash val="solid"/>
+            <a:miter lim="800000"/>
+          </a:ln>
+          <a:effectLst/>
+        </p:spPr>
+        <p:txBody>
+          <a:bodyPr/>
+          <a:lstStyle/>
+          <a:p>
+            <a:endParaRPr lang="en-AU"/>
+          </a:p>
+        </p:txBody>
+      </p:sp>
+      <p:sp>
+        <p:nvSpPr>
+          <p:cNvPr id="4" name="Title 3">
+            <a:extLst>
+              <a:ext uri="{FF2B5EF4-FFF2-40B4-BE49-F238E27FC236}">
+                <a16:creationId xmlns:a16="http://schemas.microsoft.com/office/drawing/2014/main" id="{C5494385-F2CF-5B93-0D89-EC18CD1323B8}"/>
+              </a:ext>
+            </a:extLst>
+          </p:cNvPr>
+          <p:cNvSpPr>
+            <a:spLocks noGrp="1"/>
+          </p:cNvSpPr>
+          <p:nvPr>
+            <p:ph type="ctrTitle"/>
+          </p:nvPr>
+        </p:nvSpPr>
+        <p:spPr>
+          <a:xfrm>
+            <a:off x="1771132" y="2091263"/>
+            <a:ext cx="8649738" cy="2590800"/>
+          </a:xfrm>
+        </p:spPr>
+        <p:txBody>
+          <a:bodyPr>
+            <a:normAutofit/>
+          </a:bodyPr>
+          <a:lstStyle/>
+          <a:p>
+            <a:r>
+              <a:rPr lang="en-AU" dirty="0">
+                <a:latin typeface="+mn-lt"/>
+              </a:rPr>
+              <a:t>Thanks For listening</a:t>
+            </a:r>
+          </a:p>
+        </p:txBody>
+      </p:sp>
+      <p:sp>
+        <p:nvSpPr>
+          <p:cNvPr id="23" name="Rectangle 22">
+            <a:extLst>
+              <a:ext uri="{FF2B5EF4-FFF2-40B4-BE49-F238E27FC236}">
+                <a16:creationId xmlns:a16="http://schemas.microsoft.com/office/drawing/2014/main" id="{0B1C8180-2FDD-4202-8C45-4057CB1AB26F}"/>
+              </a:ext>
+              <a:ext uri="{C183D7F6-B498-43B3-948B-1728B52AA6E4}">
+                <adec:decorative xmlns:adec="http://schemas.microsoft.com/office/drawing/2017/decorative" val="1"/>
+              </a:ext>
+            </a:extLst>
+          </p:cNvPr>
+          <p:cNvSpPr>
+            <a:spLocks noGrp="1" noRot="1" noChangeAspect="1" noMove="1" noResize="1" noEditPoints="1" noAdjustHandles="1" noChangeArrowheads="1" noChangeShapeType="1" noTextEdit="1"/>
+          </p:cNvSpPr>
+          <p:nvPr>
+            <p:extLst>
+              <p:ext uri="{386F3935-93C4-4BCD-93E2-E3B085C9AB24}">
+                <p16:designElem xmlns:p16="http://schemas.microsoft.com/office/powerpoint/2015/main" val="1"/>
+              </p:ext>
+            </p:extLst>
+          </p:nvPr>
+        </p:nvSpPr>
+        <p:spPr>
+          <a:xfrm>
+            <a:off x="5135880" y="1267730"/>
+            <a:ext cx="1920240" cy="731520"/>
+          </a:xfrm>
+          <a:prstGeom prst="rect">
+            <a:avLst/>
+          </a:prstGeom>
+          <a:solidFill>
+            <a:schemeClr val="accent1"/>
+          </a:solidFill>
+          <a:ln>
+            <a:noFill/>
+          </a:ln>
+        </p:spPr>
+        <p:style>
+          <a:lnRef idx="2">
+            <a:schemeClr val="accent1">
+              <a:shade val="50000"/>
+            </a:schemeClr>
+          </a:lnRef>
+          <a:fillRef idx="1">
+            <a:schemeClr val="accent1"/>
+          </a:fillRef>
+          <a:effectRef idx="0">
+            <a:schemeClr val="accent1"/>
+          </a:effectRef>
+          <a:fontRef idx="minor">
+            <a:schemeClr val="lt1"/>
+          </a:fontRef>
+        </p:style>
+        <p:txBody>
+          <a:bodyPr/>
+          <a:lstStyle/>
+          <a:p>
+            <a:endParaRPr lang="en-AU"/>
+          </a:p>
+        </p:txBody>
+      </p:sp>
+      <p:cxnSp>
+        <p:nvCxnSpPr>
+          <p:cNvPr id="18" name="Straight Connector 17">
+            <a:extLst>
+              <a:ext uri="{FF2B5EF4-FFF2-40B4-BE49-F238E27FC236}">
+                <a16:creationId xmlns:a16="http://schemas.microsoft.com/office/drawing/2014/main" id="{D6E86CC6-13EA-4A88-86AD-CF27BF52CC95}"/>
+              </a:ext>
+              <a:ext uri="{C183D7F6-B498-43B3-948B-1728B52AA6E4}">
+                <adec:decorative xmlns:adec="http://schemas.microsoft.com/office/drawing/2017/decorative" val="1"/>
+              </a:ext>
+            </a:extLst>
+          </p:cNvPr>
+          <p:cNvCxnSpPr>
+            <a:cxnSpLocks noGrp="1" noRot="1" noChangeAspect="1" noMove="1" noResize="1" noEditPoints="1" noAdjustHandles="1" noChangeArrowheads="1" noChangeShapeType="1"/>
+          </p:cNvCxnSpPr>
+          <p:nvPr>
+            <p:extLst>
+              <p:ext uri="{386F3935-93C4-4BCD-93E2-E3B085C9AB24}">
+                <p16:designElem xmlns:p16="http://schemas.microsoft.com/office/powerpoint/2015/main" val="1"/>
+              </p:ext>
+            </p:extLst>
+          </p:nvPr>
+        </p:nvCxnSpPr>
+        <p:spPr>
+          <a:xfrm>
+            <a:off x="5250180" y="1267730"/>
+            <a:ext cx="0" cy="640080"/>
+          </a:xfrm>
+          <a:prstGeom prst="line">
+            <a:avLst/>
+          </a:prstGeom>
+          <a:solidFill>
+            <a:schemeClr val="tx1">
+              <a:lumMod val="85000"/>
+              <a:lumOff val="15000"/>
+            </a:schemeClr>
+          </a:solidFill>
+          <a:ln>
+            <a:solidFill>
+              <a:srgbClr val="FFFFFF"/>
+            </a:solidFill>
+            <a:miter lim="800000"/>
+          </a:ln>
+        </p:spPr>
+        <p:style>
+          <a:lnRef idx="1">
+            <a:schemeClr val="accent1"/>
+          </a:lnRef>
+          <a:fillRef idx="0">
+            <a:schemeClr val="accent1"/>
+          </a:fillRef>
+          <a:effectRef idx="0">
+            <a:schemeClr val="accent1"/>
+          </a:effectRef>
+          <a:fontRef idx="minor">
+            <a:schemeClr val="tx1"/>
+          </a:fontRef>
+        </p:style>
+      </p:cxnSp>
+      <p:cxnSp>
+        <p:nvCxnSpPr>
+          <p:cNvPr id="20" name="Straight Connector 19">
+            <a:extLst>
+              <a:ext uri="{FF2B5EF4-FFF2-40B4-BE49-F238E27FC236}">
+                <a16:creationId xmlns:a16="http://schemas.microsoft.com/office/drawing/2014/main" id="{3F80B441-4F7D-4B40-8A13-FED03A1F3A16}"/>
+              </a:ext>
+              <a:ext uri="{C183D7F6-B498-43B3-948B-1728B52AA6E4}">
+                <adec:decorative xmlns:adec="http://schemas.microsoft.com/office/drawing/2017/decorative" val="1"/>
+              </a:ext>
+            </a:extLst>
+          </p:cNvPr>
+          <p:cNvCxnSpPr>
+            <a:cxnSpLocks noGrp="1" noRot="1" noChangeAspect="1" noMove="1" noResize="1" noEditPoints="1" noAdjustHandles="1" noChangeArrowheads="1" noChangeShapeType="1"/>
+          </p:cNvCxnSpPr>
+          <p:nvPr>
+            <p:extLst>
+              <p:ext uri="{386F3935-93C4-4BCD-93E2-E3B085C9AB24}">
+                <p16:designElem xmlns:p16="http://schemas.microsoft.com/office/powerpoint/2015/main" val="1"/>
+              </p:ext>
+            </p:extLst>
+          </p:nvPr>
+        </p:nvCxnSpPr>
+        <p:spPr>
+          <a:xfrm>
+            <a:off x="6941820" y="1267730"/>
+            <a:ext cx="0" cy="640080"/>
+          </a:xfrm>
+          <a:prstGeom prst="line">
+            <a:avLst/>
+          </a:prstGeom>
+          <a:solidFill>
+            <a:schemeClr val="tx1">
+              <a:lumMod val="85000"/>
+              <a:lumOff val="15000"/>
+            </a:schemeClr>
+          </a:solidFill>
+          <a:ln>
+            <a:solidFill>
+              <a:srgbClr val="FFFFFF"/>
+            </a:solidFill>
+            <a:miter lim="800000"/>
+          </a:ln>
+        </p:spPr>
+        <p:style>
+          <a:lnRef idx="1">
+            <a:schemeClr val="accent1"/>
+          </a:lnRef>
+          <a:fillRef idx="0">
+            <a:schemeClr val="accent1"/>
+          </a:fillRef>
+          <a:effectRef idx="0">
+            <a:schemeClr val="accent1"/>
+          </a:effectRef>
+          <a:fontRef idx="minor">
+            <a:schemeClr val="tx1"/>
+          </a:fontRef>
+        </p:style>
+      </p:cxnSp>
+      <p:cxnSp>
+        <p:nvCxnSpPr>
+          <p:cNvPr id="22" name="Straight Connector 21">
+            <a:extLst>
+              <a:ext uri="{FF2B5EF4-FFF2-40B4-BE49-F238E27FC236}">
+                <a16:creationId xmlns:a16="http://schemas.microsoft.com/office/drawing/2014/main" id="{70C7FD1A-44B1-4E4C-B0C9-A8103DCCDCC2}"/>
+              </a:ext>
+              <a:ext uri="{C183D7F6-B498-43B3-948B-1728B52AA6E4}">
+                <adec:decorative xmlns:adec="http://schemas.microsoft.com/office/drawing/2017/decorative" val="1"/>
+              </a:ext>
+            </a:extLst>
+          </p:cNvPr>
+          <p:cNvCxnSpPr>
+            <a:cxnSpLocks noGrp="1" noRot="1" noChangeAspect="1" noMove="1" noResize="1" noEditPoints="1" noAdjustHandles="1" noChangeArrowheads="1" noChangeShapeType="1"/>
+          </p:cNvCxnSpPr>
+          <p:nvPr>
+            <p:extLst>
+              <p:ext uri="{386F3935-93C4-4BCD-93E2-E3B085C9AB24}">
+                <p16:designElem xmlns:p16="http://schemas.microsoft.com/office/powerpoint/2015/main" val="1"/>
+              </p:ext>
+            </p:extLst>
+          </p:nvPr>
+        </p:nvCxnSpPr>
+        <p:spPr>
+          <a:xfrm>
+            <a:off x="5250180" y="1913025"/>
+            <a:ext cx="1691640" cy="0"/>
+          </a:xfrm>
+          <a:prstGeom prst="line">
+            <a:avLst/>
+          </a:prstGeom>
+          <a:solidFill>
+            <a:schemeClr val="tx1">
+              <a:lumMod val="85000"/>
+              <a:lumOff val="15000"/>
+            </a:schemeClr>
+          </a:solidFill>
+          <a:ln>
+            <a:solidFill>
+              <a:srgbClr val="FFFFFF"/>
+            </a:solidFill>
+            <a:miter lim="800000"/>
+          </a:ln>
+        </p:spPr>
+        <p:style>
+          <a:lnRef idx="1">
+            <a:schemeClr val="accent1"/>
+          </a:lnRef>
+          <a:fillRef idx="0">
+            <a:schemeClr val="accent1"/>
+          </a:fillRef>
+          <a:effectRef idx="0">
+            <a:schemeClr val="accent1"/>
+          </a:effectRef>
+          <a:fontRef idx="minor">
+            <a:schemeClr val="tx1"/>
+          </a:fontRef>
+        </p:style>
+      </p:cxnSp>
+    </p:spTree>
+    <p:extLst>
+      <p:ext uri="{BB962C8B-B14F-4D97-AF65-F5344CB8AC3E}">
+        <p14:creationId xmlns:p14="http://schemas.microsoft.com/office/powerpoint/2010/main" val="4018465536"/>
       </p:ext>
     </p:extLst>
   </p:cSld>
@@ -7426,6 +7567,321 @@
 </a:theme>
 </file>
 
+<file path=ppt/theme/theme2.xml><?xml version="1.0" encoding="utf-8"?>
+<a:theme xmlns:a="http://schemas.openxmlformats.org/drawingml/2006/main" name="Office Theme">
+  <a:themeElements>
+    <a:clrScheme name="Office">
+      <a:dk1>
+        <a:sysClr val="windowText" lastClr="000000"/>
+      </a:dk1>
+      <a:lt1>
+        <a:sysClr val="window" lastClr="FFFFFF"/>
+      </a:lt1>
+      <a:dk2>
+        <a:srgbClr val="0E2841"/>
+      </a:dk2>
+      <a:lt2>
+        <a:srgbClr val="E8E8E8"/>
+      </a:lt2>
+      <a:accent1>
+        <a:srgbClr val="156082"/>
+      </a:accent1>
+      <a:accent2>
+        <a:srgbClr val="E97132"/>
+      </a:accent2>
+      <a:accent3>
+        <a:srgbClr val="196B24"/>
+      </a:accent3>
+      <a:accent4>
+        <a:srgbClr val="0F9ED5"/>
+      </a:accent4>
+      <a:accent5>
+        <a:srgbClr val="A02B93"/>
+      </a:accent5>
+      <a:accent6>
+        <a:srgbClr val="4EA72E"/>
+      </a:accent6>
+      <a:hlink>
+        <a:srgbClr val="467886"/>
+      </a:hlink>
+      <a:folHlink>
+        <a:srgbClr val="96607D"/>
+      </a:folHlink>
+    </a:clrScheme>
+    <a:fontScheme name="Office">
+      <a:majorFont>
+        <a:latin typeface="Aptos Display" panose="02110004020202020204"/>
+        <a:ea typeface=""/>
+        <a:cs typeface=""/>
+        <a:font script="Jpan" typeface="游ゴシック Light"/>
+        <a:font script="Hang" typeface="맑은 고딕"/>
+        <a:font script="Hans" typeface="等线 Light"/>
+        <a:font script="Hant" typeface="新細明體"/>
+        <a:font script="Arab" typeface="Times New Roman"/>
+        <a:font script="Hebr" typeface="Times New Roman"/>
+        <a:font script="Thai" typeface="Angsana New"/>
+        <a:font script="Ethi" typeface="Nyala"/>
+        <a:font script="Beng" typeface="Vrinda"/>
+        <a:font script="Gujr" typeface="Shruti"/>
+        <a:font script="Khmr" typeface="MoolBoran"/>
+        <a:font script="Knda" typeface="Tunga"/>
+        <a:font script="Guru" typeface="Raavi"/>
+        <a:font script="Cans" typeface="Euphemia"/>
+        <a:font script="Cher" typeface="Plantagenet Cherokee"/>
+        <a:font script="Yiii" typeface="Microsoft Yi Baiti"/>
+        <a:font script="Tibt" typeface="Microsoft Himalaya"/>
+        <a:font script="Thaa" typeface="MV Boli"/>
+        <a:font script="Deva" typeface="Mangal"/>
+        <a:font script="Telu" typeface="Gautami"/>
+        <a:font script="Taml" typeface="Latha"/>
+        <a:font script="Syrc" typeface="Estrangelo Edessa"/>
+        <a:font script="Orya" typeface="Kalinga"/>
+        <a:font script="Mlym" typeface="Kartika"/>
+        <a:font script="Laoo" typeface="DokChampa"/>
+        <a:font script="Sinh" typeface="Iskoola Pota"/>
+        <a:font script="Mong" typeface="Mongolian Baiti"/>
+        <a:font script="Viet" typeface="Times New Roman"/>
+        <a:font script="Uigh" typeface="Microsoft Uighur"/>
+        <a:font script="Geor" typeface="Sylfaen"/>
+        <a:font script="Armn" typeface="Arial"/>
+        <a:font script="Bugi" typeface="Leelawadee UI"/>
+        <a:font script="Bopo" typeface="Microsoft JhengHei"/>
+        <a:font script="Java" typeface="Javanese Text"/>
+        <a:font script="Lisu" typeface="Segoe UI"/>
+        <a:font script="Mymr" typeface="Myanmar Text"/>
+        <a:font script="Nkoo" typeface="Ebrima"/>
+        <a:font script="Olck" typeface="Nirmala UI"/>
+        <a:font script="Osma" typeface="Ebrima"/>
+        <a:font script="Phag" typeface="Phagspa"/>
+        <a:font script="Syrn" typeface="Estrangelo Edessa"/>
+        <a:font script="Syrj" typeface="Estrangelo Edessa"/>
+        <a:font script="Syre" typeface="Estrangelo Edessa"/>
+        <a:font script="Sora" typeface="Nirmala UI"/>
+        <a:font script="Tale" typeface="Microsoft Tai Le"/>
+        <a:font script="Talu" typeface="Microsoft New Tai Lue"/>
+        <a:font script="Tfng" typeface="Ebrima"/>
+      </a:majorFont>
+      <a:minorFont>
+        <a:latin typeface="Aptos" panose="02110004020202020204"/>
+        <a:ea typeface=""/>
+        <a:cs typeface=""/>
+        <a:font script="Jpan" typeface="游ゴシック"/>
+        <a:font script="Hang" typeface="맑은 고딕"/>
+        <a:font script="Hans" typeface="等线"/>
+        <a:font script="Hant" typeface="新細明體"/>
+        <a:font script="Arab" typeface="Arial"/>
+        <a:font script="Hebr" typeface="Arial"/>
+        <a:font script="Thai" typeface="Cordia New"/>
+        <a:font script="Ethi" typeface="Nyala"/>
+        <a:font script="Beng" typeface="Vrinda"/>
+        <a:font script="Gujr" typeface="Shruti"/>
+        <a:font script="Khmr" typeface="DaunPenh"/>
+        <a:font script="Knda" typeface="Tunga"/>
+        <a:font script="Guru" typeface="Raavi"/>
+        <a:font script="Cans" typeface="Euphemia"/>
+        <a:font script="Cher" typeface="Plantagenet Cherokee"/>
+        <a:font script="Yiii" typeface="Microsoft Yi Baiti"/>
+        <a:font script="Tibt" typeface="Microsoft Himalaya"/>
+        <a:font script="Thaa" typeface="MV Boli"/>
+        <a:font script="Deva" typeface="Mangal"/>
+        <a:font script="Telu" typeface="Gautami"/>
+        <a:font script="Taml" typeface="Latha"/>
+        <a:font script="Syrc" typeface="Estrangelo Edessa"/>
+        <a:font script="Orya" typeface="Kalinga"/>
+        <a:font script="Mlym" typeface="Kartika"/>
+        <a:font script="Laoo" typeface="DokChampa"/>
+        <a:font script="Sinh" typeface="Iskoola Pota"/>
+        <a:font script="Mong" typeface="Mongolian Baiti"/>
+        <a:font script="Viet" typeface="Arial"/>
+        <a:font script="Uigh" typeface="Microsoft Uighur"/>
+        <a:font script="Geor" typeface="Sylfaen"/>
+        <a:font script="Armn" typeface="Arial"/>
+        <a:font script="Bugi" typeface="Leelawadee UI"/>
+        <a:font script="Bopo" typeface="Microsoft JhengHei"/>
+        <a:font script="Java" typeface="Javanese Text"/>
+        <a:font script="Lisu" typeface="Segoe UI"/>
+        <a:font script="Mymr" typeface="Myanmar Text"/>
+        <a:font script="Nkoo" typeface="Ebrima"/>
+        <a:font script="Olck" typeface="Nirmala UI"/>
+        <a:font script="Osma" typeface="Ebrima"/>
+        <a:font script="Phag" typeface="Phagspa"/>
+        <a:font script="Syrn" typeface="Estrangelo Edessa"/>
+        <a:font script="Syrj" typeface="Estrangelo Edessa"/>
+        <a:font script="Syre" typeface="Estrangelo Edessa"/>
+        <a:font script="Sora" typeface="Nirmala UI"/>
+        <a:font script="Tale" typeface="Microsoft Tai Le"/>
+        <a:font script="Talu" typeface="Microsoft New Tai Lue"/>
+        <a:font script="Tfng" typeface="Ebrima"/>
+      </a:minorFont>
+    </a:fontScheme>
+    <a:fmtScheme name="Office">
+      <a:fillStyleLst>
+        <a:solidFill>
+          <a:schemeClr val="phClr"/>
+        </a:solidFill>
+        <a:gradFill rotWithShape="1">
+          <a:gsLst>
+            <a:gs pos="0">
+              <a:schemeClr val="phClr">
+                <a:lumMod val="110000"/>
+                <a:satMod val="105000"/>
+                <a:tint val="67000"/>
+              </a:schemeClr>
+            </a:gs>
+            <a:gs pos="50000">
+              <a:schemeClr val="phClr">
+                <a:lumMod val="105000"/>
+                <a:satMod val="103000"/>
+                <a:tint val="73000"/>
+              </a:schemeClr>
+            </a:gs>
+            <a:gs pos="100000">
+              <a:schemeClr val="phClr">
+                <a:lumMod val="105000"/>
+                <a:satMod val="109000"/>
+                <a:tint val="81000"/>
+              </a:schemeClr>
+            </a:gs>
+          </a:gsLst>
+          <a:lin ang="5400000" scaled="0"/>
+        </a:gradFill>
+        <a:gradFill rotWithShape="1">
+          <a:gsLst>
+            <a:gs pos="0">
+              <a:schemeClr val="phClr">
+                <a:satMod val="103000"/>
+                <a:lumMod val="102000"/>
+                <a:tint val="94000"/>
+              </a:schemeClr>
+            </a:gs>
+            <a:gs pos="50000">
+              <a:schemeClr val="phClr">
+                <a:satMod val="110000"/>
+                <a:lumMod val="100000"/>
+                <a:shade val="100000"/>
+              </a:schemeClr>
+            </a:gs>
+            <a:gs pos="100000">
+              <a:schemeClr val="phClr">
+                <a:lumMod val="99000"/>
+                <a:satMod val="120000"/>
+                <a:shade val="78000"/>
+              </a:schemeClr>
+            </a:gs>
+          </a:gsLst>
+          <a:lin ang="5400000" scaled="0"/>
+        </a:gradFill>
+      </a:fillStyleLst>
+      <a:lnStyleLst>
+        <a:ln w="12700" cap="flat" cmpd="sng" algn="ctr">
+          <a:solidFill>
+            <a:schemeClr val="phClr"/>
+          </a:solidFill>
+          <a:prstDash val="solid"/>
+          <a:miter lim="800000"/>
+        </a:ln>
+        <a:ln w="19050" cap="flat" cmpd="sng" algn="ctr">
+          <a:solidFill>
+            <a:schemeClr val="phClr"/>
+          </a:solidFill>
+          <a:prstDash val="solid"/>
+          <a:miter lim="800000"/>
+        </a:ln>
+        <a:ln w="25400" cap="flat" cmpd="sng" algn="ctr">
+          <a:solidFill>
+            <a:schemeClr val="phClr"/>
+          </a:solidFill>
+          <a:prstDash val="solid"/>
+          <a:miter lim="800000"/>
+        </a:ln>
+      </a:lnStyleLst>
+      <a:effectStyleLst>
+        <a:effectStyle>
+          <a:effectLst/>
+        </a:effectStyle>
+        <a:effectStyle>
+          <a:effectLst/>
+        </a:effectStyle>
+        <a:effectStyle>
+          <a:effectLst>
+            <a:outerShdw blurRad="57150" dist="19050" dir="5400000" algn="ctr" rotWithShape="0">
+              <a:srgbClr val="000000">
+                <a:alpha val="63000"/>
+              </a:srgbClr>
+            </a:outerShdw>
+          </a:effectLst>
+        </a:effectStyle>
+      </a:effectStyleLst>
+      <a:bgFillStyleLst>
+        <a:solidFill>
+          <a:schemeClr val="phClr"/>
+        </a:solidFill>
+        <a:solidFill>
+          <a:schemeClr val="phClr">
+            <a:tint val="95000"/>
+            <a:satMod val="170000"/>
+          </a:schemeClr>
+        </a:solidFill>
+        <a:gradFill rotWithShape="1">
+          <a:gsLst>
+            <a:gs pos="0">
+              <a:schemeClr val="phClr">
+                <a:tint val="93000"/>
+                <a:satMod val="150000"/>
+                <a:shade val="98000"/>
+                <a:lumMod val="102000"/>
+              </a:schemeClr>
+            </a:gs>
+            <a:gs pos="50000">
+              <a:schemeClr val="phClr">
+                <a:tint val="98000"/>
+                <a:satMod val="130000"/>
+                <a:shade val="90000"/>
+                <a:lumMod val="103000"/>
+              </a:schemeClr>
+            </a:gs>
+            <a:gs pos="100000">
+              <a:schemeClr val="phClr">
+                <a:shade val="63000"/>
+                <a:satMod val="120000"/>
+              </a:schemeClr>
+            </a:gs>
+          </a:gsLst>
+          <a:lin ang="5400000" scaled="0"/>
+        </a:gradFill>
+      </a:bgFillStyleLst>
+    </a:fmtScheme>
+  </a:themeElements>
+  <a:objectDefaults>
+    <a:lnDef>
+      <a:spPr/>
+      <a:bodyPr/>
+      <a:lstStyle/>
+      <a:style>
+        <a:lnRef idx="2">
+          <a:schemeClr val="accent1"/>
+        </a:lnRef>
+        <a:fillRef idx="0">
+          <a:schemeClr val="accent1"/>
+        </a:fillRef>
+        <a:effectRef idx="1">
+          <a:schemeClr val="accent1"/>
+        </a:effectRef>
+        <a:fontRef idx="minor">
+          <a:schemeClr val="tx1"/>
+        </a:fontRef>
+      </a:style>
+    </a:lnDef>
+  </a:objectDefaults>
+  <a:extraClrSchemeLst/>
+  <a:extLst>
+    <a:ext uri="{05A4C25C-085E-4340-85A3-A5531E510DB2}">
+      <thm15:themeFamily xmlns:thm15="http://schemas.microsoft.com/office/thememl/2012/main" name="Office Theme" id="{2E142A2C-CD16-42D6-873A-C26D2A0506FA}" vid="{1BDDFF52-6CD6-40A5-AB3C-68EB2F1E4D0A}"/>
+    </a:ext>
+  </a:extLst>
+</a:theme>
+</file>
+
 <file path=ppt/theme/themeOverride1.xml><?xml version="1.0" encoding="utf-8"?>
 <a:themeOverride xmlns:a="http://schemas.openxmlformats.org/drawingml/2006/main">
   <a:clrScheme name="Marquee">
@@ -7469,68 +7925,7 @@
 </a:themeOverride>
 </file>
 
-<file path=ppt/theme/themeOverride2.xml><?xml version="1.0" encoding="utf-8"?>
-<a:themeOverride xmlns:a="http://schemas.openxmlformats.org/drawingml/2006/main">
-  <a:clrScheme name="Marquee">
-    <a:dk1>
-      <a:srgbClr val="000000"/>
-    </a:dk1>
-    <a:lt1>
-      <a:sysClr val="window" lastClr="FFFFFF"/>
-    </a:lt1>
-    <a:dk2>
-      <a:srgbClr val="5E5E5E"/>
-    </a:dk2>
-    <a:lt2>
-      <a:srgbClr val="DDDDDD"/>
-    </a:lt2>
-    <a:accent1>
-      <a:srgbClr val="418AB3"/>
-    </a:accent1>
-    <a:accent2>
-      <a:srgbClr val="A6B727"/>
-    </a:accent2>
-    <a:accent3>
-      <a:srgbClr val="F69200"/>
-    </a:accent3>
-    <a:accent4>
-      <a:srgbClr val="838383"/>
-    </a:accent4>
-    <a:accent5>
-      <a:srgbClr val="FEC306"/>
-    </a:accent5>
-    <a:accent6>
-      <a:srgbClr val="DF5327"/>
-    </a:accent6>
-    <a:hlink>
-      <a:srgbClr val="F59E00"/>
-    </a:hlink>
-    <a:folHlink>
-      <a:srgbClr val="B2B2B2"/>
-    </a:folHlink>
-  </a:clrScheme>
-</a:themeOverride>
-</file>
-
 <file path=customXml/item1.xml><?xml version="1.0" encoding="utf-8"?>
-<?mso-contentType ?>
-<FormTemplates xmlns="http://schemas.microsoft.com/sharepoint/v3/contenttype/forms">
-  <Display>DocumentLibraryForm</Display>
-  <Edit>DocumentLibraryForm</Edit>
-  <New>DocumentLibraryForm</New>
-</FormTemplates>
-</file>
-
-<file path=customXml/item2.xml><?xml version="1.0" encoding="utf-8"?>
-<p:properties xmlns:p="http://schemas.microsoft.com/office/2006/metadata/properties" xmlns:xsi="http://www.w3.org/2001/XMLSchema-instance" xmlns:pc="http://schemas.microsoft.com/office/infopath/2007/PartnerControls">
-  <documentManagement>
-    <Status xmlns="71af3243-3dd4-4a8d-8c0d-dd76da1f02a5">Not started</Status>
-    <MediaServiceKeyPoints xmlns="71af3243-3dd4-4a8d-8c0d-dd76da1f02a5" xsi:nil="true"/>
-  </documentManagement>
-</p:properties>
-</file>
-
-<file path=customXml/item3.xml><?xml version="1.0" encoding="utf-8"?>
 <ct:contentTypeSchema xmlns:ct="http://schemas.microsoft.com/office/2006/metadata/contentType" xmlns:ma="http://schemas.microsoft.com/office/2006/metadata/properties/metaAttributes" ct:_="" ma:_="" ma:contentTypeName="Document" ma:contentTypeID="0x01010079F111ED35F8CC479449609E8A0923A6" ma:contentTypeVersion="12" ma:contentTypeDescription="Create a new document." ma:contentTypeScope="" ma:versionID="a410dd7f93c95333ffa1b60ed6adedd1">
   <xsd:schema xmlns:xsd="http://www.w3.org/2001/XMLSchema" xmlns:xs="http://www.w3.org/2001/XMLSchema" xmlns:p="http://schemas.microsoft.com/office/2006/metadata/properties" xmlns:ns2="71af3243-3dd4-4a8d-8c0d-dd76da1f02a5" xmlns:ns3="16c05727-aa75-4e4a-9b5f-8a80a1165891" targetNamespace="http://schemas.microsoft.com/office/2006/metadata/properties" ma:root="true" ma:fieldsID="a936d9baba76aa3866493feff160faab" ns2:_="" ns3:_="">
     <xsd:import namespace="71af3243-3dd4-4a8d-8c0d-dd76da1f02a5"/>
@@ -7751,25 +8146,25 @@
 </ct:contentTypeSchema>
 </file>
 
-<file path=customXml/itemProps1.xml><?xml version="1.0" encoding="utf-8"?>
-<ds:datastoreItem xmlns:ds="http://schemas.openxmlformats.org/officeDocument/2006/customXml" ds:itemID="{AE2713E1-6312-427E-BFCB-C5A5DA301373}">
-  <ds:schemaRefs>
-    <ds:schemaRef ds:uri="http://schemas.microsoft.com/sharepoint/v3/contenttype/forms"/>
-  </ds:schemaRefs>
-</ds:datastoreItem>
+<file path=customXml/item2.xml><?xml version="1.0" encoding="utf-8"?>
+<p:properties xmlns:p="http://schemas.microsoft.com/office/2006/metadata/properties" xmlns:xsi="http://www.w3.org/2001/XMLSchema-instance" xmlns:pc="http://schemas.microsoft.com/office/infopath/2007/PartnerControls">
+  <documentManagement>
+    <Status xmlns="71af3243-3dd4-4a8d-8c0d-dd76da1f02a5">Not started</Status>
+    <MediaServiceKeyPoints xmlns="71af3243-3dd4-4a8d-8c0d-dd76da1f02a5" xsi:nil="true"/>
+  </documentManagement>
+</p:properties>
 </file>
 
-<file path=customXml/itemProps2.xml><?xml version="1.0" encoding="utf-8"?>
-<ds:datastoreItem xmlns:ds="http://schemas.openxmlformats.org/officeDocument/2006/customXml" ds:itemID="{52F3B215-496E-4790-A364-7C1C46DEC771}">
-  <ds:schemaRefs>
-    <ds:schemaRef ds:uri="http://schemas.microsoft.com/office/2006/metadata/properties"/>
-    <ds:schemaRef ds:uri="http://schemas.microsoft.com/office/infopath/2007/PartnerControls"/>
-    <ds:schemaRef ds:uri="71af3243-3dd4-4a8d-8c0d-dd76da1f02a5"/>
-  </ds:schemaRefs>
-</ds:datastoreItem>
+<file path=customXml/item3.xml><?xml version="1.0" encoding="utf-8"?>
+<?mso-contentType ?>
+<FormTemplates xmlns="http://schemas.microsoft.com/sharepoint/v3/contenttype/forms">
+  <Display>DocumentLibraryForm</Display>
+  <Edit>DocumentLibraryForm</Edit>
+  <New>DocumentLibraryForm</New>
+</FormTemplates>
 </file>
 
-<file path=customXml/itemProps3.xml><?xml version="1.0" encoding="utf-8"?>
+<file path=customXml/itemProps1.xml><?xml version="1.0" encoding="utf-8"?>
 <ds:datastoreItem xmlns:ds="http://schemas.openxmlformats.org/officeDocument/2006/customXml" ds:itemID="{50DB95DD-0319-4EE5-8C5C-9CEDF75E024B}">
   <ds:schemaRefs>
     <ds:schemaRef ds:uri="http://schemas.microsoft.com/office/2006/metadata/contentType"/>
@@ -7786,4 +8181,22 @@
     <ds:schemaRef ds:uri="http://schemas.microsoft.com/internal/obd"/>
   </ds:schemaRefs>
 </ds:datastoreItem>
+</file>
+
+<file path=customXml/itemProps2.xml><?xml version="1.0" encoding="utf-8"?>
+<ds:datastoreItem xmlns:ds="http://schemas.openxmlformats.org/officeDocument/2006/customXml" ds:itemID="{52F3B215-496E-4790-A364-7C1C46DEC771}">
+  <ds:schemaRefs>
+    <ds:schemaRef ds:uri="http://schemas.microsoft.com/office/2006/metadata/properties"/>
+    <ds:schemaRef ds:uri="http://schemas.microsoft.com/office/infopath/2007/PartnerControls"/>
+    <ds:schemaRef ds:uri="71af3243-3dd4-4a8d-8c0d-dd76da1f02a5"/>
+  </ds:schemaRefs>
+</ds:datastoreItem>
+</file>
+
+<file path=customXml/itemProps3.xml><?xml version="1.0" encoding="utf-8"?>
+<ds:datastoreItem xmlns:ds="http://schemas.openxmlformats.org/officeDocument/2006/customXml" ds:itemID="{AE2713E1-6312-427E-BFCB-C5A5DA301373}">
+  <ds:schemaRefs>
+    <ds:schemaRef ds:uri="http://schemas.microsoft.com/sharepoint/v3/contenttype/forms"/>
+  </ds:schemaRefs>
+</ds:datastoreItem>
 </file>